--- a/SRWE_Module_10_skb.pptx
+++ b/SRWE_Module_10_skb.pptx
@@ -5,40 +5,36 @@
     <p:sldMasterId id="2147483700" r:id="rId1"/>
   </p:sldMasterIdLst>
   <p:notesMasterIdLst>
-    <p:notesMasterId r:id="rId28"/>
+    <p:notesMasterId r:id="rId24"/>
   </p:notesMasterIdLst>
   <p:sldIdLst>
     <p:sldId id="513" r:id="rId2"/>
     <p:sldId id="1151" r:id="rId3"/>
     <p:sldId id="1152" r:id="rId4"/>
     <p:sldId id="1153" r:id="rId5"/>
-    <p:sldId id="1104" r:id="rId6"/>
-    <p:sldId id="1118" r:id="rId7"/>
-    <p:sldId id="1154" r:id="rId8"/>
-    <p:sldId id="1155" r:id="rId9"/>
-    <p:sldId id="1139" r:id="rId10"/>
-    <p:sldId id="1156" r:id="rId11"/>
-    <p:sldId id="1157" r:id="rId12"/>
-    <p:sldId id="1158" r:id="rId13"/>
-    <p:sldId id="1159" r:id="rId14"/>
-    <p:sldId id="1160" r:id="rId15"/>
-    <p:sldId id="1161" r:id="rId16"/>
-    <p:sldId id="1162" r:id="rId17"/>
-    <p:sldId id="1163" r:id="rId18"/>
-    <p:sldId id="1164" r:id="rId19"/>
-    <p:sldId id="1165" r:id="rId20"/>
-    <p:sldId id="1166" r:id="rId21"/>
-    <p:sldId id="957" r:id="rId22"/>
-    <p:sldId id="1138" r:id="rId23"/>
-    <p:sldId id="1167" r:id="rId24"/>
-    <p:sldId id="1168" r:id="rId25"/>
-    <p:sldId id="874" r:id="rId26"/>
-    <p:sldId id="291" r:id="rId27"/>
+    <p:sldId id="1139" r:id="rId6"/>
+    <p:sldId id="1156" r:id="rId7"/>
+    <p:sldId id="1157" r:id="rId8"/>
+    <p:sldId id="1158" r:id="rId9"/>
+    <p:sldId id="1159" r:id="rId10"/>
+    <p:sldId id="1160" r:id="rId11"/>
+    <p:sldId id="1161" r:id="rId12"/>
+    <p:sldId id="1162" r:id="rId13"/>
+    <p:sldId id="1163" r:id="rId14"/>
+    <p:sldId id="1164" r:id="rId15"/>
+    <p:sldId id="1165" r:id="rId16"/>
+    <p:sldId id="1166" r:id="rId17"/>
+    <p:sldId id="957" r:id="rId18"/>
+    <p:sldId id="1138" r:id="rId19"/>
+    <p:sldId id="1167" r:id="rId20"/>
+    <p:sldId id="1168" r:id="rId21"/>
+    <p:sldId id="874" r:id="rId22"/>
+    <p:sldId id="291" r:id="rId23"/>
   </p:sldIdLst>
   <p:sldSz cx="9144000" cy="5143500" type="screen16x9"/>
   <p:notesSz cx="6858000" cy="9144000"/>
   <p:custDataLst>
-    <p:tags r:id="rId29"/>
+    <p:tags r:id="rId25"/>
   </p:custDataLst>
   <p:defaultTextStyle>
     <a:defPPr>
@@ -300,7 +296,7 @@
           <a:p>
             <a:fld id="{136337D9-3022-3D41-8D8A-BDF2F3B0DD8E}" type="datetimeFigureOut">
               <a:rPr lang="en-US" smtClean="0"/>
-              <a:t>10/30/2024</a:t>
+              <a:t>11/3/2024</a:t>
             </a:fld>
             <a:endParaRPr lang="en-US" dirty="0"/>
           </a:p>
@@ -750,11 +746,8 @@
           <a:p>
             <a:r>
               <a:rPr lang="en-US" dirty="0"/>
-              <a:t>10.5.1 – Video – VLAN and DHCP Attacks</a:t>
+              <a:t>10.5.4 – DHCP Messages</a:t>
             </a:r>
-          </a:p>
-          <a:p>
-            <a:endParaRPr lang="en-US" dirty="0"/>
           </a:p>
         </p:txBody>
       </p:sp>
@@ -784,7 +777,7 @@
     </p:spTree>
     <p:extLst>
       <p:ext uri="{BB962C8B-B14F-4D97-AF65-F5344CB8AC3E}">
-        <p14:creationId xmlns:p14="http://schemas.microsoft.com/office/powerpoint/2010/main" val="462423099"/>
+        <p14:creationId xmlns:p14="http://schemas.microsoft.com/office/powerpoint/2010/main" val="1782175716"/>
       </p:ext>
     </p:extLst>
   </p:cSld>
@@ -852,7 +845,7 @@
           <a:p>
             <a:r>
               <a:rPr lang="en-US" dirty="0"/>
-              <a:t>10.5.2 – VLAN Hopping Attacks</a:t>
+              <a:t>10.5.5 – DHCP  Attacks</a:t>
             </a:r>
           </a:p>
         </p:txBody>
@@ -883,7 +876,7 @@
     </p:spTree>
     <p:extLst>
       <p:ext uri="{BB962C8B-B14F-4D97-AF65-F5344CB8AC3E}">
-        <p14:creationId xmlns:p14="http://schemas.microsoft.com/office/powerpoint/2010/main" val="2877408620"/>
+        <p14:creationId xmlns:p14="http://schemas.microsoft.com/office/powerpoint/2010/main" val="1814701208"/>
       </p:ext>
     </p:extLst>
   </p:cSld>
@@ -951,8 +944,13 @@
           <a:p>
             <a:r>
               <a:rPr lang="en-US" dirty="0"/>
-              <a:t>10.5.3 – VLAN Double-Tagging Attacks</a:t>
+              <a:t>10.5.6 - </a:t>
             </a:r>
+            <a:r>
+              <a:rPr lang="en-US" sz="1200" dirty="0"/>
+              <a:t>Video – ARP Attacks, STP Attacks, and CDP Reconnaissance</a:t>
+            </a:r>
+            <a:endParaRPr lang="en-US" dirty="0"/>
           </a:p>
         </p:txBody>
       </p:sp>
@@ -982,7 +980,7 @@
     </p:spTree>
     <p:extLst>
       <p:ext uri="{BB962C8B-B14F-4D97-AF65-F5344CB8AC3E}">
-        <p14:creationId xmlns:p14="http://schemas.microsoft.com/office/powerpoint/2010/main" val="474460285"/>
+        <p14:creationId xmlns:p14="http://schemas.microsoft.com/office/powerpoint/2010/main" val="3654168007"/>
       </p:ext>
     </p:extLst>
   </p:cSld>
@@ -1050,8 +1048,13 @@
           <a:p>
             <a:r>
               <a:rPr lang="en-US" dirty="0"/>
-              <a:t>10.5.3 – VLAN Double-Tagging Attacks (Cont.)</a:t>
+              <a:t>10.5.7- </a:t>
             </a:r>
+            <a:r>
+              <a:rPr lang="en-US" sz="1200" dirty="0"/>
+              <a:t>ARP Attacks</a:t>
+            </a:r>
+            <a:endParaRPr lang="en-US" dirty="0"/>
           </a:p>
         </p:txBody>
       </p:sp>
@@ -1081,7 +1084,7 @@
     </p:spTree>
     <p:extLst>
       <p:ext uri="{BB962C8B-B14F-4D97-AF65-F5344CB8AC3E}">
-        <p14:creationId xmlns:p14="http://schemas.microsoft.com/office/powerpoint/2010/main" val="1634378209"/>
+        <p14:creationId xmlns:p14="http://schemas.microsoft.com/office/powerpoint/2010/main" val="790860476"/>
       </p:ext>
     </p:extLst>
   </p:cSld>
@@ -1149,7 +1152,7 @@
           <a:p>
             <a:r>
               <a:rPr lang="en-US" dirty="0"/>
-              <a:t>10.5.4 – DHCP Messages</a:t>
+              <a:t>10.5.8 – Address Spoofing Attacks</a:t>
             </a:r>
           </a:p>
         </p:txBody>
@@ -1180,7 +1183,7 @@
     </p:spTree>
     <p:extLst>
       <p:ext uri="{BB962C8B-B14F-4D97-AF65-F5344CB8AC3E}">
-        <p14:creationId xmlns:p14="http://schemas.microsoft.com/office/powerpoint/2010/main" val="1782175716"/>
+        <p14:creationId xmlns:p14="http://schemas.microsoft.com/office/powerpoint/2010/main" val="1947476840"/>
       </p:ext>
     </p:extLst>
   </p:cSld>
@@ -1248,7 +1251,7 @@
           <a:p>
             <a:r>
               <a:rPr lang="en-US" dirty="0"/>
-              <a:t>10.5.5 – DHCP  Attacks</a:t>
+              <a:t>10.5.9 – STP Attack</a:t>
             </a:r>
           </a:p>
         </p:txBody>
@@ -1279,7 +1282,7 @@
     </p:spTree>
     <p:extLst>
       <p:ext uri="{BB962C8B-B14F-4D97-AF65-F5344CB8AC3E}">
-        <p14:creationId xmlns:p14="http://schemas.microsoft.com/office/powerpoint/2010/main" val="1814701208"/>
+        <p14:creationId xmlns:p14="http://schemas.microsoft.com/office/powerpoint/2010/main" val="2258778537"/>
       </p:ext>
     </p:extLst>
   </p:cSld>
@@ -1347,13 +1350,14 @@
           <a:p>
             <a:r>
               <a:rPr lang="en-US" dirty="0"/>
-              <a:t>10.5.6 - </a:t>
+              <a:t>10.5.10 – CDP Reconnaissance</a:t>
             </a:r>
+          </a:p>
+          <a:p>
             <a:r>
-              <a:rPr lang="en-US" sz="1200" dirty="0"/>
-              <a:t>Video – ARP Attacks, STP Attacks, and CDP Reconnaissance</a:t>
+              <a:rPr lang="en-US" dirty="0"/>
+              <a:t>10.5.11 – Check Your Understanding – LAN Attacks</a:t>
             </a:r>
-            <a:endParaRPr lang="en-US" dirty="0"/>
           </a:p>
         </p:txBody>
       </p:sp>
@@ -1383,7 +1387,7 @@
     </p:spTree>
     <p:extLst>
       <p:ext uri="{BB962C8B-B14F-4D97-AF65-F5344CB8AC3E}">
-        <p14:creationId xmlns:p14="http://schemas.microsoft.com/office/powerpoint/2010/main" val="3654168007"/>
+        <p14:creationId xmlns:p14="http://schemas.microsoft.com/office/powerpoint/2010/main" val="1737238613"/>
       </p:ext>
     </p:extLst>
   </p:cSld>
@@ -1437,6 +1441,23 @@
           <a:bodyPr/>
           <a:lstStyle/>
           <a:p>
+            <a:pPr marL="0" marR="0" lvl="0" indent="0" algn="l" defTabSz="457200" rtl="0" eaLnBrk="1" fontAlgn="auto" latinLnBrk="0" hangingPunct="1">
+              <a:lnSpc>
+                <a:spcPct val="100000"/>
+              </a:lnSpc>
+              <a:spcBef>
+                <a:spcPts val="0"/>
+              </a:spcBef>
+              <a:spcAft>
+                <a:spcPts val="0"/>
+              </a:spcAft>
+              <a:buClrTx/>
+              <a:buSzTx/>
+              <a:buFontTx/>
+              <a:buNone/>
+              <a:tabLst/>
+              <a:defRPr/>
+            </a:pPr>
             <a:r>
               <a:rPr lang="en-US" dirty="0"/>
               <a:t>10 – LAN Security Concepts</a:t>
@@ -1444,19 +1465,15 @@
           </a:p>
           <a:p>
             <a:r>
-              <a:rPr lang="en-US" dirty="0"/>
-              <a:t>10.5 – LAN Attacks</a:t>
+              <a:rPr lang="en-US" sz="1200" dirty="0"/>
+              <a:t>10.6 – Module Practice and Quiz</a:t>
             </a:r>
           </a:p>
           <a:p>
-            <a:r>
-              <a:rPr lang="en-US" dirty="0"/>
-              <a:t>10.5.7- </a:t>
-            </a:r>
-            <a:r>
-              <a:rPr lang="en-US" sz="1200" dirty="0"/>
-              <a:t>ARP Attacks</a:t>
-            </a:r>
+            <a:pPr>
+              <a:buFontTx/>
+              <a:buNone/>
+            </a:pPr>
             <a:endParaRPr lang="en-US" dirty="0"/>
           </a:p>
         </p:txBody>
@@ -1468,7 +1485,7 @@
             <a:spLocks noGrp="1"/>
           </p:cNvSpPr>
           <p:nvPr>
-            <p:ph type="sldNum" sz="quarter" idx="5"/>
+            <p:ph type="sldNum" sz="quarter" idx="10"/>
           </p:nvPr>
         </p:nvSpPr>
         <p:spPr/>
@@ -1487,7 +1504,7 @@
     </p:spTree>
     <p:extLst>
       <p:ext uri="{BB962C8B-B14F-4D97-AF65-F5344CB8AC3E}">
-        <p14:creationId xmlns:p14="http://schemas.microsoft.com/office/powerpoint/2010/main" val="790860476"/>
+        <p14:creationId xmlns:p14="http://schemas.microsoft.com/office/powerpoint/2010/main" val="2217143680"/>
       </p:ext>
     </p:extLst>
   </p:cSld>
@@ -1516,31 +1533,245 @@
       </p:grpSpPr>
       <p:sp>
         <p:nvSpPr>
-          <p:cNvPr id="2" name="Slide Image Placeholder 1"/>
+          <p:cNvPr id="22529" name="Rectangle 11"/>
           <p:cNvSpPr>
-            <a:spLocks noGrp="1" noRot="1" noChangeAspect="1"/>
+            <a:spLocks noGrp="1" noChangeArrowheads="1"/>
+          </p:cNvSpPr>
+          <p:nvPr>
+            <p:ph type="sldNum" sz="quarter" idx="5"/>
+          </p:nvPr>
+        </p:nvSpPr>
+        <p:spPr>
+          <a:noFill/>
+          <a:ln/>
+          <a:extLst>
+            <a:ext uri="{909E8E84-426E-40DD-AFC4-6F175D3DCCD1}">
+              <a14:hiddenFill xmlns:a14="http://schemas.microsoft.com/office/drawing/2010/main">
+                <a:solidFill>
+                  <a:srgbClr val="FFFFFF"/>
+                </a:solidFill>
+              </a14:hiddenFill>
+            </a:ext>
+            <a:ext uri="{91240B29-F687-4F45-9708-019B960494DF}">
+              <a14:hiddenLine xmlns:a14="http://schemas.microsoft.com/office/drawing/2010/main" w="9525">
+                <a:solidFill>
+                  <a:srgbClr val="000000"/>
+                </a:solidFill>
+                <a:miter lim="800000"/>
+                <a:headEnd/>
+                <a:tailEnd/>
+              </a14:hiddenLine>
+            </a:ext>
+          </a:extLst>
+        </p:spPr>
+        <p:txBody>
+          <a:bodyPr/>
+          <a:lstStyle>
+            <a:lvl1pPr defTabSz="903288">
+              <a:defRPr sz="2400">
+                <a:solidFill>
+                  <a:schemeClr val="tx1"/>
+                </a:solidFill>
+                <a:latin typeface="Arial" charset="0"/>
+                <a:ea typeface="ＭＳ Ｐゴシック" charset="0"/>
+                <a:cs typeface="ＭＳ Ｐゴシック" charset="0"/>
+              </a:defRPr>
+            </a:lvl1pPr>
+            <a:lvl2pPr marL="742950" indent="-285750" defTabSz="903288">
+              <a:defRPr sz="2400">
+                <a:solidFill>
+                  <a:schemeClr val="tx1"/>
+                </a:solidFill>
+                <a:latin typeface="Arial" charset="0"/>
+                <a:ea typeface="ＭＳ Ｐゴシック" charset="0"/>
+              </a:defRPr>
+            </a:lvl2pPr>
+            <a:lvl3pPr marL="1143000" indent="-228600" defTabSz="903288">
+              <a:defRPr sz="2400">
+                <a:solidFill>
+                  <a:schemeClr val="tx1"/>
+                </a:solidFill>
+                <a:latin typeface="Arial" charset="0"/>
+                <a:ea typeface="ＭＳ Ｐゴシック" charset="0"/>
+              </a:defRPr>
+            </a:lvl3pPr>
+            <a:lvl4pPr marL="1600200" indent="-228600" defTabSz="903288">
+              <a:defRPr sz="2400">
+                <a:solidFill>
+                  <a:schemeClr val="tx1"/>
+                </a:solidFill>
+                <a:latin typeface="Arial" charset="0"/>
+                <a:ea typeface="ＭＳ Ｐゴシック" charset="0"/>
+              </a:defRPr>
+            </a:lvl4pPr>
+            <a:lvl5pPr marL="2057400" indent="-228600" defTabSz="903288">
+              <a:defRPr sz="2400">
+                <a:solidFill>
+                  <a:schemeClr val="tx1"/>
+                </a:solidFill>
+                <a:latin typeface="Arial" charset="0"/>
+                <a:ea typeface="ＭＳ Ｐゴシック" charset="0"/>
+              </a:defRPr>
+            </a:lvl5pPr>
+            <a:lvl6pPr marL="2514600" indent="-228600" algn="ctr" defTabSz="903288" eaLnBrk="0" fontAlgn="base" hangingPunct="0">
+              <a:lnSpc>
+                <a:spcPct val="90000"/>
+              </a:lnSpc>
+              <a:spcBef>
+                <a:spcPct val="0"/>
+              </a:spcBef>
+              <a:spcAft>
+                <a:spcPct val="0"/>
+              </a:spcAft>
+              <a:defRPr sz="2400">
+                <a:solidFill>
+                  <a:schemeClr val="tx1"/>
+                </a:solidFill>
+                <a:latin typeface="Arial" charset="0"/>
+                <a:ea typeface="ＭＳ Ｐゴシック" charset="0"/>
+              </a:defRPr>
+            </a:lvl6pPr>
+            <a:lvl7pPr marL="2971800" indent="-228600" algn="ctr" defTabSz="903288" eaLnBrk="0" fontAlgn="base" hangingPunct="0">
+              <a:lnSpc>
+                <a:spcPct val="90000"/>
+              </a:lnSpc>
+              <a:spcBef>
+                <a:spcPct val="0"/>
+              </a:spcBef>
+              <a:spcAft>
+                <a:spcPct val="0"/>
+              </a:spcAft>
+              <a:defRPr sz="2400">
+                <a:solidFill>
+                  <a:schemeClr val="tx1"/>
+                </a:solidFill>
+                <a:latin typeface="Arial" charset="0"/>
+                <a:ea typeface="ＭＳ Ｐゴシック" charset="0"/>
+              </a:defRPr>
+            </a:lvl7pPr>
+            <a:lvl8pPr marL="3429000" indent="-228600" algn="ctr" defTabSz="903288" eaLnBrk="0" fontAlgn="base" hangingPunct="0">
+              <a:lnSpc>
+                <a:spcPct val="90000"/>
+              </a:lnSpc>
+              <a:spcBef>
+                <a:spcPct val="0"/>
+              </a:spcBef>
+              <a:spcAft>
+                <a:spcPct val="0"/>
+              </a:spcAft>
+              <a:defRPr sz="2400">
+                <a:solidFill>
+                  <a:schemeClr val="tx1"/>
+                </a:solidFill>
+                <a:latin typeface="Arial" charset="0"/>
+                <a:ea typeface="ＭＳ Ｐゴシック" charset="0"/>
+              </a:defRPr>
+            </a:lvl8pPr>
+            <a:lvl9pPr marL="3886200" indent="-228600" algn="ctr" defTabSz="903288" eaLnBrk="0" fontAlgn="base" hangingPunct="0">
+              <a:lnSpc>
+                <a:spcPct val="90000"/>
+              </a:lnSpc>
+              <a:spcBef>
+                <a:spcPct val="0"/>
+              </a:spcBef>
+              <a:spcAft>
+                <a:spcPct val="0"/>
+              </a:spcAft>
+              <a:defRPr sz="2400">
+                <a:solidFill>
+                  <a:schemeClr val="tx1"/>
+                </a:solidFill>
+                <a:latin typeface="Arial" charset="0"/>
+                <a:ea typeface="ＭＳ Ｐゴシック" charset="0"/>
+              </a:defRPr>
+            </a:lvl9pPr>
+          </a:lstStyle>
+          <a:p>
+            <a:fld id="{3997A419-355F-A04A-96E0-21643AF8E9FF}" type="slidenum">
+              <a:rPr lang="en-US" sz="800">
+                <a:solidFill>
+                  <a:prstClr val="black"/>
+                </a:solidFill>
+              </a:rPr>
+              <a:pPr/>
+              <a:t>18</a:t>
+            </a:fld>
+            <a:endParaRPr lang="en-US" sz="800" dirty="0">
+              <a:solidFill>
+                <a:prstClr val="black"/>
+              </a:solidFill>
+            </a:endParaRPr>
+          </a:p>
+        </p:txBody>
+      </p:sp>
+      <p:sp>
+        <p:nvSpPr>
+          <p:cNvPr id="22530" name="Rectangle 2"/>
+          <p:cNvSpPr>
+            <a:spLocks noGrp="1" noRot="1" noChangeAspect="1" noChangeArrowheads="1" noTextEdit="1"/>
           </p:cNvSpPr>
           <p:nvPr>
             <p:ph type="sldImg"/>
           </p:nvPr>
         </p:nvSpPr>
-        <p:spPr/>
+        <p:spPr>
+          <a:ln/>
+        </p:spPr>
       </p:sp>
       <p:sp>
         <p:nvSpPr>
-          <p:cNvPr id="3" name="Notes Placeholder 2"/>
+          <p:cNvPr id="22531" name="Rectangle 3"/>
           <p:cNvSpPr>
-            <a:spLocks noGrp="1"/>
+            <a:spLocks noGrp="1" noChangeArrowheads="1"/>
           </p:cNvSpPr>
           <p:nvPr>
             <p:ph type="body" idx="1"/>
           </p:nvPr>
         </p:nvSpPr>
-        <p:spPr/>
+        <p:spPr>
+          <a:noFill/>
+          <a:ln/>
+          <a:extLst>
+            <a:ext uri="{909E8E84-426E-40DD-AFC4-6F175D3DCCD1}">
+              <a14:hiddenFill xmlns:a14="http://schemas.microsoft.com/office/drawing/2010/main">
+                <a:solidFill>
+                  <a:srgbClr val="FFFFFF"/>
+                </a:solidFill>
+              </a14:hiddenFill>
+            </a:ext>
+            <a:ext uri="{91240B29-F687-4F45-9708-019B960494DF}">
+              <a14:hiddenLine xmlns:a14="http://schemas.microsoft.com/office/drawing/2010/main" w="9525">
+                <a:solidFill>
+                  <a:srgbClr val="000000"/>
+                </a:solidFill>
+                <a:miter lim="800000"/>
+                <a:headEnd/>
+                <a:tailEnd/>
+              </a14:hiddenLine>
+            </a:ext>
+          </a:extLst>
+        </p:spPr>
         <p:txBody>
           <a:bodyPr/>
           <a:lstStyle/>
           <a:p>
+            <a:pPr marL="0" marR="0" lvl="0" indent="0" algn="l" defTabSz="457200" rtl="0" eaLnBrk="1" fontAlgn="auto" latinLnBrk="0" hangingPunct="1">
+              <a:lnSpc>
+                <a:spcPct val="100000"/>
+              </a:lnSpc>
+              <a:spcBef>
+                <a:spcPts val="0"/>
+              </a:spcBef>
+              <a:spcAft>
+                <a:spcPts val="0"/>
+              </a:spcAft>
+              <a:buClrTx/>
+              <a:buSzTx/>
+              <a:buFontTx/>
+              <a:buNone/>
+              <a:tabLst/>
+              <a:defRPr/>
+            </a:pPr>
             <a:r>
               <a:rPr lang="en-US" dirty="0"/>
               <a:t>10 – LAN Security Concepts</a:t>
@@ -1548,45 +1779,22 @@
           </a:p>
           <a:p>
             <a:r>
-              <a:rPr lang="en-US" dirty="0"/>
-              <a:t>10.5 – LAN Attacks</a:t>
+              <a:rPr lang="en-US" sz="1200" dirty="0"/>
+              <a:t>10.6 – Module Practice and Quiz</a:t>
             </a:r>
           </a:p>
           <a:p>
             <a:r>
-              <a:rPr lang="en-US" dirty="0"/>
-              <a:t>10.5.8 – Address Spoofing Attacks</a:t>
+              <a:rPr lang="en-US" sz="1200" dirty="0"/>
+              <a:t>10.6.1 – What did I learn in this module?</a:t>
             </a:r>
-          </a:p>
-        </p:txBody>
-      </p:sp>
-      <p:sp>
-        <p:nvSpPr>
-          <p:cNvPr id="4" name="Slide Number Placeholder 3"/>
-          <p:cNvSpPr>
-            <a:spLocks noGrp="1"/>
-          </p:cNvSpPr>
-          <p:nvPr>
-            <p:ph type="sldNum" sz="quarter" idx="5"/>
-          </p:nvPr>
-        </p:nvSpPr>
-        <p:spPr/>
-        <p:txBody>
-          <a:bodyPr/>
-          <a:lstStyle/>
-          <a:p>
-            <a:fld id="{5641018C-6CAF-B84E-B92C-ECB119457FBA}" type="slidenum">
-              <a:rPr lang="en-US" smtClean="0"/>
-              <a:t>18</a:t>
-            </a:fld>
-            <a:endParaRPr lang="en-US" dirty="0"/>
           </a:p>
         </p:txBody>
       </p:sp>
     </p:spTree>
     <p:extLst>
       <p:ext uri="{BB962C8B-B14F-4D97-AF65-F5344CB8AC3E}">
-        <p14:creationId xmlns:p14="http://schemas.microsoft.com/office/powerpoint/2010/main" val="1947476840"/>
+        <p14:creationId xmlns:p14="http://schemas.microsoft.com/office/powerpoint/2010/main" val="2527915751"/>
       </p:ext>
     </p:extLst>
   </p:cSld>
@@ -1615,31 +1823,245 @@
       </p:grpSpPr>
       <p:sp>
         <p:nvSpPr>
-          <p:cNvPr id="2" name="Slide Image Placeholder 1"/>
+          <p:cNvPr id="22529" name="Rectangle 11"/>
           <p:cNvSpPr>
-            <a:spLocks noGrp="1" noRot="1" noChangeAspect="1"/>
+            <a:spLocks noGrp="1" noChangeArrowheads="1"/>
+          </p:cNvSpPr>
+          <p:nvPr>
+            <p:ph type="sldNum" sz="quarter" idx="5"/>
+          </p:nvPr>
+        </p:nvSpPr>
+        <p:spPr>
+          <a:noFill/>
+          <a:ln/>
+          <a:extLst>
+            <a:ext uri="{909E8E84-426E-40DD-AFC4-6F175D3DCCD1}">
+              <a14:hiddenFill xmlns:a14="http://schemas.microsoft.com/office/drawing/2010/main">
+                <a:solidFill>
+                  <a:srgbClr val="FFFFFF"/>
+                </a:solidFill>
+              </a14:hiddenFill>
+            </a:ext>
+            <a:ext uri="{91240B29-F687-4F45-9708-019B960494DF}">
+              <a14:hiddenLine xmlns:a14="http://schemas.microsoft.com/office/drawing/2010/main" w="9525">
+                <a:solidFill>
+                  <a:srgbClr val="000000"/>
+                </a:solidFill>
+                <a:miter lim="800000"/>
+                <a:headEnd/>
+                <a:tailEnd/>
+              </a14:hiddenLine>
+            </a:ext>
+          </a:extLst>
+        </p:spPr>
+        <p:txBody>
+          <a:bodyPr/>
+          <a:lstStyle>
+            <a:lvl1pPr defTabSz="903288">
+              <a:defRPr sz="2400">
+                <a:solidFill>
+                  <a:schemeClr val="tx1"/>
+                </a:solidFill>
+                <a:latin typeface="Arial" charset="0"/>
+                <a:ea typeface="ＭＳ Ｐゴシック" charset="0"/>
+                <a:cs typeface="ＭＳ Ｐゴシック" charset="0"/>
+              </a:defRPr>
+            </a:lvl1pPr>
+            <a:lvl2pPr marL="742950" indent="-285750" defTabSz="903288">
+              <a:defRPr sz="2400">
+                <a:solidFill>
+                  <a:schemeClr val="tx1"/>
+                </a:solidFill>
+                <a:latin typeface="Arial" charset="0"/>
+                <a:ea typeface="ＭＳ Ｐゴシック" charset="0"/>
+              </a:defRPr>
+            </a:lvl2pPr>
+            <a:lvl3pPr marL="1143000" indent="-228600" defTabSz="903288">
+              <a:defRPr sz="2400">
+                <a:solidFill>
+                  <a:schemeClr val="tx1"/>
+                </a:solidFill>
+                <a:latin typeface="Arial" charset="0"/>
+                <a:ea typeface="ＭＳ Ｐゴシック" charset="0"/>
+              </a:defRPr>
+            </a:lvl3pPr>
+            <a:lvl4pPr marL="1600200" indent="-228600" defTabSz="903288">
+              <a:defRPr sz="2400">
+                <a:solidFill>
+                  <a:schemeClr val="tx1"/>
+                </a:solidFill>
+                <a:latin typeface="Arial" charset="0"/>
+                <a:ea typeface="ＭＳ Ｐゴシック" charset="0"/>
+              </a:defRPr>
+            </a:lvl4pPr>
+            <a:lvl5pPr marL="2057400" indent="-228600" defTabSz="903288">
+              <a:defRPr sz="2400">
+                <a:solidFill>
+                  <a:schemeClr val="tx1"/>
+                </a:solidFill>
+                <a:latin typeface="Arial" charset="0"/>
+                <a:ea typeface="ＭＳ Ｐゴシック" charset="0"/>
+              </a:defRPr>
+            </a:lvl5pPr>
+            <a:lvl6pPr marL="2514600" indent="-228600" algn="ctr" defTabSz="903288" eaLnBrk="0" fontAlgn="base" hangingPunct="0">
+              <a:lnSpc>
+                <a:spcPct val="90000"/>
+              </a:lnSpc>
+              <a:spcBef>
+                <a:spcPct val="0"/>
+              </a:spcBef>
+              <a:spcAft>
+                <a:spcPct val="0"/>
+              </a:spcAft>
+              <a:defRPr sz="2400">
+                <a:solidFill>
+                  <a:schemeClr val="tx1"/>
+                </a:solidFill>
+                <a:latin typeface="Arial" charset="0"/>
+                <a:ea typeface="ＭＳ Ｐゴシック" charset="0"/>
+              </a:defRPr>
+            </a:lvl6pPr>
+            <a:lvl7pPr marL="2971800" indent="-228600" algn="ctr" defTabSz="903288" eaLnBrk="0" fontAlgn="base" hangingPunct="0">
+              <a:lnSpc>
+                <a:spcPct val="90000"/>
+              </a:lnSpc>
+              <a:spcBef>
+                <a:spcPct val="0"/>
+              </a:spcBef>
+              <a:spcAft>
+                <a:spcPct val="0"/>
+              </a:spcAft>
+              <a:defRPr sz="2400">
+                <a:solidFill>
+                  <a:schemeClr val="tx1"/>
+                </a:solidFill>
+                <a:latin typeface="Arial" charset="0"/>
+                <a:ea typeface="ＭＳ Ｐゴシック" charset="0"/>
+              </a:defRPr>
+            </a:lvl7pPr>
+            <a:lvl8pPr marL="3429000" indent="-228600" algn="ctr" defTabSz="903288" eaLnBrk="0" fontAlgn="base" hangingPunct="0">
+              <a:lnSpc>
+                <a:spcPct val="90000"/>
+              </a:lnSpc>
+              <a:spcBef>
+                <a:spcPct val="0"/>
+              </a:spcBef>
+              <a:spcAft>
+                <a:spcPct val="0"/>
+              </a:spcAft>
+              <a:defRPr sz="2400">
+                <a:solidFill>
+                  <a:schemeClr val="tx1"/>
+                </a:solidFill>
+                <a:latin typeface="Arial" charset="0"/>
+                <a:ea typeface="ＭＳ Ｐゴシック" charset="0"/>
+              </a:defRPr>
+            </a:lvl8pPr>
+            <a:lvl9pPr marL="3886200" indent="-228600" algn="ctr" defTabSz="903288" eaLnBrk="0" fontAlgn="base" hangingPunct="0">
+              <a:lnSpc>
+                <a:spcPct val="90000"/>
+              </a:lnSpc>
+              <a:spcBef>
+                <a:spcPct val="0"/>
+              </a:spcBef>
+              <a:spcAft>
+                <a:spcPct val="0"/>
+              </a:spcAft>
+              <a:defRPr sz="2400">
+                <a:solidFill>
+                  <a:schemeClr val="tx1"/>
+                </a:solidFill>
+                <a:latin typeface="Arial" charset="0"/>
+                <a:ea typeface="ＭＳ Ｐゴシック" charset="0"/>
+              </a:defRPr>
+            </a:lvl9pPr>
+          </a:lstStyle>
+          <a:p>
+            <a:fld id="{3997A419-355F-A04A-96E0-21643AF8E9FF}" type="slidenum">
+              <a:rPr lang="en-US" sz="800">
+                <a:solidFill>
+                  <a:prstClr val="black"/>
+                </a:solidFill>
+              </a:rPr>
+              <a:pPr/>
+              <a:t>19</a:t>
+            </a:fld>
+            <a:endParaRPr lang="en-US" sz="800" dirty="0">
+              <a:solidFill>
+                <a:prstClr val="black"/>
+              </a:solidFill>
+            </a:endParaRPr>
+          </a:p>
+        </p:txBody>
+      </p:sp>
+      <p:sp>
+        <p:nvSpPr>
+          <p:cNvPr id="22530" name="Rectangle 2"/>
+          <p:cNvSpPr>
+            <a:spLocks noGrp="1" noRot="1" noChangeAspect="1" noChangeArrowheads="1" noTextEdit="1"/>
           </p:cNvSpPr>
           <p:nvPr>
             <p:ph type="sldImg"/>
           </p:nvPr>
         </p:nvSpPr>
-        <p:spPr/>
+        <p:spPr>
+          <a:ln/>
+        </p:spPr>
       </p:sp>
       <p:sp>
         <p:nvSpPr>
-          <p:cNvPr id="3" name="Notes Placeholder 2"/>
+          <p:cNvPr id="22531" name="Rectangle 3"/>
           <p:cNvSpPr>
-            <a:spLocks noGrp="1"/>
+            <a:spLocks noGrp="1" noChangeArrowheads="1"/>
           </p:cNvSpPr>
           <p:nvPr>
             <p:ph type="body" idx="1"/>
           </p:nvPr>
         </p:nvSpPr>
-        <p:spPr/>
+        <p:spPr>
+          <a:noFill/>
+          <a:ln/>
+          <a:extLst>
+            <a:ext uri="{909E8E84-426E-40DD-AFC4-6F175D3DCCD1}">
+              <a14:hiddenFill xmlns:a14="http://schemas.microsoft.com/office/drawing/2010/main">
+                <a:solidFill>
+                  <a:srgbClr val="FFFFFF"/>
+                </a:solidFill>
+              </a14:hiddenFill>
+            </a:ext>
+            <a:ext uri="{91240B29-F687-4F45-9708-019B960494DF}">
+              <a14:hiddenLine xmlns:a14="http://schemas.microsoft.com/office/drawing/2010/main" w="9525">
+                <a:solidFill>
+                  <a:srgbClr val="000000"/>
+                </a:solidFill>
+                <a:miter lim="800000"/>
+                <a:headEnd/>
+                <a:tailEnd/>
+              </a14:hiddenLine>
+            </a:ext>
+          </a:extLst>
+        </p:spPr>
         <p:txBody>
           <a:bodyPr/>
           <a:lstStyle/>
           <a:p>
+            <a:pPr marL="0" marR="0" lvl="0" indent="0" algn="l" defTabSz="457200" rtl="0" eaLnBrk="1" fontAlgn="auto" latinLnBrk="0" hangingPunct="1">
+              <a:lnSpc>
+                <a:spcPct val="100000"/>
+              </a:lnSpc>
+              <a:spcBef>
+                <a:spcPts val="0"/>
+              </a:spcBef>
+              <a:spcAft>
+                <a:spcPts val="0"/>
+              </a:spcAft>
+              <a:buClrTx/>
+              <a:buSzTx/>
+              <a:buFontTx/>
+              <a:buNone/>
+              <a:tabLst/>
+              <a:defRPr/>
+            </a:pPr>
             <a:r>
               <a:rPr lang="en-US" dirty="0"/>
               <a:t>10 – LAN Security Concepts</a:t>
@@ -1647,45 +2069,22 @@
           </a:p>
           <a:p>
             <a:r>
-              <a:rPr lang="en-US" dirty="0"/>
-              <a:t>10.5 – LAN Attacks</a:t>
+              <a:rPr lang="en-US" sz="1200" dirty="0"/>
+              <a:t>10.6 – Module Practice and Quiz</a:t>
             </a:r>
           </a:p>
           <a:p>
             <a:r>
-              <a:rPr lang="en-US" dirty="0"/>
-              <a:t>10.5.9 – STP Attack</a:t>
+              <a:rPr lang="en-US" sz="1200" dirty="0"/>
+              <a:t>10.6.1 – What did I learn in this module? (Cont.)</a:t>
             </a:r>
-          </a:p>
-        </p:txBody>
-      </p:sp>
-      <p:sp>
-        <p:nvSpPr>
-          <p:cNvPr id="4" name="Slide Number Placeholder 3"/>
-          <p:cNvSpPr>
-            <a:spLocks noGrp="1"/>
-          </p:cNvSpPr>
-          <p:nvPr>
-            <p:ph type="sldNum" sz="quarter" idx="5"/>
-          </p:nvPr>
-        </p:nvSpPr>
-        <p:spPr/>
-        <p:txBody>
-          <a:bodyPr/>
-          <a:lstStyle/>
-          <a:p>
-            <a:fld id="{5641018C-6CAF-B84E-B92C-ECB119457FBA}" type="slidenum">
-              <a:rPr lang="en-US" smtClean="0"/>
-              <a:t>19</a:t>
-            </a:fld>
-            <a:endParaRPr lang="en-US" dirty="0"/>
           </a:p>
         </p:txBody>
       </p:sp>
     </p:spTree>
     <p:extLst>
       <p:ext uri="{BB962C8B-B14F-4D97-AF65-F5344CB8AC3E}">
-        <p14:creationId xmlns:p14="http://schemas.microsoft.com/office/powerpoint/2010/main" val="2258778537"/>
+        <p14:creationId xmlns:p14="http://schemas.microsoft.com/office/powerpoint/2010/main" val="64125619"/>
       </p:ext>
     </p:extLst>
   </p:cSld>
@@ -1813,31 +2212,245 @@
       </p:grpSpPr>
       <p:sp>
         <p:nvSpPr>
-          <p:cNvPr id="2" name="Slide Image Placeholder 1"/>
+          <p:cNvPr id="22529" name="Rectangle 11"/>
           <p:cNvSpPr>
-            <a:spLocks noGrp="1" noRot="1" noChangeAspect="1"/>
+            <a:spLocks noGrp="1" noChangeArrowheads="1"/>
+          </p:cNvSpPr>
+          <p:nvPr>
+            <p:ph type="sldNum" sz="quarter" idx="5"/>
+          </p:nvPr>
+        </p:nvSpPr>
+        <p:spPr>
+          <a:noFill/>
+          <a:ln/>
+          <a:extLst>
+            <a:ext uri="{909E8E84-426E-40DD-AFC4-6F175D3DCCD1}">
+              <a14:hiddenFill xmlns:a14="http://schemas.microsoft.com/office/drawing/2010/main">
+                <a:solidFill>
+                  <a:srgbClr val="FFFFFF"/>
+                </a:solidFill>
+              </a14:hiddenFill>
+            </a:ext>
+            <a:ext uri="{91240B29-F687-4F45-9708-019B960494DF}">
+              <a14:hiddenLine xmlns:a14="http://schemas.microsoft.com/office/drawing/2010/main" w="9525">
+                <a:solidFill>
+                  <a:srgbClr val="000000"/>
+                </a:solidFill>
+                <a:miter lim="800000"/>
+                <a:headEnd/>
+                <a:tailEnd/>
+              </a14:hiddenLine>
+            </a:ext>
+          </a:extLst>
+        </p:spPr>
+        <p:txBody>
+          <a:bodyPr/>
+          <a:lstStyle>
+            <a:lvl1pPr defTabSz="903288">
+              <a:defRPr sz="2400">
+                <a:solidFill>
+                  <a:schemeClr val="tx1"/>
+                </a:solidFill>
+                <a:latin typeface="Arial" charset="0"/>
+                <a:ea typeface="ＭＳ Ｐゴシック" charset="0"/>
+                <a:cs typeface="ＭＳ Ｐゴシック" charset="0"/>
+              </a:defRPr>
+            </a:lvl1pPr>
+            <a:lvl2pPr marL="742950" indent="-285750" defTabSz="903288">
+              <a:defRPr sz="2400">
+                <a:solidFill>
+                  <a:schemeClr val="tx1"/>
+                </a:solidFill>
+                <a:latin typeface="Arial" charset="0"/>
+                <a:ea typeface="ＭＳ Ｐゴシック" charset="0"/>
+              </a:defRPr>
+            </a:lvl2pPr>
+            <a:lvl3pPr marL="1143000" indent="-228600" defTabSz="903288">
+              <a:defRPr sz="2400">
+                <a:solidFill>
+                  <a:schemeClr val="tx1"/>
+                </a:solidFill>
+                <a:latin typeface="Arial" charset="0"/>
+                <a:ea typeface="ＭＳ Ｐゴシック" charset="0"/>
+              </a:defRPr>
+            </a:lvl3pPr>
+            <a:lvl4pPr marL="1600200" indent="-228600" defTabSz="903288">
+              <a:defRPr sz="2400">
+                <a:solidFill>
+                  <a:schemeClr val="tx1"/>
+                </a:solidFill>
+                <a:latin typeface="Arial" charset="0"/>
+                <a:ea typeface="ＭＳ Ｐゴシック" charset="0"/>
+              </a:defRPr>
+            </a:lvl4pPr>
+            <a:lvl5pPr marL="2057400" indent="-228600" defTabSz="903288">
+              <a:defRPr sz="2400">
+                <a:solidFill>
+                  <a:schemeClr val="tx1"/>
+                </a:solidFill>
+                <a:latin typeface="Arial" charset="0"/>
+                <a:ea typeface="ＭＳ Ｐゴシック" charset="0"/>
+              </a:defRPr>
+            </a:lvl5pPr>
+            <a:lvl6pPr marL="2514600" indent="-228600" algn="ctr" defTabSz="903288" eaLnBrk="0" fontAlgn="base" hangingPunct="0">
+              <a:lnSpc>
+                <a:spcPct val="90000"/>
+              </a:lnSpc>
+              <a:spcBef>
+                <a:spcPct val="0"/>
+              </a:spcBef>
+              <a:spcAft>
+                <a:spcPct val="0"/>
+              </a:spcAft>
+              <a:defRPr sz="2400">
+                <a:solidFill>
+                  <a:schemeClr val="tx1"/>
+                </a:solidFill>
+                <a:latin typeface="Arial" charset="0"/>
+                <a:ea typeface="ＭＳ Ｐゴシック" charset="0"/>
+              </a:defRPr>
+            </a:lvl6pPr>
+            <a:lvl7pPr marL="2971800" indent="-228600" algn="ctr" defTabSz="903288" eaLnBrk="0" fontAlgn="base" hangingPunct="0">
+              <a:lnSpc>
+                <a:spcPct val="90000"/>
+              </a:lnSpc>
+              <a:spcBef>
+                <a:spcPct val="0"/>
+              </a:spcBef>
+              <a:spcAft>
+                <a:spcPct val="0"/>
+              </a:spcAft>
+              <a:defRPr sz="2400">
+                <a:solidFill>
+                  <a:schemeClr val="tx1"/>
+                </a:solidFill>
+                <a:latin typeface="Arial" charset="0"/>
+                <a:ea typeface="ＭＳ Ｐゴシック" charset="0"/>
+              </a:defRPr>
+            </a:lvl7pPr>
+            <a:lvl8pPr marL="3429000" indent="-228600" algn="ctr" defTabSz="903288" eaLnBrk="0" fontAlgn="base" hangingPunct="0">
+              <a:lnSpc>
+                <a:spcPct val="90000"/>
+              </a:lnSpc>
+              <a:spcBef>
+                <a:spcPct val="0"/>
+              </a:spcBef>
+              <a:spcAft>
+                <a:spcPct val="0"/>
+              </a:spcAft>
+              <a:defRPr sz="2400">
+                <a:solidFill>
+                  <a:schemeClr val="tx1"/>
+                </a:solidFill>
+                <a:latin typeface="Arial" charset="0"/>
+                <a:ea typeface="ＭＳ Ｐゴシック" charset="0"/>
+              </a:defRPr>
+            </a:lvl8pPr>
+            <a:lvl9pPr marL="3886200" indent="-228600" algn="ctr" defTabSz="903288" eaLnBrk="0" fontAlgn="base" hangingPunct="0">
+              <a:lnSpc>
+                <a:spcPct val="90000"/>
+              </a:lnSpc>
+              <a:spcBef>
+                <a:spcPct val="0"/>
+              </a:spcBef>
+              <a:spcAft>
+                <a:spcPct val="0"/>
+              </a:spcAft>
+              <a:defRPr sz="2400">
+                <a:solidFill>
+                  <a:schemeClr val="tx1"/>
+                </a:solidFill>
+                <a:latin typeface="Arial" charset="0"/>
+                <a:ea typeface="ＭＳ Ｐゴシック" charset="0"/>
+              </a:defRPr>
+            </a:lvl9pPr>
+          </a:lstStyle>
+          <a:p>
+            <a:fld id="{3997A419-355F-A04A-96E0-21643AF8E9FF}" type="slidenum">
+              <a:rPr lang="en-US" sz="800">
+                <a:solidFill>
+                  <a:prstClr val="black"/>
+                </a:solidFill>
+              </a:rPr>
+              <a:pPr/>
+              <a:t>20</a:t>
+            </a:fld>
+            <a:endParaRPr lang="en-US" sz="800" dirty="0">
+              <a:solidFill>
+                <a:prstClr val="black"/>
+              </a:solidFill>
+            </a:endParaRPr>
+          </a:p>
+        </p:txBody>
+      </p:sp>
+      <p:sp>
+        <p:nvSpPr>
+          <p:cNvPr id="22530" name="Rectangle 2"/>
+          <p:cNvSpPr>
+            <a:spLocks noGrp="1" noRot="1" noChangeAspect="1" noChangeArrowheads="1" noTextEdit="1"/>
           </p:cNvSpPr>
           <p:nvPr>
             <p:ph type="sldImg"/>
           </p:nvPr>
         </p:nvSpPr>
-        <p:spPr/>
+        <p:spPr>
+          <a:ln/>
+        </p:spPr>
       </p:sp>
       <p:sp>
         <p:nvSpPr>
-          <p:cNvPr id="3" name="Notes Placeholder 2"/>
+          <p:cNvPr id="22531" name="Rectangle 3"/>
           <p:cNvSpPr>
-            <a:spLocks noGrp="1"/>
+            <a:spLocks noGrp="1" noChangeArrowheads="1"/>
           </p:cNvSpPr>
           <p:nvPr>
             <p:ph type="body" idx="1"/>
           </p:nvPr>
         </p:nvSpPr>
-        <p:spPr/>
+        <p:spPr>
+          <a:noFill/>
+          <a:ln/>
+          <a:extLst>
+            <a:ext uri="{909E8E84-426E-40DD-AFC4-6F175D3DCCD1}">
+              <a14:hiddenFill xmlns:a14="http://schemas.microsoft.com/office/drawing/2010/main">
+                <a:solidFill>
+                  <a:srgbClr val="FFFFFF"/>
+                </a:solidFill>
+              </a14:hiddenFill>
+            </a:ext>
+            <a:ext uri="{91240B29-F687-4F45-9708-019B960494DF}">
+              <a14:hiddenLine xmlns:a14="http://schemas.microsoft.com/office/drawing/2010/main" w="9525">
+                <a:solidFill>
+                  <a:srgbClr val="000000"/>
+                </a:solidFill>
+                <a:miter lim="800000"/>
+                <a:headEnd/>
+                <a:tailEnd/>
+              </a14:hiddenLine>
+            </a:ext>
+          </a:extLst>
+        </p:spPr>
         <p:txBody>
           <a:bodyPr/>
           <a:lstStyle/>
           <a:p>
+            <a:pPr marL="0" marR="0" lvl="0" indent="0" algn="l" defTabSz="457200" rtl="0" eaLnBrk="1" fontAlgn="auto" latinLnBrk="0" hangingPunct="1">
+              <a:lnSpc>
+                <a:spcPct val="100000"/>
+              </a:lnSpc>
+              <a:spcBef>
+                <a:spcPts val="0"/>
+              </a:spcBef>
+              <a:spcAft>
+                <a:spcPts val="0"/>
+              </a:spcAft>
+              <a:buClrTx/>
+              <a:buSzTx/>
+              <a:buFontTx/>
+              <a:buNone/>
+              <a:tabLst/>
+              <a:defRPr/>
+            </a:pPr>
             <a:r>
               <a:rPr lang="en-US" dirty="0"/>
               <a:t>10 – LAN Security Concepts</a:t>
@@ -1845,51 +2458,28 @@
           </a:p>
           <a:p>
             <a:r>
-              <a:rPr lang="en-US" dirty="0"/>
-              <a:t>10.5 – LAN Attacks</a:t>
+              <a:rPr lang="en-US" sz="1200" dirty="0"/>
+              <a:t>10.6 – Module Practice and Quiz</a:t>
             </a:r>
           </a:p>
           <a:p>
             <a:r>
-              <a:rPr lang="en-US" dirty="0"/>
-              <a:t>10.5.10 – CDP Reconnaissance</a:t>
+              <a:rPr lang="en-US" sz="1200" dirty="0"/>
+              <a:t>10.6.1 – What did I learn in this module? (Cont.)</a:t>
             </a:r>
           </a:p>
           <a:p>
             <a:r>
-              <a:rPr lang="en-US" dirty="0"/>
-              <a:t>10.5.11 – Check Your Understanding – LAN Attacks</a:t>
+              <a:rPr lang="en-US" sz="1200" dirty="0"/>
+              <a:t>10.6.2 – Module Quiz – LAN Security Concepts</a:t>
             </a:r>
-          </a:p>
-        </p:txBody>
-      </p:sp>
-      <p:sp>
-        <p:nvSpPr>
-          <p:cNvPr id="4" name="Slide Number Placeholder 3"/>
-          <p:cNvSpPr>
-            <a:spLocks noGrp="1"/>
-          </p:cNvSpPr>
-          <p:nvPr>
-            <p:ph type="sldNum" sz="quarter" idx="5"/>
-          </p:nvPr>
-        </p:nvSpPr>
-        <p:spPr/>
-        <p:txBody>
-          <a:bodyPr/>
-          <a:lstStyle/>
-          <a:p>
-            <a:fld id="{5641018C-6CAF-B84E-B92C-ECB119457FBA}" type="slidenum">
-              <a:rPr lang="en-US" smtClean="0"/>
-              <a:t>20</a:t>
-            </a:fld>
-            <a:endParaRPr lang="en-US" dirty="0"/>
           </a:p>
         </p:txBody>
       </p:sp>
     </p:spTree>
     <p:extLst>
       <p:ext uri="{BB962C8B-B14F-4D97-AF65-F5344CB8AC3E}">
-        <p14:creationId xmlns:p14="http://schemas.microsoft.com/office/powerpoint/2010/main" val="1737238613"/>
+        <p14:creationId xmlns:p14="http://schemas.microsoft.com/office/powerpoint/2010/main" val="2097969174"/>
       </p:ext>
     </p:extLst>
   </p:cSld>
@@ -1900,6 +2490,281 @@
 </file>
 
 <file path=ppt/notesSlides/notesSlide21.xml><?xml version="1.0" encoding="utf-8"?>
+<p:notes xmlns:a="http://schemas.openxmlformats.org/drawingml/2006/main" xmlns:r="http://schemas.openxmlformats.org/officeDocument/2006/relationships" xmlns:p="http://schemas.openxmlformats.org/presentationml/2006/main">
+  <p:cSld>
+    <p:spTree>
+      <p:nvGrpSpPr>
+        <p:cNvPr id="1" name=""/>
+        <p:cNvGrpSpPr/>
+        <p:nvPr/>
+      </p:nvGrpSpPr>
+      <p:grpSpPr>
+        <a:xfrm>
+          <a:off x="0" y="0"/>
+          <a:ext cx="0" cy="0"/>
+          <a:chOff x="0" y="0"/>
+          <a:chExt cx="0" cy="0"/>
+        </a:xfrm>
+      </p:grpSpPr>
+      <p:sp>
+        <p:nvSpPr>
+          <p:cNvPr id="57345" name="Rectangle 11"/>
+          <p:cNvSpPr>
+            <a:spLocks noGrp="1" noChangeArrowheads="1"/>
+          </p:cNvSpPr>
+          <p:nvPr>
+            <p:ph type="sldNum" sz="quarter" idx="5"/>
+          </p:nvPr>
+        </p:nvSpPr>
+        <p:spPr>
+          <a:noFill/>
+          <a:ln/>
+          <a:extLst>
+            <a:ext uri="{909E8E84-426E-40DD-AFC4-6F175D3DCCD1}">
+              <a14:hiddenFill xmlns:a14="http://schemas.microsoft.com/office/drawing/2010/main">
+                <a:solidFill>
+                  <a:srgbClr val="FFFFFF"/>
+                </a:solidFill>
+              </a14:hiddenFill>
+            </a:ext>
+            <a:ext uri="{91240B29-F687-4F45-9708-019B960494DF}">
+              <a14:hiddenLine xmlns:a14="http://schemas.microsoft.com/office/drawing/2010/main" w="9525">
+                <a:solidFill>
+                  <a:srgbClr val="000000"/>
+                </a:solidFill>
+                <a:miter lim="800000"/>
+                <a:headEnd/>
+                <a:tailEnd/>
+              </a14:hiddenLine>
+            </a:ext>
+          </a:extLst>
+        </p:spPr>
+        <p:txBody>
+          <a:bodyPr/>
+          <a:lstStyle>
+            <a:lvl1pPr defTabSz="903288">
+              <a:defRPr sz="2400">
+                <a:solidFill>
+                  <a:schemeClr val="tx1"/>
+                </a:solidFill>
+                <a:latin typeface="Arial" charset="0"/>
+                <a:ea typeface="ＭＳ Ｐゴシック" charset="0"/>
+                <a:cs typeface="ＭＳ Ｐゴシック" charset="0"/>
+              </a:defRPr>
+            </a:lvl1pPr>
+            <a:lvl2pPr marL="742950" indent="-285750" defTabSz="903288">
+              <a:defRPr sz="2400">
+                <a:solidFill>
+                  <a:schemeClr val="tx1"/>
+                </a:solidFill>
+                <a:latin typeface="Arial" charset="0"/>
+                <a:ea typeface="ＭＳ Ｐゴシック" charset="0"/>
+              </a:defRPr>
+            </a:lvl2pPr>
+            <a:lvl3pPr marL="1143000" indent="-228600" defTabSz="903288">
+              <a:defRPr sz="2400">
+                <a:solidFill>
+                  <a:schemeClr val="tx1"/>
+                </a:solidFill>
+                <a:latin typeface="Arial" charset="0"/>
+                <a:ea typeface="ＭＳ Ｐゴシック" charset="0"/>
+              </a:defRPr>
+            </a:lvl3pPr>
+            <a:lvl4pPr marL="1600200" indent="-228600" defTabSz="903288">
+              <a:defRPr sz="2400">
+                <a:solidFill>
+                  <a:schemeClr val="tx1"/>
+                </a:solidFill>
+                <a:latin typeface="Arial" charset="0"/>
+                <a:ea typeface="ＭＳ Ｐゴシック" charset="0"/>
+              </a:defRPr>
+            </a:lvl4pPr>
+            <a:lvl5pPr marL="2057400" indent="-228600" defTabSz="903288">
+              <a:defRPr sz="2400">
+                <a:solidFill>
+                  <a:schemeClr val="tx1"/>
+                </a:solidFill>
+                <a:latin typeface="Arial" charset="0"/>
+                <a:ea typeface="ＭＳ Ｐゴシック" charset="0"/>
+              </a:defRPr>
+            </a:lvl5pPr>
+            <a:lvl6pPr marL="2514600" indent="-228600" algn="ctr" defTabSz="903288" eaLnBrk="0" fontAlgn="base" hangingPunct="0">
+              <a:lnSpc>
+                <a:spcPct val="90000"/>
+              </a:lnSpc>
+              <a:spcBef>
+                <a:spcPct val="0"/>
+              </a:spcBef>
+              <a:spcAft>
+                <a:spcPct val="0"/>
+              </a:spcAft>
+              <a:defRPr sz="2400">
+                <a:solidFill>
+                  <a:schemeClr val="tx1"/>
+                </a:solidFill>
+                <a:latin typeface="Arial" charset="0"/>
+                <a:ea typeface="ＭＳ Ｐゴシック" charset="0"/>
+              </a:defRPr>
+            </a:lvl6pPr>
+            <a:lvl7pPr marL="2971800" indent="-228600" algn="ctr" defTabSz="903288" eaLnBrk="0" fontAlgn="base" hangingPunct="0">
+              <a:lnSpc>
+                <a:spcPct val="90000"/>
+              </a:lnSpc>
+              <a:spcBef>
+                <a:spcPct val="0"/>
+              </a:spcBef>
+              <a:spcAft>
+                <a:spcPct val="0"/>
+              </a:spcAft>
+              <a:defRPr sz="2400">
+                <a:solidFill>
+                  <a:schemeClr val="tx1"/>
+                </a:solidFill>
+                <a:latin typeface="Arial" charset="0"/>
+                <a:ea typeface="ＭＳ Ｐゴシック" charset="0"/>
+              </a:defRPr>
+            </a:lvl7pPr>
+            <a:lvl8pPr marL="3429000" indent="-228600" algn="ctr" defTabSz="903288" eaLnBrk="0" fontAlgn="base" hangingPunct="0">
+              <a:lnSpc>
+                <a:spcPct val="90000"/>
+              </a:lnSpc>
+              <a:spcBef>
+                <a:spcPct val="0"/>
+              </a:spcBef>
+              <a:spcAft>
+                <a:spcPct val="0"/>
+              </a:spcAft>
+              <a:defRPr sz="2400">
+                <a:solidFill>
+                  <a:schemeClr val="tx1"/>
+                </a:solidFill>
+                <a:latin typeface="Arial" charset="0"/>
+                <a:ea typeface="ＭＳ Ｐゴシック" charset="0"/>
+              </a:defRPr>
+            </a:lvl8pPr>
+            <a:lvl9pPr marL="3886200" indent="-228600" algn="ctr" defTabSz="903288" eaLnBrk="0" fontAlgn="base" hangingPunct="0">
+              <a:lnSpc>
+                <a:spcPct val="90000"/>
+              </a:lnSpc>
+              <a:spcBef>
+                <a:spcPct val="0"/>
+              </a:spcBef>
+              <a:spcAft>
+                <a:spcPct val="0"/>
+              </a:spcAft>
+              <a:defRPr sz="2400">
+                <a:solidFill>
+                  <a:schemeClr val="tx1"/>
+                </a:solidFill>
+                <a:latin typeface="Arial" charset="0"/>
+                <a:ea typeface="ＭＳ Ｐゴシック" charset="0"/>
+              </a:defRPr>
+            </a:lvl9pPr>
+          </a:lstStyle>
+          <a:p>
+            <a:fld id="{6C92755B-29FD-8743-9094-C0E3A734D22E}" type="slidenum">
+              <a:rPr lang="en-US" sz="800">
+                <a:solidFill>
+                  <a:prstClr val="black"/>
+                </a:solidFill>
+              </a:rPr>
+              <a:pPr/>
+              <a:t>21</a:t>
+            </a:fld>
+            <a:endParaRPr lang="en-US" sz="800" dirty="0">
+              <a:solidFill>
+                <a:prstClr val="black"/>
+              </a:solidFill>
+            </a:endParaRPr>
+          </a:p>
+        </p:txBody>
+      </p:sp>
+      <p:sp>
+        <p:nvSpPr>
+          <p:cNvPr id="57346" name="Rectangle 2"/>
+          <p:cNvSpPr>
+            <a:spLocks noGrp="1" noRot="1" noChangeAspect="1" noChangeArrowheads="1" noTextEdit="1"/>
+          </p:cNvSpPr>
+          <p:nvPr>
+            <p:ph type="sldImg"/>
+          </p:nvPr>
+        </p:nvSpPr>
+        <p:spPr>
+          <a:ln/>
+        </p:spPr>
+      </p:sp>
+      <p:sp>
+        <p:nvSpPr>
+          <p:cNvPr id="57347" name="Rectangle 3"/>
+          <p:cNvSpPr>
+            <a:spLocks noGrp="1" noChangeArrowheads="1"/>
+          </p:cNvSpPr>
+          <p:nvPr>
+            <p:ph type="body" idx="1"/>
+          </p:nvPr>
+        </p:nvSpPr>
+        <p:spPr>
+          <a:noFill/>
+          <a:ln/>
+          <a:extLst>
+            <a:ext uri="{909E8E84-426E-40DD-AFC4-6F175D3DCCD1}">
+              <a14:hiddenFill xmlns:a14="http://schemas.microsoft.com/office/drawing/2010/main">
+                <a:solidFill>
+                  <a:srgbClr val="FFFFFF"/>
+                </a:solidFill>
+              </a14:hiddenFill>
+            </a:ext>
+            <a:ext uri="{91240B29-F687-4F45-9708-019B960494DF}">
+              <a14:hiddenLine xmlns:a14="http://schemas.microsoft.com/office/drawing/2010/main" w="9525">
+                <a:solidFill>
+                  <a:srgbClr val="000000"/>
+                </a:solidFill>
+                <a:miter lim="800000"/>
+                <a:headEnd/>
+                <a:tailEnd/>
+              </a14:hiddenLine>
+            </a:ext>
+          </a:extLst>
+        </p:spPr>
+        <p:txBody>
+          <a:bodyPr/>
+          <a:lstStyle/>
+          <a:p>
+            <a:pPr marL="0" marR="0" lvl="0" indent="0" algn="l" defTabSz="457200" rtl="0" eaLnBrk="1" fontAlgn="auto" latinLnBrk="0" hangingPunct="1">
+              <a:lnSpc>
+                <a:spcPct val="80000"/>
+              </a:lnSpc>
+              <a:spcBef>
+                <a:spcPts val="0"/>
+              </a:spcBef>
+              <a:spcAft>
+                <a:spcPts val="0"/>
+              </a:spcAft>
+              <a:buClrTx/>
+              <a:buSzTx/>
+              <a:buFontTx/>
+              <a:buNone/>
+              <a:tabLst/>
+              <a:defRPr/>
+            </a:pPr>
+            <a:endParaRPr lang="en-US" dirty="0"/>
+          </a:p>
+        </p:txBody>
+      </p:sp>
+    </p:spTree>
+    <p:extLst>
+      <p:ext uri="{BB962C8B-B14F-4D97-AF65-F5344CB8AC3E}">
+        <p14:creationId xmlns:p14="http://schemas.microsoft.com/office/powerpoint/2010/main" val="2246742912"/>
+      </p:ext>
+    </p:extLst>
+  </p:cSld>
+  <p:clrMapOvr>
+    <a:masterClrMapping/>
+  </p:clrMapOvr>
+</p:notes>
+</file>
+
+<file path=ppt/notesSlides/notesSlide22.xml><?xml version="1.0" encoding="utf-8"?>
 <p:notes xmlns:a="http://schemas.openxmlformats.org/drawingml/2006/main" xmlns:r="http://schemas.openxmlformats.org/officeDocument/2006/relationships" xmlns:p="http://schemas.openxmlformats.org/presentationml/2006/main">
   <p:cSld>
     <p:spTree>
@@ -1943,1274 +2808,6 @@
           <a:bodyPr/>
           <a:lstStyle/>
           <a:p>
-            <a:pPr marL="0" marR="0" lvl="0" indent="0" algn="l" defTabSz="457200" rtl="0" eaLnBrk="1" fontAlgn="auto" latinLnBrk="0" hangingPunct="1">
-              <a:lnSpc>
-                <a:spcPct val="100000"/>
-              </a:lnSpc>
-              <a:spcBef>
-                <a:spcPts val="0"/>
-              </a:spcBef>
-              <a:spcAft>
-                <a:spcPts val="0"/>
-              </a:spcAft>
-              <a:buClrTx/>
-              <a:buSzTx/>
-              <a:buFontTx/>
-              <a:buNone/>
-              <a:tabLst/>
-              <a:defRPr/>
-            </a:pPr>
-            <a:r>
-              <a:rPr lang="en-US" dirty="0"/>
-              <a:t>10 – LAN Security Concepts</a:t>
-            </a:r>
-          </a:p>
-          <a:p>
-            <a:r>
-              <a:rPr lang="en-US" sz="1200" dirty="0"/>
-              <a:t>10.6 – Module Practice and Quiz</a:t>
-            </a:r>
-          </a:p>
-          <a:p>
-            <a:pPr>
-              <a:buFontTx/>
-              <a:buNone/>
-            </a:pPr>
-            <a:endParaRPr lang="en-US" dirty="0"/>
-          </a:p>
-        </p:txBody>
-      </p:sp>
-      <p:sp>
-        <p:nvSpPr>
-          <p:cNvPr id="4" name="Slide Number Placeholder 3"/>
-          <p:cNvSpPr>
-            <a:spLocks noGrp="1"/>
-          </p:cNvSpPr>
-          <p:nvPr>
-            <p:ph type="sldNum" sz="quarter" idx="10"/>
-          </p:nvPr>
-        </p:nvSpPr>
-        <p:spPr/>
-        <p:txBody>
-          <a:bodyPr/>
-          <a:lstStyle/>
-          <a:p>
-            <a:fld id="{5641018C-6CAF-B84E-B92C-ECB119457FBA}" type="slidenum">
-              <a:rPr lang="en-US" smtClean="0"/>
-              <a:t>21</a:t>
-            </a:fld>
-            <a:endParaRPr lang="en-US" dirty="0"/>
-          </a:p>
-        </p:txBody>
-      </p:sp>
-    </p:spTree>
-    <p:extLst>
-      <p:ext uri="{BB962C8B-B14F-4D97-AF65-F5344CB8AC3E}">
-        <p14:creationId xmlns:p14="http://schemas.microsoft.com/office/powerpoint/2010/main" val="2217143680"/>
-      </p:ext>
-    </p:extLst>
-  </p:cSld>
-  <p:clrMapOvr>
-    <a:masterClrMapping/>
-  </p:clrMapOvr>
-</p:notes>
-</file>
-
-<file path=ppt/notesSlides/notesSlide22.xml><?xml version="1.0" encoding="utf-8"?>
-<p:notes xmlns:a="http://schemas.openxmlformats.org/drawingml/2006/main" xmlns:r="http://schemas.openxmlformats.org/officeDocument/2006/relationships" xmlns:p="http://schemas.openxmlformats.org/presentationml/2006/main">
-  <p:cSld>
-    <p:spTree>
-      <p:nvGrpSpPr>
-        <p:cNvPr id="1" name=""/>
-        <p:cNvGrpSpPr/>
-        <p:nvPr/>
-      </p:nvGrpSpPr>
-      <p:grpSpPr>
-        <a:xfrm>
-          <a:off x="0" y="0"/>
-          <a:ext cx="0" cy="0"/>
-          <a:chOff x="0" y="0"/>
-          <a:chExt cx="0" cy="0"/>
-        </a:xfrm>
-      </p:grpSpPr>
-      <p:sp>
-        <p:nvSpPr>
-          <p:cNvPr id="22529" name="Rectangle 11"/>
-          <p:cNvSpPr>
-            <a:spLocks noGrp="1" noChangeArrowheads="1"/>
-          </p:cNvSpPr>
-          <p:nvPr>
-            <p:ph type="sldNum" sz="quarter" idx="5"/>
-          </p:nvPr>
-        </p:nvSpPr>
-        <p:spPr>
-          <a:noFill/>
-          <a:ln/>
-          <a:extLst>
-            <a:ext uri="{909E8E84-426E-40DD-AFC4-6F175D3DCCD1}">
-              <a14:hiddenFill xmlns:a14="http://schemas.microsoft.com/office/drawing/2010/main">
-                <a:solidFill>
-                  <a:srgbClr val="FFFFFF"/>
-                </a:solidFill>
-              </a14:hiddenFill>
-            </a:ext>
-            <a:ext uri="{91240B29-F687-4F45-9708-019B960494DF}">
-              <a14:hiddenLine xmlns:a14="http://schemas.microsoft.com/office/drawing/2010/main" w="9525">
-                <a:solidFill>
-                  <a:srgbClr val="000000"/>
-                </a:solidFill>
-                <a:miter lim="800000"/>
-                <a:headEnd/>
-                <a:tailEnd/>
-              </a14:hiddenLine>
-            </a:ext>
-          </a:extLst>
-        </p:spPr>
-        <p:txBody>
-          <a:bodyPr/>
-          <a:lstStyle>
-            <a:lvl1pPr defTabSz="903288">
-              <a:defRPr sz="2400">
-                <a:solidFill>
-                  <a:schemeClr val="tx1"/>
-                </a:solidFill>
-                <a:latin typeface="Arial" charset="0"/>
-                <a:ea typeface="ＭＳ Ｐゴシック" charset="0"/>
-                <a:cs typeface="ＭＳ Ｐゴシック" charset="0"/>
-              </a:defRPr>
-            </a:lvl1pPr>
-            <a:lvl2pPr marL="742950" indent="-285750" defTabSz="903288">
-              <a:defRPr sz="2400">
-                <a:solidFill>
-                  <a:schemeClr val="tx1"/>
-                </a:solidFill>
-                <a:latin typeface="Arial" charset="0"/>
-                <a:ea typeface="ＭＳ Ｐゴシック" charset="0"/>
-              </a:defRPr>
-            </a:lvl2pPr>
-            <a:lvl3pPr marL="1143000" indent="-228600" defTabSz="903288">
-              <a:defRPr sz="2400">
-                <a:solidFill>
-                  <a:schemeClr val="tx1"/>
-                </a:solidFill>
-                <a:latin typeface="Arial" charset="0"/>
-                <a:ea typeface="ＭＳ Ｐゴシック" charset="0"/>
-              </a:defRPr>
-            </a:lvl3pPr>
-            <a:lvl4pPr marL="1600200" indent="-228600" defTabSz="903288">
-              <a:defRPr sz="2400">
-                <a:solidFill>
-                  <a:schemeClr val="tx1"/>
-                </a:solidFill>
-                <a:latin typeface="Arial" charset="0"/>
-                <a:ea typeface="ＭＳ Ｐゴシック" charset="0"/>
-              </a:defRPr>
-            </a:lvl4pPr>
-            <a:lvl5pPr marL="2057400" indent="-228600" defTabSz="903288">
-              <a:defRPr sz="2400">
-                <a:solidFill>
-                  <a:schemeClr val="tx1"/>
-                </a:solidFill>
-                <a:latin typeface="Arial" charset="0"/>
-                <a:ea typeface="ＭＳ Ｐゴシック" charset="0"/>
-              </a:defRPr>
-            </a:lvl5pPr>
-            <a:lvl6pPr marL="2514600" indent="-228600" algn="ctr" defTabSz="903288" eaLnBrk="0" fontAlgn="base" hangingPunct="0">
-              <a:lnSpc>
-                <a:spcPct val="90000"/>
-              </a:lnSpc>
-              <a:spcBef>
-                <a:spcPct val="0"/>
-              </a:spcBef>
-              <a:spcAft>
-                <a:spcPct val="0"/>
-              </a:spcAft>
-              <a:defRPr sz="2400">
-                <a:solidFill>
-                  <a:schemeClr val="tx1"/>
-                </a:solidFill>
-                <a:latin typeface="Arial" charset="0"/>
-                <a:ea typeface="ＭＳ Ｐゴシック" charset="0"/>
-              </a:defRPr>
-            </a:lvl6pPr>
-            <a:lvl7pPr marL="2971800" indent="-228600" algn="ctr" defTabSz="903288" eaLnBrk="0" fontAlgn="base" hangingPunct="0">
-              <a:lnSpc>
-                <a:spcPct val="90000"/>
-              </a:lnSpc>
-              <a:spcBef>
-                <a:spcPct val="0"/>
-              </a:spcBef>
-              <a:spcAft>
-                <a:spcPct val="0"/>
-              </a:spcAft>
-              <a:defRPr sz="2400">
-                <a:solidFill>
-                  <a:schemeClr val="tx1"/>
-                </a:solidFill>
-                <a:latin typeface="Arial" charset="0"/>
-                <a:ea typeface="ＭＳ Ｐゴシック" charset="0"/>
-              </a:defRPr>
-            </a:lvl7pPr>
-            <a:lvl8pPr marL="3429000" indent="-228600" algn="ctr" defTabSz="903288" eaLnBrk="0" fontAlgn="base" hangingPunct="0">
-              <a:lnSpc>
-                <a:spcPct val="90000"/>
-              </a:lnSpc>
-              <a:spcBef>
-                <a:spcPct val="0"/>
-              </a:spcBef>
-              <a:spcAft>
-                <a:spcPct val="0"/>
-              </a:spcAft>
-              <a:defRPr sz="2400">
-                <a:solidFill>
-                  <a:schemeClr val="tx1"/>
-                </a:solidFill>
-                <a:latin typeface="Arial" charset="0"/>
-                <a:ea typeface="ＭＳ Ｐゴシック" charset="0"/>
-              </a:defRPr>
-            </a:lvl8pPr>
-            <a:lvl9pPr marL="3886200" indent="-228600" algn="ctr" defTabSz="903288" eaLnBrk="0" fontAlgn="base" hangingPunct="0">
-              <a:lnSpc>
-                <a:spcPct val="90000"/>
-              </a:lnSpc>
-              <a:spcBef>
-                <a:spcPct val="0"/>
-              </a:spcBef>
-              <a:spcAft>
-                <a:spcPct val="0"/>
-              </a:spcAft>
-              <a:defRPr sz="2400">
-                <a:solidFill>
-                  <a:schemeClr val="tx1"/>
-                </a:solidFill>
-                <a:latin typeface="Arial" charset="0"/>
-                <a:ea typeface="ＭＳ Ｐゴシック" charset="0"/>
-              </a:defRPr>
-            </a:lvl9pPr>
-          </a:lstStyle>
-          <a:p>
-            <a:fld id="{3997A419-355F-A04A-96E0-21643AF8E9FF}" type="slidenum">
-              <a:rPr lang="en-US" sz="800">
-                <a:solidFill>
-                  <a:prstClr val="black"/>
-                </a:solidFill>
-              </a:rPr>
-              <a:pPr/>
-              <a:t>22</a:t>
-            </a:fld>
-            <a:endParaRPr lang="en-US" sz="800" dirty="0">
-              <a:solidFill>
-                <a:prstClr val="black"/>
-              </a:solidFill>
-            </a:endParaRPr>
-          </a:p>
-        </p:txBody>
-      </p:sp>
-      <p:sp>
-        <p:nvSpPr>
-          <p:cNvPr id="22530" name="Rectangle 2"/>
-          <p:cNvSpPr>
-            <a:spLocks noGrp="1" noRot="1" noChangeAspect="1" noChangeArrowheads="1" noTextEdit="1"/>
-          </p:cNvSpPr>
-          <p:nvPr>
-            <p:ph type="sldImg"/>
-          </p:nvPr>
-        </p:nvSpPr>
-        <p:spPr>
-          <a:ln/>
-        </p:spPr>
-      </p:sp>
-      <p:sp>
-        <p:nvSpPr>
-          <p:cNvPr id="22531" name="Rectangle 3"/>
-          <p:cNvSpPr>
-            <a:spLocks noGrp="1" noChangeArrowheads="1"/>
-          </p:cNvSpPr>
-          <p:nvPr>
-            <p:ph type="body" idx="1"/>
-          </p:nvPr>
-        </p:nvSpPr>
-        <p:spPr>
-          <a:noFill/>
-          <a:ln/>
-          <a:extLst>
-            <a:ext uri="{909E8E84-426E-40DD-AFC4-6F175D3DCCD1}">
-              <a14:hiddenFill xmlns:a14="http://schemas.microsoft.com/office/drawing/2010/main">
-                <a:solidFill>
-                  <a:srgbClr val="FFFFFF"/>
-                </a:solidFill>
-              </a14:hiddenFill>
-            </a:ext>
-            <a:ext uri="{91240B29-F687-4F45-9708-019B960494DF}">
-              <a14:hiddenLine xmlns:a14="http://schemas.microsoft.com/office/drawing/2010/main" w="9525">
-                <a:solidFill>
-                  <a:srgbClr val="000000"/>
-                </a:solidFill>
-                <a:miter lim="800000"/>
-                <a:headEnd/>
-                <a:tailEnd/>
-              </a14:hiddenLine>
-            </a:ext>
-          </a:extLst>
-        </p:spPr>
-        <p:txBody>
-          <a:bodyPr/>
-          <a:lstStyle/>
-          <a:p>
-            <a:pPr marL="0" marR="0" lvl="0" indent="0" algn="l" defTabSz="457200" rtl="0" eaLnBrk="1" fontAlgn="auto" latinLnBrk="0" hangingPunct="1">
-              <a:lnSpc>
-                <a:spcPct val="100000"/>
-              </a:lnSpc>
-              <a:spcBef>
-                <a:spcPts val="0"/>
-              </a:spcBef>
-              <a:spcAft>
-                <a:spcPts val="0"/>
-              </a:spcAft>
-              <a:buClrTx/>
-              <a:buSzTx/>
-              <a:buFontTx/>
-              <a:buNone/>
-              <a:tabLst/>
-              <a:defRPr/>
-            </a:pPr>
-            <a:r>
-              <a:rPr lang="en-US" dirty="0"/>
-              <a:t>10 – LAN Security Concepts</a:t>
-            </a:r>
-          </a:p>
-          <a:p>
-            <a:r>
-              <a:rPr lang="en-US" sz="1200" dirty="0"/>
-              <a:t>10.6 – Module Practice and Quiz</a:t>
-            </a:r>
-          </a:p>
-          <a:p>
-            <a:r>
-              <a:rPr lang="en-US" sz="1200" dirty="0"/>
-              <a:t>10.6.1 – What did I learn in this module?</a:t>
-            </a:r>
-          </a:p>
-        </p:txBody>
-      </p:sp>
-    </p:spTree>
-    <p:extLst>
-      <p:ext uri="{BB962C8B-B14F-4D97-AF65-F5344CB8AC3E}">
-        <p14:creationId xmlns:p14="http://schemas.microsoft.com/office/powerpoint/2010/main" val="2527915751"/>
-      </p:ext>
-    </p:extLst>
-  </p:cSld>
-  <p:clrMapOvr>
-    <a:masterClrMapping/>
-  </p:clrMapOvr>
-</p:notes>
-</file>
-
-<file path=ppt/notesSlides/notesSlide23.xml><?xml version="1.0" encoding="utf-8"?>
-<p:notes xmlns:a="http://schemas.openxmlformats.org/drawingml/2006/main" xmlns:r="http://schemas.openxmlformats.org/officeDocument/2006/relationships" xmlns:p="http://schemas.openxmlformats.org/presentationml/2006/main">
-  <p:cSld>
-    <p:spTree>
-      <p:nvGrpSpPr>
-        <p:cNvPr id="1" name=""/>
-        <p:cNvGrpSpPr/>
-        <p:nvPr/>
-      </p:nvGrpSpPr>
-      <p:grpSpPr>
-        <a:xfrm>
-          <a:off x="0" y="0"/>
-          <a:ext cx="0" cy="0"/>
-          <a:chOff x="0" y="0"/>
-          <a:chExt cx="0" cy="0"/>
-        </a:xfrm>
-      </p:grpSpPr>
-      <p:sp>
-        <p:nvSpPr>
-          <p:cNvPr id="22529" name="Rectangle 11"/>
-          <p:cNvSpPr>
-            <a:spLocks noGrp="1" noChangeArrowheads="1"/>
-          </p:cNvSpPr>
-          <p:nvPr>
-            <p:ph type="sldNum" sz="quarter" idx="5"/>
-          </p:nvPr>
-        </p:nvSpPr>
-        <p:spPr>
-          <a:noFill/>
-          <a:ln/>
-          <a:extLst>
-            <a:ext uri="{909E8E84-426E-40DD-AFC4-6F175D3DCCD1}">
-              <a14:hiddenFill xmlns:a14="http://schemas.microsoft.com/office/drawing/2010/main">
-                <a:solidFill>
-                  <a:srgbClr val="FFFFFF"/>
-                </a:solidFill>
-              </a14:hiddenFill>
-            </a:ext>
-            <a:ext uri="{91240B29-F687-4F45-9708-019B960494DF}">
-              <a14:hiddenLine xmlns:a14="http://schemas.microsoft.com/office/drawing/2010/main" w="9525">
-                <a:solidFill>
-                  <a:srgbClr val="000000"/>
-                </a:solidFill>
-                <a:miter lim="800000"/>
-                <a:headEnd/>
-                <a:tailEnd/>
-              </a14:hiddenLine>
-            </a:ext>
-          </a:extLst>
-        </p:spPr>
-        <p:txBody>
-          <a:bodyPr/>
-          <a:lstStyle>
-            <a:lvl1pPr defTabSz="903288">
-              <a:defRPr sz="2400">
-                <a:solidFill>
-                  <a:schemeClr val="tx1"/>
-                </a:solidFill>
-                <a:latin typeface="Arial" charset="0"/>
-                <a:ea typeface="ＭＳ Ｐゴシック" charset="0"/>
-                <a:cs typeface="ＭＳ Ｐゴシック" charset="0"/>
-              </a:defRPr>
-            </a:lvl1pPr>
-            <a:lvl2pPr marL="742950" indent="-285750" defTabSz="903288">
-              <a:defRPr sz="2400">
-                <a:solidFill>
-                  <a:schemeClr val="tx1"/>
-                </a:solidFill>
-                <a:latin typeface="Arial" charset="0"/>
-                <a:ea typeface="ＭＳ Ｐゴシック" charset="0"/>
-              </a:defRPr>
-            </a:lvl2pPr>
-            <a:lvl3pPr marL="1143000" indent="-228600" defTabSz="903288">
-              <a:defRPr sz="2400">
-                <a:solidFill>
-                  <a:schemeClr val="tx1"/>
-                </a:solidFill>
-                <a:latin typeface="Arial" charset="0"/>
-                <a:ea typeface="ＭＳ Ｐゴシック" charset="0"/>
-              </a:defRPr>
-            </a:lvl3pPr>
-            <a:lvl4pPr marL="1600200" indent="-228600" defTabSz="903288">
-              <a:defRPr sz="2400">
-                <a:solidFill>
-                  <a:schemeClr val="tx1"/>
-                </a:solidFill>
-                <a:latin typeface="Arial" charset="0"/>
-                <a:ea typeface="ＭＳ Ｐゴシック" charset="0"/>
-              </a:defRPr>
-            </a:lvl4pPr>
-            <a:lvl5pPr marL="2057400" indent="-228600" defTabSz="903288">
-              <a:defRPr sz="2400">
-                <a:solidFill>
-                  <a:schemeClr val="tx1"/>
-                </a:solidFill>
-                <a:latin typeface="Arial" charset="0"/>
-                <a:ea typeface="ＭＳ Ｐゴシック" charset="0"/>
-              </a:defRPr>
-            </a:lvl5pPr>
-            <a:lvl6pPr marL="2514600" indent="-228600" algn="ctr" defTabSz="903288" eaLnBrk="0" fontAlgn="base" hangingPunct="0">
-              <a:lnSpc>
-                <a:spcPct val="90000"/>
-              </a:lnSpc>
-              <a:spcBef>
-                <a:spcPct val="0"/>
-              </a:spcBef>
-              <a:spcAft>
-                <a:spcPct val="0"/>
-              </a:spcAft>
-              <a:defRPr sz="2400">
-                <a:solidFill>
-                  <a:schemeClr val="tx1"/>
-                </a:solidFill>
-                <a:latin typeface="Arial" charset="0"/>
-                <a:ea typeface="ＭＳ Ｐゴシック" charset="0"/>
-              </a:defRPr>
-            </a:lvl6pPr>
-            <a:lvl7pPr marL="2971800" indent="-228600" algn="ctr" defTabSz="903288" eaLnBrk="0" fontAlgn="base" hangingPunct="0">
-              <a:lnSpc>
-                <a:spcPct val="90000"/>
-              </a:lnSpc>
-              <a:spcBef>
-                <a:spcPct val="0"/>
-              </a:spcBef>
-              <a:spcAft>
-                <a:spcPct val="0"/>
-              </a:spcAft>
-              <a:defRPr sz="2400">
-                <a:solidFill>
-                  <a:schemeClr val="tx1"/>
-                </a:solidFill>
-                <a:latin typeface="Arial" charset="0"/>
-                <a:ea typeface="ＭＳ Ｐゴシック" charset="0"/>
-              </a:defRPr>
-            </a:lvl7pPr>
-            <a:lvl8pPr marL="3429000" indent="-228600" algn="ctr" defTabSz="903288" eaLnBrk="0" fontAlgn="base" hangingPunct="0">
-              <a:lnSpc>
-                <a:spcPct val="90000"/>
-              </a:lnSpc>
-              <a:spcBef>
-                <a:spcPct val="0"/>
-              </a:spcBef>
-              <a:spcAft>
-                <a:spcPct val="0"/>
-              </a:spcAft>
-              <a:defRPr sz="2400">
-                <a:solidFill>
-                  <a:schemeClr val="tx1"/>
-                </a:solidFill>
-                <a:latin typeface="Arial" charset="0"/>
-                <a:ea typeface="ＭＳ Ｐゴシック" charset="0"/>
-              </a:defRPr>
-            </a:lvl8pPr>
-            <a:lvl9pPr marL="3886200" indent="-228600" algn="ctr" defTabSz="903288" eaLnBrk="0" fontAlgn="base" hangingPunct="0">
-              <a:lnSpc>
-                <a:spcPct val="90000"/>
-              </a:lnSpc>
-              <a:spcBef>
-                <a:spcPct val="0"/>
-              </a:spcBef>
-              <a:spcAft>
-                <a:spcPct val="0"/>
-              </a:spcAft>
-              <a:defRPr sz="2400">
-                <a:solidFill>
-                  <a:schemeClr val="tx1"/>
-                </a:solidFill>
-                <a:latin typeface="Arial" charset="0"/>
-                <a:ea typeface="ＭＳ Ｐゴシック" charset="0"/>
-              </a:defRPr>
-            </a:lvl9pPr>
-          </a:lstStyle>
-          <a:p>
-            <a:fld id="{3997A419-355F-A04A-96E0-21643AF8E9FF}" type="slidenum">
-              <a:rPr lang="en-US" sz="800">
-                <a:solidFill>
-                  <a:prstClr val="black"/>
-                </a:solidFill>
-              </a:rPr>
-              <a:pPr/>
-              <a:t>23</a:t>
-            </a:fld>
-            <a:endParaRPr lang="en-US" sz="800" dirty="0">
-              <a:solidFill>
-                <a:prstClr val="black"/>
-              </a:solidFill>
-            </a:endParaRPr>
-          </a:p>
-        </p:txBody>
-      </p:sp>
-      <p:sp>
-        <p:nvSpPr>
-          <p:cNvPr id="22530" name="Rectangle 2"/>
-          <p:cNvSpPr>
-            <a:spLocks noGrp="1" noRot="1" noChangeAspect="1" noChangeArrowheads="1" noTextEdit="1"/>
-          </p:cNvSpPr>
-          <p:nvPr>
-            <p:ph type="sldImg"/>
-          </p:nvPr>
-        </p:nvSpPr>
-        <p:spPr>
-          <a:ln/>
-        </p:spPr>
-      </p:sp>
-      <p:sp>
-        <p:nvSpPr>
-          <p:cNvPr id="22531" name="Rectangle 3"/>
-          <p:cNvSpPr>
-            <a:spLocks noGrp="1" noChangeArrowheads="1"/>
-          </p:cNvSpPr>
-          <p:nvPr>
-            <p:ph type="body" idx="1"/>
-          </p:nvPr>
-        </p:nvSpPr>
-        <p:spPr>
-          <a:noFill/>
-          <a:ln/>
-          <a:extLst>
-            <a:ext uri="{909E8E84-426E-40DD-AFC4-6F175D3DCCD1}">
-              <a14:hiddenFill xmlns:a14="http://schemas.microsoft.com/office/drawing/2010/main">
-                <a:solidFill>
-                  <a:srgbClr val="FFFFFF"/>
-                </a:solidFill>
-              </a14:hiddenFill>
-            </a:ext>
-            <a:ext uri="{91240B29-F687-4F45-9708-019B960494DF}">
-              <a14:hiddenLine xmlns:a14="http://schemas.microsoft.com/office/drawing/2010/main" w="9525">
-                <a:solidFill>
-                  <a:srgbClr val="000000"/>
-                </a:solidFill>
-                <a:miter lim="800000"/>
-                <a:headEnd/>
-                <a:tailEnd/>
-              </a14:hiddenLine>
-            </a:ext>
-          </a:extLst>
-        </p:spPr>
-        <p:txBody>
-          <a:bodyPr/>
-          <a:lstStyle/>
-          <a:p>
-            <a:pPr marL="0" marR="0" lvl="0" indent="0" algn="l" defTabSz="457200" rtl="0" eaLnBrk="1" fontAlgn="auto" latinLnBrk="0" hangingPunct="1">
-              <a:lnSpc>
-                <a:spcPct val="100000"/>
-              </a:lnSpc>
-              <a:spcBef>
-                <a:spcPts val="0"/>
-              </a:spcBef>
-              <a:spcAft>
-                <a:spcPts val="0"/>
-              </a:spcAft>
-              <a:buClrTx/>
-              <a:buSzTx/>
-              <a:buFontTx/>
-              <a:buNone/>
-              <a:tabLst/>
-              <a:defRPr/>
-            </a:pPr>
-            <a:r>
-              <a:rPr lang="en-US" dirty="0"/>
-              <a:t>10 – LAN Security Concepts</a:t>
-            </a:r>
-          </a:p>
-          <a:p>
-            <a:r>
-              <a:rPr lang="en-US" sz="1200" dirty="0"/>
-              <a:t>10.6 – Module Practice and Quiz</a:t>
-            </a:r>
-          </a:p>
-          <a:p>
-            <a:r>
-              <a:rPr lang="en-US" sz="1200" dirty="0"/>
-              <a:t>10.6.1 – What did I learn in this module? (Cont.)</a:t>
-            </a:r>
-          </a:p>
-        </p:txBody>
-      </p:sp>
-    </p:spTree>
-    <p:extLst>
-      <p:ext uri="{BB962C8B-B14F-4D97-AF65-F5344CB8AC3E}">
-        <p14:creationId xmlns:p14="http://schemas.microsoft.com/office/powerpoint/2010/main" val="64125619"/>
-      </p:ext>
-    </p:extLst>
-  </p:cSld>
-  <p:clrMapOvr>
-    <a:masterClrMapping/>
-  </p:clrMapOvr>
-</p:notes>
-</file>
-
-<file path=ppt/notesSlides/notesSlide24.xml><?xml version="1.0" encoding="utf-8"?>
-<p:notes xmlns:a="http://schemas.openxmlformats.org/drawingml/2006/main" xmlns:r="http://schemas.openxmlformats.org/officeDocument/2006/relationships" xmlns:p="http://schemas.openxmlformats.org/presentationml/2006/main">
-  <p:cSld>
-    <p:spTree>
-      <p:nvGrpSpPr>
-        <p:cNvPr id="1" name=""/>
-        <p:cNvGrpSpPr/>
-        <p:nvPr/>
-      </p:nvGrpSpPr>
-      <p:grpSpPr>
-        <a:xfrm>
-          <a:off x="0" y="0"/>
-          <a:ext cx="0" cy="0"/>
-          <a:chOff x="0" y="0"/>
-          <a:chExt cx="0" cy="0"/>
-        </a:xfrm>
-      </p:grpSpPr>
-      <p:sp>
-        <p:nvSpPr>
-          <p:cNvPr id="22529" name="Rectangle 11"/>
-          <p:cNvSpPr>
-            <a:spLocks noGrp="1" noChangeArrowheads="1"/>
-          </p:cNvSpPr>
-          <p:nvPr>
-            <p:ph type="sldNum" sz="quarter" idx="5"/>
-          </p:nvPr>
-        </p:nvSpPr>
-        <p:spPr>
-          <a:noFill/>
-          <a:ln/>
-          <a:extLst>
-            <a:ext uri="{909E8E84-426E-40DD-AFC4-6F175D3DCCD1}">
-              <a14:hiddenFill xmlns:a14="http://schemas.microsoft.com/office/drawing/2010/main">
-                <a:solidFill>
-                  <a:srgbClr val="FFFFFF"/>
-                </a:solidFill>
-              </a14:hiddenFill>
-            </a:ext>
-            <a:ext uri="{91240B29-F687-4F45-9708-019B960494DF}">
-              <a14:hiddenLine xmlns:a14="http://schemas.microsoft.com/office/drawing/2010/main" w="9525">
-                <a:solidFill>
-                  <a:srgbClr val="000000"/>
-                </a:solidFill>
-                <a:miter lim="800000"/>
-                <a:headEnd/>
-                <a:tailEnd/>
-              </a14:hiddenLine>
-            </a:ext>
-          </a:extLst>
-        </p:spPr>
-        <p:txBody>
-          <a:bodyPr/>
-          <a:lstStyle>
-            <a:lvl1pPr defTabSz="903288">
-              <a:defRPr sz="2400">
-                <a:solidFill>
-                  <a:schemeClr val="tx1"/>
-                </a:solidFill>
-                <a:latin typeface="Arial" charset="0"/>
-                <a:ea typeface="ＭＳ Ｐゴシック" charset="0"/>
-                <a:cs typeface="ＭＳ Ｐゴシック" charset="0"/>
-              </a:defRPr>
-            </a:lvl1pPr>
-            <a:lvl2pPr marL="742950" indent="-285750" defTabSz="903288">
-              <a:defRPr sz="2400">
-                <a:solidFill>
-                  <a:schemeClr val="tx1"/>
-                </a:solidFill>
-                <a:latin typeface="Arial" charset="0"/>
-                <a:ea typeface="ＭＳ Ｐゴシック" charset="0"/>
-              </a:defRPr>
-            </a:lvl2pPr>
-            <a:lvl3pPr marL="1143000" indent="-228600" defTabSz="903288">
-              <a:defRPr sz="2400">
-                <a:solidFill>
-                  <a:schemeClr val="tx1"/>
-                </a:solidFill>
-                <a:latin typeface="Arial" charset="0"/>
-                <a:ea typeface="ＭＳ Ｐゴシック" charset="0"/>
-              </a:defRPr>
-            </a:lvl3pPr>
-            <a:lvl4pPr marL="1600200" indent="-228600" defTabSz="903288">
-              <a:defRPr sz="2400">
-                <a:solidFill>
-                  <a:schemeClr val="tx1"/>
-                </a:solidFill>
-                <a:latin typeface="Arial" charset="0"/>
-                <a:ea typeface="ＭＳ Ｐゴシック" charset="0"/>
-              </a:defRPr>
-            </a:lvl4pPr>
-            <a:lvl5pPr marL="2057400" indent="-228600" defTabSz="903288">
-              <a:defRPr sz="2400">
-                <a:solidFill>
-                  <a:schemeClr val="tx1"/>
-                </a:solidFill>
-                <a:latin typeface="Arial" charset="0"/>
-                <a:ea typeface="ＭＳ Ｐゴシック" charset="0"/>
-              </a:defRPr>
-            </a:lvl5pPr>
-            <a:lvl6pPr marL="2514600" indent="-228600" algn="ctr" defTabSz="903288" eaLnBrk="0" fontAlgn="base" hangingPunct="0">
-              <a:lnSpc>
-                <a:spcPct val="90000"/>
-              </a:lnSpc>
-              <a:spcBef>
-                <a:spcPct val="0"/>
-              </a:spcBef>
-              <a:spcAft>
-                <a:spcPct val="0"/>
-              </a:spcAft>
-              <a:defRPr sz="2400">
-                <a:solidFill>
-                  <a:schemeClr val="tx1"/>
-                </a:solidFill>
-                <a:latin typeface="Arial" charset="0"/>
-                <a:ea typeface="ＭＳ Ｐゴシック" charset="0"/>
-              </a:defRPr>
-            </a:lvl6pPr>
-            <a:lvl7pPr marL="2971800" indent="-228600" algn="ctr" defTabSz="903288" eaLnBrk="0" fontAlgn="base" hangingPunct="0">
-              <a:lnSpc>
-                <a:spcPct val="90000"/>
-              </a:lnSpc>
-              <a:spcBef>
-                <a:spcPct val="0"/>
-              </a:spcBef>
-              <a:spcAft>
-                <a:spcPct val="0"/>
-              </a:spcAft>
-              <a:defRPr sz="2400">
-                <a:solidFill>
-                  <a:schemeClr val="tx1"/>
-                </a:solidFill>
-                <a:latin typeface="Arial" charset="0"/>
-                <a:ea typeface="ＭＳ Ｐゴシック" charset="0"/>
-              </a:defRPr>
-            </a:lvl7pPr>
-            <a:lvl8pPr marL="3429000" indent="-228600" algn="ctr" defTabSz="903288" eaLnBrk="0" fontAlgn="base" hangingPunct="0">
-              <a:lnSpc>
-                <a:spcPct val="90000"/>
-              </a:lnSpc>
-              <a:spcBef>
-                <a:spcPct val="0"/>
-              </a:spcBef>
-              <a:spcAft>
-                <a:spcPct val="0"/>
-              </a:spcAft>
-              <a:defRPr sz="2400">
-                <a:solidFill>
-                  <a:schemeClr val="tx1"/>
-                </a:solidFill>
-                <a:latin typeface="Arial" charset="0"/>
-                <a:ea typeface="ＭＳ Ｐゴシック" charset="0"/>
-              </a:defRPr>
-            </a:lvl8pPr>
-            <a:lvl9pPr marL="3886200" indent="-228600" algn="ctr" defTabSz="903288" eaLnBrk="0" fontAlgn="base" hangingPunct="0">
-              <a:lnSpc>
-                <a:spcPct val="90000"/>
-              </a:lnSpc>
-              <a:spcBef>
-                <a:spcPct val="0"/>
-              </a:spcBef>
-              <a:spcAft>
-                <a:spcPct val="0"/>
-              </a:spcAft>
-              <a:defRPr sz="2400">
-                <a:solidFill>
-                  <a:schemeClr val="tx1"/>
-                </a:solidFill>
-                <a:latin typeface="Arial" charset="0"/>
-                <a:ea typeface="ＭＳ Ｐゴシック" charset="0"/>
-              </a:defRPr>
-            </a:lvl9pPr>
-          </a:lstStyle>
-          <a:p>
-            <a:fld id="{3997A419-355F-A04A-96E0-21643AF8E9FF}" type="slidenum">
-              <a:rPr lang="en-US" sz="800">
-                <a:solidFill>
-                  <a:prstClr val="black"/>
-                </a:solidFill>
-              </a:rPr>
-              <a:pPr/>
-              <a:t>24</a:t>
-            </a:fld>
-            <a:endParaRPr lang="en-US" sz="800" dirty="0">
-              <a:solidFill>
-                <a:prstClr val="black"/>
-              </a:solidFill>
-            </a:endParaRPr>
-          </a:p>
-        </p:txBody>
-      </p:sp>
-      <p:sp>
-        <p:nvSpPr>
-          <p:cNvPr id="22530" name="Rectangle 2"/>
-          <p:cNvSpPr>
-            <a:spLocks noGrp="1" noRot="1" noChangeAspect="1" noChangeArrowheads="1" noTextEdit="1"/>
-          </p:cNvSpPr>
-          <p:nvPr>
-            <p:ph type="sldImg"/>
-          </p:nvPr>
-        </p:nvSpPr>
-        <p:spPr>
-          <a:ln/>
-        </p:spPr>
-      </p:sp>
-      <p:sp>
-        <p:nvSpPr>
-          <p:cNvPr id="22531" name="Rectangle 3"/>
-          <p:cNvSpPr>
-            <a:spLocks noGrp="1" noChangeArrowheads="1"/>
-          </p:cNvSpPr>
-          <p:nvPr>
-            <p:ph type="body" idx="1"/>
-          </p:nvPr>
-        </p:nvSpPr>
-        <p:spPr>
-          <a:noFill/>
-          <a:ln/>
-          <a:extLst>
-            <a:ext uri="{909E8E84-426E-40DD-AFC4-6F175D3DCCD1}">
-              <a14:hiddenFill xmlns:a14="http://schemas.microsoft.com/office/drawing/2010/main">
-                <a:solidFill>
-                  <a:srgbClr val="FFFFFF"/>
-                </a:solidFill>
-              </a14:hiddenFill>
-            </a:ext>
-            <a:ext uri="{91240B29-F687-4F45-9708-019B960494DF}">
-              <a14:hiddenLine xmlns:a14="http://schemas.microsoft.com/office/drawing/2010/main" w="9525">
-                <a:solidFill>
-                  <a:srgbClr val="000000"/>
-                </a:solidFill>
-                <a:miter lim="800000"/>
-                <a:headEnd/>
-                <a:tailEnd/>
-              </a14:hiddenLine>
-            </a:ext>
-          </a:extLst>
-        </p:spPr>
-        <p:txBody>
-          <a:bodyPr/>
-          <a:lstStyle/>
-          <a:p>
-            <a:pPr marL="0" marR="0" lvl="0" indent="0" algn="l" defTabSz="457200" rtl="0" eaLnBrk="1" fontAlgn="auto" latinLnBrk="0" hangingPunct="1">
-              <a:lnSpc>
-                <a:spcPct val="100000"/>
-              </a:lnSpc>
-              <a:spcBef>
-                <a:spcPts val="0"/>
-              </a:spcBef>
-              <a:spcAft>
-                <a:spcPts val="0"/>
-              </a:spcAft>
-              <a:buClrTx/>
-              <a:buSzTx/>
-              <a:buFontTx/>
-              <a:buNone/>
-              <a:tabLst/>
-              <a:defRPr/>
-            </a:pPr>
-            <a:r>
-              <a:rPr lang="en-US" dirty="0"/>
-              <a:t>10 – LAN Security Concepts</a:t>
-            </a:r>
-          </a:p>
-          <a:p>
-            <a:r>
-              <a:rPr lang="en-US" sz="1200" dirty="0"/>
-              <a:t>10.6 – Module Practice and Quiz</a:t>
-            </a:r>
-          </a:p>
-          <a:p>
-            <a:r>
-              <a:rPr lang="en-US" sz="1200" dirty="0"/>
-              <a:t>10.6.1 – What did I learn in this module? (Cont.)</a:t>
-            </a:r>
-          </a:p>
-          <a:p>
-            <a:r>
-              <a:rPr lang="en-US" sz="1200" dirty="0"/>
-              <a:t>10.6.2 – Module Quiz – LAN Security Concepts</a:t>
-            </a:r>
-          </a:p>
-        </p:txBody>
-      </p:sp>
-    </p:spTree>
-    <p:extLst>
-      <p:ext uri="{BB962C8B-B14F-4D97-AF65-F5344CB8AC3E}">
-        <p14:creationId xmlns:p14="http://schemas.microsoft.com/office/powerpoint/2010/main" val="2097969174"/>
-      </p:ext>
-    </p:extLst>
-  </p:cSld>
-  <p:clrMapOvr>
-    <a:masterClrMapping/>
-  </p:clrMapOvr>
-</p:notes>
-</file>
-
-<file path=ppt/notesSlides/notesSlide25.xml><?xml version="1.0" encoding="utf-8"?>
-<p:notes xmlns:a="http://schemas.openxmlformats.org/drawingml/2006/main" xmlns:r="http://schemas.openxmlformats.org/officeDocument/2006/relationships" xmlns:p="http://schemas.openxmlformats.org/presentationml/2006/main">
-  <p:cSld>
-    <p:spTree>
-      <p:nvGrpSpPr>
-        <p:cNvPr id="1" name=""/>
-        <p:cNvGrpSpPr/>
-        <p:nvPr/>
-      </p:nvGrpSpPr>
-      <p:grpSpPr>
-        <a:xfrm>
-          <a:off x="0" y="0"/>
-          <a:ext cx="0" cy="0"/>
-          <a:chOff x="0" y="0"/>
-          <a:chExt cx="0" cy="0"/>
-        </a:xfrm>
-      </p:grpSpPr>
-      <p:sp>
-        <p:nvSpPr>
-          <p:cNvPr id="57345" name="Rectangle 11"/>
-          <p:cNvSpPr>
-            <a:spLocks noGrp="1" noChangeArrowheads="1"/>
-          </p:cNvSpPr>
-          <p:nvPr>
-            <p:ph type="sldNum" sz="quarter" idx="5"/>
-          </p:nvPr>
-        </p:nvSpPr>
-        <p:spPr>
-          <a:noFill/>
-          <a:ln/>
-          <a:extLst>
-            <a:ext uri="{909E8E84-426E-40DD-AFC4-6F175D3DCCD1}">
-              <a14:hiddenFill xmlns:a14="http://schemas.microsoft.com/office/drawing/2010/main">
-                <a:solidFill>
-                  <a:srgbClr val="FFFFFF"/>
-                </a:solidFill>
-              </a14:hiddenFill>
-            </a:ext>
-            <a:ext uri="{91240B29-F687-4F45-9708-019B960494DF}">
-              <a14:hiddenLine xmlns:a14="http://schemas.microsoft.com/office/drawing/2010/main" w="9525">
-                <a:solidFill>
-                  <a:srgbClr val="000000"/>
-                </a:solidFill>
-                <a:miter lim="800000"/>
-                <a:headEnd/>
-                <a:tailEnd/>
-              </a14:hiddenLine>
-            </a:ext>
-          </a:extLst>
-        </p:spPr>
-        <p:txBody>
-          <a:bodyPr/>
-          <a:lstStyle>
-            <a:lvl1pPr defTabSz="903288">
-              <a:defRPr sz="2400">
-                <a:solidFill>
-                  <a:schemeClr val="tx1"/>
-                </a:solidFill>
-                <a:latin typeface="Arial" charset="0"/>
-                <a:ea typeface="ＭＳ Ｐゴシック" charset="0"/>
-                <a:cs typeface="ＭＳ Ｐゴシック" charset="0"/>
-              </a:defRPr>
-            </a:lvl1pPr>
-            <a:lvl2pPr marL="742950" indent="-285750" defTabSz="903288">
-              <a:defRPr sz="2400">
-                <a:solidFill>
-                  <a:schemeClr val="tx1"/>
-                </a:solidFill>
-                <a:latin typeface="Arial" charset="0"/>
-                <a:ea typeface="ＭＳ Ｐゴシック" charset="0"/>
-              </a:defRPr>
-            </a:lvl2pPr>
-            <a:lvl3pPr marL="1143000" indent="-228600" defTabSz="903288">
-              <a:defRPr sz="2400">
-                <a:solidFill>
-                  <a:schemeClr val="tx1"/>
-                </a:solidFill>
-                <a:latin typeface="Arial" charset="0"/>
-                <a:ea typeface="ＭＳ Ｐゴシック" charset="0"/>
-              </a:defRPr>
-            </a:lvl3pPr>
-            <a:lvl4pPr marL="1600200" indent="-228600" defTabSz="903288">
-              <a:defRPr sz="2400">
-                <a:solidFill>
-                  <a:schemeClr val="tx1"/>
-                </a:solidFill>
-                <a:latin typeface="Arial" charset="0"/>
-                <a:ea typeface="ＭＳ Ｐゴシック" charset="0"/>
-              </a:defRPr>
-            </a:lvl4pPr>
-            <a:lvl5pPr marL="2057400" indent="-228600" defTabSz="903288">
-              <a:defRPr sz="2400">
-                <a:solidFill>
-                  <a:schemeClr val="tx1"/>
-                </a:solidFill>
-                <a:latin typeface="Arial" charset="0"/>
-                <a:ea typeface="ＭＳ Ｐゴシック" charset="0"/>
-              </a:defRPr>
-            </a:lvl5pPr>
-            <a:lvl6pPr marL="2514600" indent="-228600" algn="ctr" defTabSz="903288" eaLnBrk="0" fontAlgn="base" hangingPunct="0">
-              <a:lnSpc>
-                <a:spcPct val="90000"/>
-              </a:lnSpc>
-              <a:spcBef>
-                <a:spcPct val="0"/>
-              </a:spcBef>
-              <a:spcAft>
-                <a:spcPct val="0"/>
-              </a:spcAft>
-              <a:defRPr sz="2400">
-                <a:solidFill>
-                  <a:schemeClr val="tx1"/>
-                </a:solidFill>
-                <a:latin typeface="Arial" charset="0"/>
-                <a:ea typeface="ＭＳ Ｐゴシック" charset="0"/>
-              </a:defRPr>
-            </a:lvl6pPr>
-            <a:lvl7pPr marL="2971800" indent="-228600" algn="ctr" defTabSz="903288" eaLnBrk="0" fontAlgn="base" hangingPunct="0">
-              <a:lnSpc>
-                <a:spcPct val="90000"/>
-              </a:lnSpc>
-              <a:spcBef>
-                <a:spcPct val="0"/>
-              </a:spcBef>
-              <a:spcAft>
-                <a:spcPct val="0"/>
-              </a:spcAft>
-              <a:defRPr sz="2400">
-                <a:solidFill>
-                  <a:schemeClr val="tx1"/>
-                </a:solidFill>
-                <a:latin typeface="Arial" charset="0"/>
-                <a:ea typeface="ＭＳ Ｐゴシック" charset="0"/>
-              </a:defRPr>
-            </a:lvl7pPr>
-            <a:lvl8pPr marL="3429000" indent="-228600" algn="ctr" defTabSz="903288" eaLnBrk="0" fontAlgn="base" hangingPunct="0">
-              <a:lnSpc>
-                <a:spcPct val="90000"/>
-              </a:lnSpc>
-              <a:spcBef>
-                <a:spcPct val="0"/>
-              </a:spcBef>
-              <a:spcAft>
-                <a:spcPct val="0"/>
-              </a:spcAft>
-              <a:defRPr sz="2400">
-                <a:solidFill>
-                  <a:schemeClr val="tx1"/>
-                </a:solidFill>
-                <a:latin typeface="Arial" charset="0"/>
-                <a:ea typeface="ＭＳ Ｐゴシック" charset="0"/>
-              </a:defRPr>
-            </a:lvl8pPr>
-            <a:lvl9pPr marL="3886200" indent="-228600" algn="ctr" defTabSz="903288" eaLnBrk="0" fontAlgn="base" hangingPunct="0">
-              <a:lnSpc>
-                <a:spcPct val="90000"/>
-              </a:lnSpc>
-              <a:spcBef>
-                <a:spcPct val="0"/>
-              </a:spcBef>
-              <a:spcAft>
-                <a:spcPct val="0"/>
-              </a:spcAft>
-              <a:defRPr sz="2400">
-                <a:solidFill>
-                  <a:schemeClr val="tx1"/>
-                </a:solidFill>
-                <a:latin typeface="Arial" charset="0"/>
-                <a:ea typeface="ＭＳ Ｐゴシック" charset="0"/>
-              </a:defRPr>
-            </a:lvl9pPr>
-          </a:lstStyle>
-          <a:p>
-            <a:fld id="{6C92755B-29FD-8743-9094-C0E3A734D22E}" type="slidenum">
-              <a:rPr lang="en-US" sz="800">
-                <a:solidFill>
-                  <a:prstClr val="black"/>
-                </a:solidFill>
-              </a:rPr>
-              <a:pPr/>
-              <a:t>25</a:t>
-            </a:fld>
-            <a:endParaRPr lang="en-US" sz="800" dirty="0">
-              <a:solidFill>
-                <a:prstClr val="black"/>
-              </a:solidFill>
-            </a:endParaRPr>
-          </a:p>
-        </p:txBody>
-      </p:sp>
-      <p:sp>
-        <p:nvSpPr>
-          <p:cNvPr id="57346" name="Rectangle 2"/>
-          <p:cNvSpPr>
-            <a:spLocks noGrp="1" noRot="1" noChangeAspect="1" noChangeArrowheads="1" noTextEdit="1"/>
-          </p:cNvSpPr>
-          <p:nvPr>
-            <p:ph type="sldImg"/>
-          </p:nvPr>
-        </p:nvSpPr>
-        <p:spPr>
-          <a:ln/>
-        </p:spPr>
-      </p:sp>
-      <p:sp>
-        <p:nvSpPr>
-          <p:cNvPr id="57347" name="Rectangle 3"/>
-          <p:cNvSpPr>
-            <a:spLocks noGrp="1" noChangeArrowheads="1"/>
-          </p:cNvSpPr>
-          <p:nvPr>
-            <p:ph type="body" idx="1"/>
-          </p:nvPr>
-        </p:nvSpPr>
-        <p:spPr>
-          <a:noFill/>
-          <a:ln/>
-          <a:extLst>
-            <a:ext uri="{909E8E84-426E-40DD-AFC4-6F175D3DCCD1}">
-              <a14:hiddenFill xmlns:a14="http://schemas.microsoft.com/office/drawing/2010/main">
-                <a:solidFill>
-                  <a:srgbClr val="FFFFFF"/>
-                </a:solidFill>
-              </a14:hiddenFill>
-            </a:ext>
-            <a:ext uri="{91240B29-F687-4F45-9708-019B960494DF}">
-              <a14:hiddenLine xmlns:a14="http://schemas.microsoft.com/office/drawing/2010/main" w="9525">
-                <a:solidFill>
-                  <a:srgbClr val="000000"/>
-                </a:solidFill>
-                <a:miter lim="800000"/>
-                <a:headEnd/>
-                <a:tailEnd/>
-              </a14:hiddenLine>
-            </a:ext>
-          </a:extLst>
-        </p:spPr>
-        <p:txBody>
-          <a:bodyPr/>
-          <a:lstStyle/>
-          <a:p>
-            <a:pPr marL="0" marR="0" lvl="0" indent="0" algn="l" defTabSz="457200" rtl="0" eaLnBrk="1" fontAlgn="auto" latinLnBrk="0" hangingPunct="1">
-              <a:lnSpc>
-                <a:spcPct val="80000"/>
-              </a:lnSpc>
-              <a:spcBef>
-                <a:spcPts val="0"/>
-              </a:spcBef>
-              <a:spcAft>
-                <a:spcPts val="0"/>
-              </a:spcAft>
-              <a:buClrTx/>
-              <a:buSzTx/>
-              <a:buFontTx/>
-              <a:buNone/>
-              <a:tabLst/>
-              <a:defRPr/>
-            </a:pPr>
-            <a:endParaRPr lang="en-US" dirty="0"/>
-          </a:p>
-        </p:txBody>
-      </p:sp>
-    </p:spTree>
-    <p:extLst>
-      <p:ext uri="{BB962C8B-B14F-4D97-AF65-F5344CB8AC3E}">
-        <p14:creationId xmlns:p14="http://schemas.microsoft.com/office/powerpoint/2010/main" val="2246742912"/>
-      </p:ext>
-    </p:extLst>
-  </p:cSld>
-  <p:clrMapOvr>
-    <a:masterClrMapping/>
-  </p:clrMapOvr>
-</p:notes>
-</file>
-
-<file path=ppt/notesSlides/notesSlide26.xml><?xml version="1.0" encoding="utf-8"?>
-<p:notes xmlns:a="http://schemas.openxmlformats.org/drawingml/2006/main" xmlns:r="http://schemas.openxmlformats.org/officeDocument/2006/relationships" xmlns:p="http://schemas.openxmlformats.org/presentationml/2006/main">
-  <p:cSld>
-    <p:spTree>
-      <p:nvGrpSpPr>
-        <p:cNvPr id="1" name=""/>
-        <p:cNvGrpSpPr/>
-        <p:nvPr/>
-      </p:nvGrpSpPr>
-      <p:grpSpPr>
-        <a:xfrm>
-          <a:off x="0" y="0"/>
-          <a:ext cx="0" cy="0"/>
-          <a:chOff x="0" y="0"/>
-          <a:chExt cx="0" cy="0"/>
-        </a:xfrm>
-      </p:grpSpPr>
-      <p:sp>
-        <p:nvSpPr>
-          <p:cNvPr id="2" name="Slide Image Placeholder 1"/>
-          <p:cNvSpPr>
-            <a:spLocks noGrp="1" noRot="1" noChangeAspect="1"/>
-          </p:cNvSpPr>
-          <p:nvPr>
-            <p:ph type="sldImg"/>
-          </p:nvPr>
-        </p:nvSpPr>
-        <p:spPr/>
-      </p:sp>
-      <p:sp>
-        <p:nvSpPr>
-          <p:cNvPr id="3" name="Notes Placeholder 2"/>
-          <p:cNvSpPr>
-            <a:spLocks noGrp="1"/>
-          </p:cNvSpPr>
-          <p:nvPr>
-            <p:ph type="body" idx="1"/>
-          </p:nvPr>
-        </p:nvSpPr>
-        <p:spPr/>
-        <p:txBody>
-          <a:bodyPr/>
-          <a:lstStyle/>
-          <a:p>
             <a:endParaRPr lang="en-US" dirty="0"/>
           </a:p>
         </p:txBody>
@@ -3232,7 +2829,7 @@
           <a:p>
             <a:fld id="{5641018C-6CAF-B84E-B92C-ECB119457FBA}" type="slidenum">
               <a:rPr lang="en-US" smtClean="0"/>
-              <a:t>26</a:t>
+              <a:t>22</a:t>
             </a:fld>
             <a:endParaRPr lang="en-US" dirty="0"/>
           </a:p>
@@ -3507,7 +3104,7 @@
           <a:p>
             <a:r>
               <a:rPr lang="en-US" dirty="0"/>
-              <a:t>10.4 – MAC Address Table Attack</a:t>
+              <a:t>10.5 – LAN Attacks</a:t>
             </a:r>
           </a:p>
           <a:p>
@@ -3541,7 +3138,7 @@
     </p:spTree>
     <p:extLst>
       <p:ext uri="{BB962C8B-B14F-4D97-AF65-F5344CB8AC3E}">
-        <p14:creationId xmlns:p14="http://schemas.microsoft.com/office/powerpoint/2010/main" val="2668384798"/>
+        <p14:creationId xmlns:p14="http://schemas.microsoft.com/office/powerpoint/2010/main" val="962230534"/>
       </p:ext>
     </p:extLst>
   </p:cSld>
@@ -3603,13 +3200,13 @@
           <a:p>
             <a:r>
               <a:rPr lang="en-US" dirty="0"/>
-              <a:t>10.4 – MAC Address Table Attack</a:t>
+              <a:t>10.5 – LAN Attacks</a:t>
             </a:r>
           </a:p>
           <a:p>
             <a:r>
               <a:rPr lang="en-US" dirty="0"/>
-              <a:t>10.4.1 – Switch Operation Review</a:t>
+              <a:t>10.5.1 – Video – VLAN and DHCP Attacks</a:t>
             </a:r>
           </a:p>
           <a:p>
@@ -3643,7 +3240,7 @@
     </p:spTree>
     <p:extLst>
       <p:ext uri="{BB962C8B-B14F-4D97-AF65-F5344CB8AC3E}">
-        <p14:creationId xmlns:p14="http://schemas.microsoft.com/office/powerpoint/2010/main" val="2101571328"/>
+        <p14:creationId xmlns:p14="http://schemas.microsoft.com/office/powerpoint/2010/main" val="462423099"/>
       </p:ext>
     </p:extLst>
   </p:cSld>
@@ -3705,17 +3302,14 @@
           <a:p>
             <a:r>
               <a:rPr lang="en-US" dirty="0"/>
-              <a:t>10.4 – MAC Address Table Attack</a:t>
+              <a:t>10.5 – LAN Attacks</a:t>
             </a:r>
           </a:p>
           <a:p>
             <a:r>
               <a:rPr lang="en-US" dirty="0"/>
-              <a:t>10.4.2 – MAC Address Table Flooding</a:t>
+              <a:t>10.5.2 – VLAN Hopping Attacks</a:t>
             </a:r>
-          </a:p>
-          <a:p>
-            <a:endParaRPr lang="en-US" dirty="0"/>
           </a:p>
         </p:txBody>
       </p:sp>
@@ -3745,7 +3339,7 @@
     </p:spTree>
     <p:extLst>
       <p:ext uri="{BB962C8B-B14F-4D97-AF65-F5344CB8AC3E}">
-        <p14:creationId xmlns:p14="http://schemas.microsoft.com/office/powerpoint/2010/main" val="3168899878"/>
+        <p14:creationId xmlns:p14="http://schemas.microsoft.com/office/powerpoint/2010/main" val="2877408620"/>
       </p:ext>
     </p:extLst>
   </p:cSld>
@@ -3807,23 +3401,14 @@
           <a:p>
             <a:r>
               <a:rPr lang="en-US" dirty="0"/>
-              <a:t>10.4 – MAC Address Table Attack</a:t>
+              <a:t>10.5 – LAN Attacks</a:t>
             </a:r>
           </a:p>
           <a:p>
             <a:r>
               <a:rPr lang="en-US" dirty="0"/>
-              <a:t>10.4.3 – MAC Address Table Attack Mitigation</a:t>
+              <a:t>10.5.3 – VLAN Double-Tagging Attacks</a:t>
             </a:r>
-          </a:p>
-          <a:p>
-            <a:r>
-              <a:rPr lang="en-US" dirty="0"/>
-              <a:t>10.4.4 – Check Your Understanding – MAC Address Table Attacks</a:t>
-            </a:r>
-          </a:p>
-          <a:p>
-            <a:endParaRPr lang="en-US" dirty="0"/>
           </a:p>
         </p:txBody>
       </p:sp>
@@ -3853,7 +3438,7 @@
     </p:spTree>
     <p:extLst>
       <p:ext uri="{BB962C8B-B14F-4D97-AF65-F5344CB8AC3E}">
-        <p14:creationId xmlns:p14="http://schemas.microsoft.com/office/powerpoint/2010/main" val="3578913392"/>
+        <p14:creationId xmlns:p14="http://schemas.microsoft.com/office/powerpoint/2010/main" val="474460285"/>
       </p:ext>
     </p:extLst>
   </p:cSld>
@@ -3919,7 +3504,10 @@
             </a:r>
           </a:p>
           <a:p>
-            <a:endParaRPr lang="en-US" dirty="0"/>
+            <a:r>
+              <a:rPr lang="en-US" dirty="0"/>
+              <a:t>10.5.3 – VLAN Double-Tagging Attacks (Cont.)</a:t>
+            </a:r>
           </a:p>
         </p:txBody>
       </p:sp>
@@ -3930,7 +3518,7 @@
             <a:spLocks noGrp="1"/>
           </p:cNvSpPr>
           <p:nvPr>
-            <p:ph type="sldNum" sz="quarter" idx="10"/>
+            <p:ph type="sldNum" sz="quarter" idx="5"/>
           </p:nvPr>
         </p:nvSpPr>
         <p:spPr/>
@@ -3949,7 +3537,7 @@
     </p:spTree>
     <p:extLst>
       <p:ext uri="{BB962C8B-B14F-4D97-AF65-F5344CB8AC3E}">
-        <p14:creationId xmlns:p14="http://schemas.microsoft.com/office/powerpoint/2010/main" val="962230534"/>
+        <p14:creationId xmlns:p14="http://schemas.microsoft.com/office/powerpoint/2010/main" val="1634378209"/>
       </p:ext>
     </p:extLst>
   </p:cSld>
@@ -26353,7 +25941,9 @@
     <p:bg>
       <p:bgPr>
         <a:solidFill>
-          <a:srgbClr val="7030A0"/>
+          <a:schemeClr val="bg1">
+            <a:alpha val="85000"/>
+          </a:schemeClr>
         </a:solidFill>
         <a:effectLst/>
       </p:bgPr>
@@ -26431,781 +26021,9 @@
     <p:bg>
       <p:bgPr>
         <a:solidFill>
-          <a:srgbClr val="7030A0"/>
-        </a:solidFill>
-        <a:effectLst/>
-      </p:bgPr>
-    </p:bg>
-    <p:spTree>
-      <p:nvGrpSpPr>
-        <p:cNvPr id="1" name=""/>
-        <p:cNvGrpSpPr/>
-        <p:nvPr/>
-      </p:nvGrpSpPr>
-      <p:grpSpPr>
-        <a:xfrm>
-          <a:off x="0" y="0"/>
-          <a:ext cx="0" cy="0"/>
-          <a:chOff x="0" y="0"/>
-          <a:chExt cx="0" cy="0"/>
-        </a:xfrm>
-      </p:grpSpPr>
-      <p:sp>
-        <p:nvSpPr>
-          <p:cNvPr id="3" name="Title 2">
-            <a:extLst>
-              <a:ext uri="{FF2B5EF4-FFF2-40B4-BE49-F238E27FC236}">
-                <a16:creationId xmlns:a16="http://schemas.microsoft.com/office/drawing/2014/main" id="{C02AA8F8-1E43-384B-8982-C0BB94049B5C}"/>
-              </a:ext>
-            </a:extLst>
-          </p:cNvPr>
-          <p:cNvSpPr>
-            <a:spLocks noGrp="1"/>
-          </p:cNvSpPr>
-          <p:nvPr>
-            <p:ph type="title"/>
-          </p:nvPr>
-        </p:nvSpPr>
-        <p:spPr>
-          <a:xfrm>
-            <a:off x="0" y="31899"/>
-            <a:ext cx="8345488" cy="731837"/>
-          </a:xfrm>
-        </p:spPr>
-        <p:txBody>
-          <a:bodyPr/>
-          <a:lstStyle/>
-          <a:p>
-            <a:r>
-              <a:rPr lang="en-US" sz="1600" dirty="0"/>
-              <a:t>LAN Attacks</a:t>
-            </a:r>
-            <a:br>
-              <a:rPr lang="en-US" dirty="0"/>
-            </a:br>
-            <a:r>
-              <a:rPr lang="en-US" sz="2400" dirty="0"/>
-              <a:t>Video – VLAN and DHCP Attacks</a:t>
-            </a:r>
-          </a:p>
-        </p:txBody>
-      </p:sp>
-      <p:sp>
-        <p:nvSpPr>
-          <p:cNvPr id="5" name="Content Placeholder 4">
-            <a:extLst>
-              <a:ext uri="{FF2B5EF4-FFF2-40B4-BE49-F238E27FC236}">
-                <a16:creationId xmlns:a16="http://schemas.microsoft.com/office/drawing/2014/main" id="{2A0034F6-AAB1-384F-9110-1C872704588C}"/>
-              </a:ext>
-            </a:extLst>
-          </p:cNvPr>
-          <p:cNvSpPr>
-            <a:spLocks noGrp="1"/>
-          </p:cNvSpPr>
-          <p:nvPr>
-            <p:ph idx="1"/>
-          </p:nvPr>
-        </p:nvSpPr>
-        <p:spPr>
-          <a:xfrm>
-            <a:off x="474662" y="763736"/>
-            <a:ext cx="8280057" cy="3657998"/>
-          </a:xfrm>
-        </p:spPr>
-        <p:txBody>
-          <a:bodyPr/>
-          <a:lstStyle/>
-          <a:p>
-            <a:pPr algn="l"/>
-            <a:r>
-              <a:rPr lang="en-US" sz="1800" dirty="0">
-                <a:solidFill>
-                  <a:srgbClr val="000000"/>
-                </a:solidFill>
-              </a:rPr>
-              <a:t>This video will cover the following:</a:t>
-            </a:r>
-          </a:p>
-          <a:p>
-            <a:pPr marL="285750" indent="-285750" algn="l">
-              <a:buFont typeface="Arial" panose="020B0604020202020204" pitchFamily="34" charset="0"/>
-              <a:buChar char="•"/>
-            </a:pPr>
-            <a:r>
-              <a:rPr lang="en-US" sz="1800" dirty="0">
-                <a:solidFill>
-                  <a:srgbClr val="000000"/>
-                </a:solidFill>
-              </a:rPr>
-              <a:t>VLAN Hopping Attack</a:t>
-            </a:r>
-          </a:p>
-          <a:p>
-            <a:pPr marL="285750" indent="-285750" algn="l">
-              <a:buFont typeface="Arial" panose="020B0604020202020204" pitchFamily="34" charset="0"/>
-              <a:buChar char="•"/>
-            </a:pPr>
-            <a:r>
-              <a:rPr lang="en-US" sz="1800" dirty="0">
-                <a:solidFill>
-                  <a:srgbClr val="000000"/>
-                </a:solidFill>
-              </a:rPr>
-              <a:t>VLAN Double-Tagging Attack</a:t>
-            </a:r>
-          </a:p>
-          <a:p>
-            <a:pPr marL="285750" indent="-285750" algn="l">
-              <a:buFont typeface="Arial" panose="020B0604020202020204" pitchFamily="34" charset="0"/>
-              <a:buChar char="•"/>
-            </a:pPr>
-            <a:r>
-              <a:rPr lang="en-US" sz="1800" dirty="0">
-                <a:solidFill>
-                  <a:srgbClr val="000000"/>
-                </a:solidFill>
-              </a:rPr>
-              <a:t>DHCP Starvation Attack</a:t>
-            </a:r>
-          </a:p>
-          <a:p>
-            <a:pPr marL="285750" indent="-285750" algn="l">
-              <a:buFont typeface="Arial" panose="020B0604020202020204" pitchFamily="34" charset="0"/>
-              <a:buChar char="•"/>
-            </a:pPr>
-            <a:r>
-              <a:rPr lang="en-US" sz="1800" dirty="0">
-                <a:solidFill>
-                  <a:srgbClr val="000000"/>
-                </a:solidFill>
-              </a:rPr>
-              <a:t>DHCP Spoofing Attack</a:t>
-            </a:r>
-          </a:p>
-        </p:txBody>
-      </p:sp>
-    </p:spTree>
-    <p:extLst>
-      <p:ext uri="{BB962C8B-B14F-4D97-AF65-F5344CB8AC3E}">
-        <p14:creationId xmlns:p14="http://schemas.microsoft.com/office/powerpoint/2010/main" val="3658379024"/>
-      </p:ext>
-    </p:extLst>
-  </p:cSld>
-  <p:clrMapOvr>
-    <a:masterClrMapping/>
-  </p:clrMapOvr>
-  <mc:AlternateContent xmlns:mc="http://schemas.openxmlformats.org/markup-compatibility/2006" xmlns:p14="http://schemas.microsoft.com/office/powerpoint/2010/main">
-    <mc:Choice Requires="p14">
-      <p:transition spd="med" p14:dur="700">
-        <p:fade/>
-      </p:transition>
-    </mc:Choice>
-    <mc:Fallback xmlns="">
-      <p:transition xmlns:p14="http://schemas.microsoft.com/office/powerpoint/2010/main" spd="med">
-        <p:fade/>
-      </p:transition>
-    </mc:Fallback>
-  </mc:AlternateContent>
-</p:sld>
-</file>
-
-<file path=ppt/slides/slide11.xml><?xml version="1.0" encoding="utf-8"?>
-<p:sld xmlns:a="http://schemas.openxmlformats.org/drawingml/2006/main" xmlns:r="http://schemas.openxmlformats.org/officeDocument/2006/relationships" xmlns:p="http://schemas.openxmlformats.org/presentationml/2006/main" showMasterSp="0">
-  <p:cSld>
-    <p:bg>
-      <p:bgPr>
-        <a:solidFill>
-          <a:srgbClr val="7030A0"/>
-        </a:solidFill>
-        <a:effectLst/>
-      </p:bgPr>
-    </p:bg>
-    <p:spTree>
-      <p:nvGrpSpPr>
-        <p:cNvPr id="1" name=""/>
-        <p:cNvGrpSpPr/>
-        <p:nvPr/>
-      </p:nvGrpSpPr>
-      <p:grpSpPr>
-        <a:xfrm>
-          <a:off x="0" y="0"/>
-          <a:ext cx="0" cy="0"/>
-          <a:chOff x="0" y="0"/>
-          <a:chExt cx="0" cy="0"/>
-        </a:xfrm>
-      </p:grpSpPr>
-      <p:sp>
-        <p:nvSpPr>
-          <p:cNvPr id="3" name="Title 2">
-            <a:extLst>
-              <a:ext uri="{FF2B5EF4-FFF2-40B4-BE49-F238E27FC236}">
-                <a16:creationId xmlns:a16="http://schemas.microsoft.com/office/drawing/2014/main" id="{C02AA8F8-1E43-384B-8982-C0BB94049B5C}"/>
-              </a:ext>
-            </a:extLst>
-          </p:cNvPr>
-          <p:cNvSpPr>
-            <a:spLocks noGrp="1"/>
-          </p:cNvSpPr>
-          <p:nvPr>
-            <p:ph type="title"/>
-          </p:nvPr>
-        </p:nvSpPr>
-        <p:spPr>
-          <a:xfrm>
-            <a:off x="0" y="31899"/>
-            <a:ext cx="8345488" cy="731837"/>
-          </a:xfrm>
-        </p:spPr>
-        <p:txBody>
-          <a:bodyPr/>
-          <a:lstStyle/>
-          <a:p>
-            <a:r>
-              <a:rPr lang="en-US" sz="1600" dirty="0"/>
-              <a:t>LAN Attacks</a:t>
-            </a:r>
-            <a:br>
-              <a:rPr lang="en-US" dirty="0"/>
-            </a:br>
-            <a:r>
-              <a:rPr lang="en-US" sz="2400" dirty="0"/>
-              <a:t>VLAN Hopping Attacks</a:t>
-            </a:r>
-          </a:p>
-        </p:txBody>
-      </p:sp>
-      <p:sp>
-        <p:nvSpPr>
-          <p:cNvPr id="4" name="Content Placeholder 3">
-            <a:extLst>
-              <a:ext uri="{FF2B5EF4-FFF2-40B4-BE49-F238E27FC236}">
-                <a16:creationId xmlns:a16="http://schemas.microsoft.com/office/drawing/2014/main" id="{3B0A4675-4A69-B140-965F-8EBF6E6ACFA6}"/>
-              </a:ext>
-            </a:extLst>
-          </p:cNvPr>
-          <p:cNvSpPr>
-            <a:spLocks noGrp="1"/>
-          </p:cNvSpPr>
-          <p:nvPr>
-            <p:ph idx="1"/>
-          </p:nvPr>
-        </p:nvSpPr>
-        <p:spPr>
-          <a:xfrm>
-            <a:off x="200026" y="763736"/>
-            <a:ext cx="4557326" cy="3657998"/>
-          </a:xfrm>
-        </p:spPr>
-        <p:txBody>
-          <a:bodyPr/>
-          <a:lstStyle/>
-          <a:p>
-            <a:pPr marL="0" indent="0" algn="l"/>
-            <a:r>
-              <a:rPr lang="en-US" sz="1500" dirty="0">
-                <a:solidFill>
-                  <a:srgbClr val="000000"/>
-                </a:solidFill>
-              </a:rPr>
-              <a:t>A VLAN hopping attack enables traffic from one VLAN to be seen by another VLAN without the aid of a router. In a basic VLAN hopping attack, the threat actor configures a host to act like a switch to take advantage of the automatic trunking port feature enabled by default on most switch ports.</a:t>
-            </a:r>
-          </a:p>
-          <a:p>
-            <a:pPr marL="0" indent="0" algn="l"/>
-            <a:endParaRPr lang="en-US" sz="1500" dirty="0">
-              <a:solidFill>
-                <a:srgbClr val="000000"/>
-              </a:solidFill>
-            </a:endParaRPr>
-          </a:p>
-          <a:p>
-            <a:pPr marL="0" indent="0" algn="l"/>
-            <a:r>
-              <a:rPr lang="en-US" sz="1500" dirty="0">
-                <a:solidFill>
-                  <a:srgbClr val="000000"/>
-                </a:solidFill>
-              </a:rPr>
-              <a:t>The threat actor configures the host to spoof 802.1Q signaling and Cisco-proprietary Dynamic Trunking Protocol (DTP) signaling to trunk with the connecting switch. If successful, the switch establishes a trunk link with the host, as shown in the figure. Now the threat actor can access all the VLANs on the switch. The threat actor can send and receive traffic on any VLAN, effectively hopping between VLANs.</a:t>
-            </a:r>
-          </a:p>
-          <a:p>
-            <a:pPr marL="342900" indent="-342900" algn="l">
-              <a:buFont typeface="Arial" panose="020B0604020202020204" pitchFamily="34" charset="0"/>
-              <a:buChar char="•"/>
-            </a:pPr>
-            <a:endParaRPr lang="en-US" sz="1400" dirty="0">
-              <a:solidFill>
-                <a:srgbClr val="000000"/>
-              </a:solidFill>
-            </a:endParaRPr>
-          </a:p>
-        </p:txBody>
-      </p:sp>
-      <p:pic>
-        <p:nvPicPr>
-          <p:cNvPr id="7" name="Picture 6">
-            <a:extLst>
-              <a:ext uri="{FF2B5EF4-FFF2-40B4-BE49-F238E27FC236}">
-                <a16:creationId xmlns:a16="http://schemas.microsoft.com/office/drawing/2014/main" id="{15B65ED4-6166-0049-9C4F-C32B940BCD6D}"/>
-              </a:ext>
-            </a:extLst>
-          </p:cNvPr>
-          <p:cNvPicPr>
-            <a:picLocks noChangeAspect="1"/>
-          </p:cNvPicPr>
-          <p:nvPr/>
-        </p:nvPicPr>
-        <p:blipFill>
-          <a:blip r:embed="rId3"/>
-          <a:stretch>
-            <a:fillRect/>
-          </a:stretch>
-        </p:blipFill>
-        <p:spPr>
-          <a:xfrm>
-            <a:off x="4876968" y="1305783"/>
-            <a:ext cx="3996618" cy="2178822"/>
-          </a:xfrm>
-          <a:prstGeom prst="rect">
-            <a:avLst/>
-          </a:prstGeom>
-        </p:spPr>
-      </p:pic>
-    </p:spTree>
-    <p:extLst>
-      <p:ext uri="{BB962C8B-B14F-4D97-AF65-F5344CB8AC3E}">
-        <p14:creationId xmlns:p14="http://schemas.microsoft.com/office/powerpoint/2010/main" val="3049657898"/>
-      </p:ext>
-    </p:extLst>
-  </p:cSld>
-  <p:clrMapOvr>
-    <a:masterClrMapping/>
-  </p:clrMapOvr>
-  <mc:AlternateContent xmlns:mc="http://schemas.openxmlformats.org/markup-compatibility/2006" xmlns:p14="http://schemas.microsoft.com/office/powerpoint/2010/main">
-    <mc:Choice Requires="p14">
-      <p:transition spd="med" p14:dur="700">
-        <p:fade/>
-      </p:transition>
-    </mc:Choice>
-    <mc:Fallback xmlns="">
-      <p:transition xmlns:p14="http://schemas.microsoft.com/office/powerpoint/2010/main" spd="med">
-        <p:fade/>
-      </p:transition>
-    </mc:Fallback>
-  </mc:AlternateContent>
-</p:sld>
-</file>
-
-<file path=ppt/slides/slide12.xml><?xml version="1.0" encoding="utf-8"?>
-<p:sld xmlns:a="http://schemas.openxmlformats.org/drawingml/2006/main" xmlns:r="http://schemas.openxmlformats.org/officeDocument/2006/relationships" xmlns:p="http://schemas.openxmlformats.org/presentationml/2006/main" showMasterSp="0">
-  <p:cSld>
-    <p:bg>
-      <p:bgPr>
-        <a:solidFill>
-          <a:srgbClr val="7030A0"/>
-        </a:solidFill>
-        <a:effectLst/>
-      </p:bgPr>
-    </p:bg>
-    <p:spTree>
-      <p:nvGrpSpPr>
-        <p:cNvPr id="1" name=""/>
-        <p:cNvGrpSpPr/>
-        <p:nvPr/>
-      </p:nvGrpSpPr>
-      <p:grpSpPr>
-        <a:xfrm>
-          <a:off x="0" y="0"/>
-          <a:ext cx="0" cy="0"/>
-          <a:chOff x="0" y="0"/>
-          <a:chExt cx="0" cy="0"/>
-        </a:xfrm>
-      </p:grpSpPr>
-      <p:sp>
-        <p:nvSpPr>
-          <p:cNvPr id="3" name="Title 2">
-            <a:extLst>
-              <a:ext uri="{FF2B5EF4-FFF2-40B4-BE49-F238E27FC236}">
-                <a16:creationId xmlns:a16="http://schemas.microsoft.com/office/drawing/2014/main" id="{C02AA8F8-1E43-384B-8982-C0BB94049B5C}"/>
-              </a:ext>
-            </a:extLst>
-          </p:cNvPr>
-          <p:cNvSpPr>
-            <a:spLocks noGrp="1"/>
-          </p:cNvSpPr>
-          <p:nvPr>
-            <p:ph type="title"/>
-          </p:nvPr>
-        </p:nvSpPr>
-        <p:spPr>
-          <a:xfrm>
-            <a:off x="0" y="31899"/>
-            <a:ext cx="8345488" cy="731837"/>
-          </a:xfrm>
-        </p:spPr>
-        <p:txBody>
-          <a:bodyPr/>
-          <a:lstStyle/>
-          <a:p>
-            <a:r>
-              <a:rPr lang="en-US" sz="1600" dirty="0"/>
-              <a:t>LAN Attacks</a:t>
-            </a:r>
-            <a:br>
-              <a:rPr lang="en-US" dirty="0"/>
-            </a:br>
-            <a:r>
-              <a:rPr lang="en-US" sz="2400" dirty="0"/>
-              <a:t>VLAN Double-Tagging Attacks</a:t>
-            </a:r>
-          </a:p>
-        </p:txBody>
-      </p:sp>
-      <p:sp>
-        <p:nvSpPr>
-          <p:cNvPr id="5" name="Content Placeholder 4">
-            <a:extLst>
-              <a:ext uri="{FF2B5EF4-FFF2-40B4-BE49-F238E27FC236}">
-                <a16:creationId xmlns:a16="http://schemas.microsoft.com/office/drawing/2014/main" id="{673C65D5-FC37-3B43-A2FC-291F60391501}"/>
-              </a:ext>
-            </a:extLst>
-          </p:cNvPr>
-          <p:cNvSpPr>
-            <a:spLocks noGrp="1"/>
-          </p:cNvSpPr>
-          <p:nvPr>
-            <p:ph idx="1"/>
-          </p:nvPr>
-        </p:nvSpPr>
-        <p:spPr>
-          <a:xfrm>
-            <a:off x="219076" y="763736"/>
-            <a:ext cx="8535644" cy="3657998"/>
-          </a:xfrm>
-        </p:spPr>
-        <p:txBody>
-          <a:bodyPr/>
-          <a:lstStyle/>
-          <a:p>
-            <a:pPr marL="0" indent="0" algn="l"/>
-            <a:r>
-              <a:rPr lang="en-US" sz="1500" dirty="0">
-                <a:solidFill>
-                  <a:srgbClr val="000000"/>
-                </a:solidFill>
-              </a:rPr>
-              <a:t>A threat actor is specific situations could embed a hidden 802.1Q tag inside the frame that already has an 802.1Q tag. This tag allows the frame to go to a VLAN that the original 802.1Q tag did not specify.</a:t>
-            </a:r>
-          </a:p>
-          <a:p>
-            <a:pPr marL="285750" indent="-285750" algn="l">
-              <a:buFont typeface="Arial" panose="020B0604020202020204" pitchFamily="34" charset="0"/>
-              <a:buChar char="•"/>
-            </a:pPr>
-            <a:r>
-              <a:rPr lang="en-US" sz="1500" b="1" dirty="0">
-                <a:solidFill>
-                  <a:srgbClr val="000000"/>
-                </a:solidFill>
-              </a:rPr>
-              <a:t>Step 1: </a:t>
-            </a:r>
-            <a:r>
-              <a:rPr lang="en-US" sz="1500" dirty="0">
-                <a:solidFill>
-                  <a:srgbClr val="000000"/>
-                </a:solidFill>
-              </a:rPr>
-              <a:t>The threat actor sends a double-tagged 802.1Q frame to the switch. The outer header has the VLAN tag of the threat actor, which is the same as the native VLAN of the trunk port.</a:t>
-            </a:r>
-          </a:p>
-          <a:p>
-            <a:pPr marL="285750" indent="-285750" algn="l">
-              <a:buFont typeface="Arial" panose="020B0604020202020204" pitchFamily="34" charset="0"/>
-              <a:buChar char="•"/>
-            </a:pPr>
-            <a:r>
-              <a:rPr lang="en-US" sz="1500" b="1" dirty="0">
-                <a:solidFill>
-                  <a:srgbClr val="000000"/>
-                </a:solidFill>
-              </a:rPr>
-              <a:t>Step 2</a:t>
-            </a:r>
-            <a:r>
-              <a:rPr lang="en-US" sz="1500" dirty="0">
-                <a:solidFill>
-                  <a:srgbClr val="000000"/>
-                </a:solidFill>
-              </a:rPr>
-              <a:t>: The frame arrives on the first switch, which looks at the first 4-byte 802.1Q tag. The switch sees that the frame is destined for the native VLAN. The switch forwards the packet out all native VLAN ports after stripping the VLAN tag. The frame is not retagged because it is part of the native VLAN. At this point, the inner VLAN tag is still intact and has not been inspected by the first switch.</a:t>
-            </a:r>
-          </a:p>
-          <a:p>
-            <a:pPr marL="285750" indent="-285750" algn="l">
-              <a:buFont typeface="Arial" panose="020B0604020202020204" pitchFamily="34" charset="0"/>
-              <a:buChar char="•"/>
-            </a:pPr>
-            <a:r>
-              <a:rPr lang="en-US" sz="1500" b="1" dirty="0">
-                <a:solidFill>
-                  <a:srgbClr val="000000"/>
-                </a:solidFill>
-              </a:rPr>
-              <a:t>Step 3</a:t>
-            </a:r>
-            <a:r>
-              <a:rPr lang="en-US" sz="1500" dirty="0">
-                <a:solidFill>
-                  <a:srgbClr val="000000"/>
-                </a:solidFill>
-              </a:rPr>
-              <a:t>: The frame arrives at the second switch which has no knowledge that it was supposed to be for the native VLAN. Native VLAN traffic is not tagged by the sending switch as specified in the 802.1Q specification. The second switch looks only at the inner 802.1Q tag that the threat actor inserted and sees that the frame is destined the target VLAN. The second switch sends the frame on to the target or floods it, depending on whether there is an existing MAC address table entry for the target.</a:t>
-            </a:r>
-          </a:p>
-        </p:txBody>
-      </p:sp>
-    </p:spTree>
-    <p:extLst>
-      <p:ext uri="{BB962C8B-B14F-4D97-AF65-F5344CB8AC3E}">
-        <p14:creationId xmlns:p14="http://schemas.microsoft.com/office/powerpoint/2010/main" val="2448834523"/>
-      </p:ext>
-    </p:extLst>
-  </p:cSld>
-  <p:clrMapOvr>
-    <a:masterClrMapping/>
-  </p:clrMapOvr>
-  <mc:AlternateContent xmlns:mc="http://schemas.openxmlformats.org/markup-compatibility/2006" xmlns:p14="http://schemas.microsoft.com/office/powerpoint/2010/main">
-    <mc:Choice Requires="p14">
-      <p:transition spd="med" p14:dur="700">
-        <p:fade/>
-      </p:transition>
-    </mc:Choice>
-    <mc:Fallback xmlns="">
-      <p:transition xmlns:p14="http://schemas.microsoft.com/office/powerpoint/2010/main" spd="med">
-        <p:fade/>
-      </p:transition>
-    </mc:Fallback>
-  </mc:AlternateContent>
-</p:sld>
-</file>
-
-<file path=ppt/slides/slide13.xml><?xml version="1.0" encoding="utf-8"?>
-<p:sld xmlns:a="http://schemas.openxmlformats.org/drawingml/2006/main" xmlns:r="http://schemas.openxmlformats.org/officeDocument/2006/relationships" xmlns:p="http://schemas.openxmlformats.org/presentationml/2006/main" showMasterSp="0">
-  <p:cSld>
-    <p:bg>
-      <p:bgPr>
-        <a:solidFill>
-          <a:srgbClr val="7030A0"/>
-        </a:solidFill>
-        <a:effectLst/>
-      </p:bgPr>
-    </p:bg>
-    <p:spTree>
-      <p:nvGrpSpPr>
-        <p:cNvPr id="1" name=""/>
-        <p:cNvGrpSpPr/>
-        <p:nvPr/>
-      </p:nvGrpSpPr>
-      <p:grpSpPr>
-        <a:xfrm>
-          <a:off x="0" y="0"/>
-          <a:ext cx="0" cy="0"/>
-          <a:chOff x="0" y="0"/>
-          <a:chExt cx="0" cy="0"/>
-        </a:xfrm>
-      </p:grpSpPr>
-      <p:sp>
-        <p:nvSpPr>
-          <p:cNvPr id="3" name="Title 2">
-            <a:extLst>
-              <a:ext uri="{FF2B5EF4-FFF2-40B4-BE49-F238E27FC236}">
-                <a16:creationId xmlns:a16="http://schemas.microsoft.com/office/drawing/2014/main" id="{C02AA8F8-1E43-384B-8982-C0BB94049B5C}"/>
-              </a:ext>
-            </a:extLst>
-          </p:cNvPr>
-          <p:cNvSpPr>
-            <a:spLocks noGrp="1"/>
-          </p:cNvSpPr>
-          <p:nvPr>
-            <p:ph type="title"/>
-          </p:nvPr>
-        </p:nvSpPr>
-        <p:spPr>
-          <a:xfrm>
-            <a:off x="0" y="31899"/>
-            <a:ext cx="8345488" cy="731837"/>
-          </a:xfrm>
-        </p:spPr>
-        <p:txBody>
-          <a:bodyPr/>
-          <a:lstStyle/>
-          <a:p>
-            <a:r>
-              <a:rPr lang="en-US" sz="1600" dirty="0"/>
-              <a:t>LAN Attacks</a:t>
-            </a:r>
-            <a:br>
-              <a:rPr lang="en-US" dirty="0"/>
-            </a:br>
-            <a:r>
-              <a:rPr lang="en-US" sz="2400" dirty="0"/>
-              <a:t>VLAN Double-Tagging Attacks (Cont.)</a:t>
-            </a:r>
-          </a:p>
-        </p:txBody>
-      </p:sp>
-      <p:sp>
-        <p:nvSpPr>
-          <p:cNvPr id="4" name="Content Placeholder 3">
-            <a:extLst>
-              <a:ext uri="{FF2B5EF4-FFF2-40B4-BE49-F238E27FC236}">
-                <a16:creationId xmlns:a16="http://schemas.microsoft.com/office/drawing/2014/main" id="{F8ECADB4-1C1D-7B40-B8CF-8A1FA1C78DB6}"/>
-              </a:ext>
-            </a:extLst>
-          </p:cNvPr>
-          <p:cNvSpPr>
-            <a:spLocks noGrp="1"/>
-          </p:cNvSpPr>
-          <p:nvPr>
-            <p:ph idx="1"/>
-          </p:nvPr>
-        </p:nvSpPr>
-        <p:spPr>
-          <a:xfrm>
-            <a:off x="474662" y="763736"/>
-            <a:ext cx="8280057" cy="3657998"/>
-          </a:xfrm>
-        </p:spPr>
-        <p:txBody>
-          <a:bodyPr/>
-          <a:lstStyle/>
-          <a:p>
-            <a:pPr marL="0" indent="0" algn="l"/>
-            <a:r>
-              <a:rPr lang="en-US" sz="1600" dirty="0">
-                <a:solidFill>
-                  <a:srgbClr val="000000"/>
-                </a:solidFill>
-              </a:rPr>
-              <a:t>A VLAN double-tagging attack is unidirectional and works only when the attacker is connected to a port residing in the same VLAN as the native VLAN of the trunk port. The idea is that double tagging allows the attacker to send data to hosts or servers on a VLAN that otherwise would be blocked by some type of access control configuration. Presumably the return traffic will also be permitted, thus giving the attacker the ability to communicate with devices on the normally blocked VLAN.</a:t>
-            </a:r>
-          </a:p>
-          <a:p>
-            <a:pPr marL="0" indent="0" algn="l"/>
-            <a:endParaRPr lang="en-US" sz="1600" dirty="0">
-              <a:solidFill>
-                <a:srgbClr val="000000"/>
-              </a:solidFill>
-            </a:endParaRPr>
-          </a:p>
-          <a:p>
-            <a:pPr marL="0" indent="0" algn="l"/>
-            <a:r>
-              <a:rPr lang="en-US" sz="1600" b="1" dirty="0">
-                <a:solidFill>
-                  <a:srgbClr val="000000"/>
-                </a:solidFill>
-              </a:rPr>
-              <a:t>VLAN Attack Mitigation - </a:t>
-            </a:r>
-            <a:r>
-              <a:rPr lang="en-US" sz="1600" dirty="0">
-                <a:solidFill>
-                  <a:srgbClr val="000000"/>
-                </a:solidFill>
-              </a:rPr>
-              <a:t>VLAN hopping and VLAN double-tagging attacks can be prevented by implementing the following trunk security guidelines, as discussed in a previous module:</a:t>
-            </a:r>
-          </a:p>
-          <a:p>
-            <a:pPr marL="415985" lvl="1" indent="-342900">
-              <a:buFont typeface="Arial" panose="020B0604020202020204" pitchFamily="34" charset="0"/>
-              <a:buChar char="•"/>
-            </a:pPr>
-            <a:r>
-              <a:rPr lang="en-US" sz="1600" dirty="0">
-                <a:solidFill>
-                  <a:srgbClr val="000000"/>
-                </a:solidFill>
-              </a:rPr>
-              <a:t>Disable trunking on all access ports.</a:t>
-            </a:r>
-          </a:p>
-          <a:p>
-            <a:pPr marL="415985" lvl="1" indent="-342900">
-              <a:buFont typeface="Arial" panose="020B0604020202020204" pitchFamily="34" charset="0"/>
-              <a:buChar char="•"/>
-            </a:pPr>
-            <a:r>
-              <a:rPr lang="en-US" sz="1600" dirty="0">
-                <a:solidFill>
-                  <a:srgbClr val="000000"/>
-                </a:solidFill>
-              </a:rPr>
-              <a:t>Disable auto trunking on trunk links so that trunks must be manually enabled.</a:t>
-            </a:r>
-          </a:p>
-          <a:p>
-            <a:pPr marL="415985" lvl="1" indent="-342900">
-              <a:buFont typeface="Arial" panose="020B0604020202020204" pitchFamily="34" charset="0"/>
-              <a:buChar char="•"/>
-            </a:pPr>
-            <a:r>
-              <a:rPr lang="en-US" sz="1600" dirty="0">
-                <a:solidFill>
-                  <a:srgbClr val="000000"/>
-                </a:solidFill>
-              </a:rPr>
-              <a:t>Be sure that the native VLAN is only used for trunk links.</a:t>
-            </a:r>
-          </a:p>
-          <a:p>
-            <a:pPr marL="342900" indent="-342900" algn="l">
-              <a:buFont typeface="Arial" panose="020B0604020202020204" pitchFamily="34" charset="0"/>
-              <a:buChar char="•"/>
-            </a:pPr>
-            <a:endParaRPr lang="en-US" sz="1400" dirty="0">
-              <a:solidFill>
-                <a:srgbClr val="000000"/>
-              </a:solidFill>
-            </a:endParaRPr>
-          </a:p>
-        </p:txBody>
-      </p:sp>
-    </p:spTree>
-    <p:extLst>
-      <p:ext uri="{BB962C8B-B14F-4D97-AF65-F5344CB8AC3E}">
-        <p14:creationId xmlns:p14="http://schemas.microsoft.com/office/powerpoint/2010/main" val="2139717828"/>
-      </p:ext>
-    </p:extLst>
-  </p:cSld>
-  <p:clrMapOvr>
-    <a:masterClrMapping/>
-  </p:clrMapOvr>
-  <mc:AlternateContent xmlns:mc="http://schemas.openxmlformats.org/markup-compatibility/2006" xmlns:p14="http://schemas.microsoft.com/office/powerpoint/2010/main">
-    <mc:Choice Requires="p14">
-      <p:transition spd="med" p14:dur="700">
-        <p:fade/>
-      </p:transition>
-    </mc:Choice>
-    <mc:Fallback xmlns="">
-      <p:transition xmlns:p14="http://schemas.microsoft.com/office/powerpoint/2010/main" spd="med">
-        <p:fade/>
-      </p:transition>
-    </mc:Fallback>
-  </mc:AlternateContent>
-</p:sld>
-</file>
-
-<file path=ppt/slides/slide14.xml><?xml version="1.0" encoding="utf-8"?>
-<p:sld xmlns:a="http://schemas.openxmlformats.org/drawingml/2006/main" xmlns:r="http://schemas.openxmlformats.org/officeDocument/2006/relationships" xmlns:p="http://schemas.openxmlformats.org/presentationml/2006/main" showMasterSp="0">
-  <p:cSld>
-    <p:bg>
-      <p:bgPr>
-        <a:solidFill>
-          <a:srgbClr val="7030A0"/>
+          <a:schemeClr val="bg1">
+            <a:alpha val="85000"/>
+          </a:schemeClr>
         </a:solidFill>
         <a:effectLst/>
       </p:bgPr>
@@ -27357,13 +26175,15 @@
 </p:sld>
 </file>
 
-<file path=ppt/slides/slide15.xml><?xml version="1.0" encoding="utf-8"?>
+<file path=ppt/slides/slide11.xml><?xml version="1.0" encoding="utf-8"?>
 <p:sld xmlns:a="http://schemas.openxmlformats.org/drawingml/2006/main" xmlns:r="http://schemas.openxmlformats.org/officeDocument/2006/relationships" xmlns:p="http://schemas.openxmlformats.org/presentationml/2006/main" showMasterSp="0">
   <p:cSld>
     <p:bg>
       <p:bgPr>
         <a:solidFill>
-          <a:srgbClr val="7030A0"/>
+          <a:schemeClr val="bg1">
+            <a:alpha val="85000"/>
+          </a:schemeClr>
         </a:solidFill>
         <a:effectLst/>
       </p:bgPr>
@@ -27622,13 +26442,15 @@
 </p:sld>
 </file>
 
-<file path=ppt/slides/slide16.xml><?xml version="1.0" encoding="utf-8"?>
+<file path=ppt/slides/slide12.xml><?xml version="1.0" encoding="utf-8"?>
 <p:sld xmlns:a="http://schemas.openxmlformats.org/drawingml/2006/main" xmlns:r="http://schemas.openxmlformats.org/officeDocument/2006/relationships" xmlns:p="http://schemas.openxmlformats.org/presentationml/2006/main" showMasterSp="0">
   <p:cSld>
     <p:bg>
       <p:bgPr>
         <a:solidFill>
-          <a:srgbClr val="7030A0"/>
+          <a:schemeClr val="bg1">
+            <a:alpha val="85000"/>
+          </a:schemeClr>
         </a:solidFill>
         <a:effectLst/>
       </p:bgPr>
@@ -27806,13 +26628,15 @@
 </p:sld>
 </file>
 
-<file path=ppt/slides/slide17.xml><?xml version="1.0" encoding="utf-8"?>
+<file path=ppt/slides/slide13.xml><?xml version="1.0" encoding="utf-8"?>
 <p:sld xmlns:a="http://schemas.openxmlformats.org/drawingml/2006/main" xmlns:r="http://schemas.openxmlformats.org/officeDocument/2006/relationships" xmlns:p="http://schemas.openxmlformats.org/presentationml/2006/main" showMasterSp="0">
   <p:cSld>
     <p:bg>
       <p:bgPr>
         <a:solidFill>
-          <a:srgbClr val="7030A0"/>
+          <a:schemeClr val="bg1">
+            <a:alpha val="85000"/>
+          </a:schemeClr>
         </a:solidFill>
         <a:effectLst/>
       </p:bgPr>
@@ -28007,13 +26831,15 @@
 </p:sld>
 </file>
 
-<file path=ppt/slides/slide18.xml><?xml version="1.0" encoding="utf-8"?>
+<file path=ppt/slides/slide14.xml><?xml version="1.0" encoding="utf-8"?>
 <p:sld xmlns:a="http://schemas.openxmlformats.org/drawingml/2006/main" xmlns:r="http://schemas.openxmlformats.org/officeDocument/2006/relationships" xmlns:p="http://schemas.openxmlformats.org/presentationml/2006/main" showMasterSp="0">
   <p:cSld>
     <p:bg>
       <p:bgPr>
         <a:solidFill>
-          <a:srgbClr val="7030A0"/>
+          <a:schemeClr val="bg1">
+            <a:alpha val="85000"/>
+          </a:schemeClr>
         </a:solidFill>
         <a:effectLst/>
       </p:bgPr>
@@ -28205,13 +27031,15 @@
 </p:sld>
 </file>
 
-<file path=ppt/slides/slide19.xml><?xml version="1.0" encoding="utf-8"?>
+<file path=ppt/slides/slide15.xml><?xml version="1.0" encoding="utf-8"?>
 <p:sld xmlns:a="http://schemas.openxmlformats.org/drawingml/2006/main" xmlns:r="http://schemas.openxmlformats.org/officeDocument/2006/relationships" xmlns:p="http://schemas.openxmlformats.org/presentationml/2006/main" showMasterSp="0">
   <p:cSld>
     <p:bg>
       <p:bgPr>
         <a:solidFill>
-          <a:srgbClr val="7030A0"/>
+          <a:schemeClr val="bg1">
+            <a:alpha val="85000"/>
+          </a:schemeClr>
         </a:solidFill>
         <a:effectLst/>
       </p:bgPr>
@@ -28375,13 +27203,816 @@
 </p:sld>
 </file>
 
+<file path=ppt/slides/slide16.xml><?xml version="1.0" encoding="utf-8"?>
+<p:sld xmlns:a="http://schemas.openxmlformats.org/drawingml/2006/main" xmlns:r="http://schemas.openxmlformats.org/officeDocument/2006/relationships" xmlns:p="http://schemas.openxmlformats.org/presentationml/2006/main" showMasterSp="0">
+  <p:cSld>
+    <p:bg>
+      <p:bgPr>
+        <a:solidFill>
+          <a:schemeClr val="bg1">
+            <a:alpha val="85000"/>
+          </a:schemeClr>
+        </a:solidFill>
+        <a:effectLst/>
+      </p:bgPr>
+    </p:bg>
+    <p:spTree>
+      <p:nvGrpSpPr>
+        <p:cNvPr id="1" name=""/>
+        <p:cNvGrpSpPr/>
+        <p:nvPr/>
+      </p:nvGrpSpPr>
+      <p:grpSpPr>
+        <a:xfrm>
+          <a:off x="0" y="0"/>
+          <a:ext cx="0" cy="0"/>
+          <a:chOff x="0" y="0"/>
+          <a:chExt cx="0" cy="0"/>
+        </a:xfrm>
+      </p:grpSpPr>
+      <p:sp>
+        <p:nvSpPr>
+          <p:cNvPr id="3" name="Title 2">
+            <a:extLst>
+              <a:ext uri="{FF2B5EF4-FFF2-40B4-BE49-F238E27FC236}">
+                <a16:creationId xmlns:a16="http://schemas.microsoft.com/office/drawing/2014/main" id="{C02AA8F8-1E43-384B-8982-C0BB94049B5C}"/>
+              </a:ext>
+            </a:extLst>
+          </p:cNvPr>
+          <p:cNvSpPr>
+            <a:spLocks noGrp="1"/>
+          </p:cNvSpPr>
+          <p:nvPr>
+            <p:ph type="title"/>
+          </p:nvPr>
+        </p:nvSpPr>
+        <p:spPr>
+          <a:xfrm>
+            <a:off x="0" y="31899"/>
+            <a:ext cx="8345488" cy="731837"/>
+          </a:xfrm>
+        </p:spPr>
+        <p:txBody>
+          <a:bodyPr/>
+          <a:lstStyle/>
+          <a:p>
+            <a:r>
+              <a:rPr lang="en-US" sz="1600" dirty="0"/>
+              <a:t>LAN Attacks</a:t>
+            </a:r>
+            <a:br>
+              <a:rPr lang="en-US" dirty="0"/>
+            </a:br>
+            <a:r>
+              <a:rPr lang="en-US" sz="2400" dirty="0"/>
+              <a:t>CDP Reconnaissance</a:t>
+            </a:r>
+          </a:p>
+        </p:txBody>
+      </p:sp>
+      <p:sp>
+        <p:nvSpPr>
+          <p:cNvPr id="5" name="Content Placeholder 4">
+            <a:extLst>
+              <a:ext uri="{FF2B5EF4-FFF2-40B4-BE49-F238E27FC236}">
+                <a16:creationId xmlns:a16="http://schemas.microsoft.com/office/drawing/2014/main" id="{1E60B676-C5AA-DE4E-B9AF-6229A101D707}"/>
+              </a:ext>
+            </a:extLst>
+          </p:cNvPr>
+          <p:cNvSpPr>
+            <a:spLocks noGrp="1"/>
+          </p:cNvSpPr>
+          <p:nvPr>
+            <p:ph idx="1"/>
+          </p:nvPr>
+        </p:nvSpPr>
+        <p:spPr>
+          <a:xfrm>
+            <a:off x="161925" y="763736"/>
+            <a:ext cx="8896349" cy="3657998"/>
+          </a:xfrm>
+        </p:spPr>
+        <p:txBody>
+          <a:bodyPr/>
+          <a:lstStyle/>
+          <a:p>
+            <a:pPr marL="0" indent="0" algn="l"/>
+            <a:r>
+              <a:rPr lang="en-US" sz="1600" dirty="0">
+                <a:solidFill>
+                  <a:srgbClr val="000000"/>
+                </a:solidFill>
+              </a:rPr>
+              <a:t>The Cisco Discovery Protocol (CDP) is a proprietary Layer 2 link discovery protocol. It is enabled on all Cisco devices by default. Network administrators also use CDP to help configure and troubleshoot network devices. CDP information is sent out CDP-enabled ports in periodic, unencrypted, unauthenticated broadcasts. CDP information includes the IP address of the device, IOS software version, platform, capabilities, and the native VLAN. The device receiving the CDP message updates its CDP database.</a:t>
+            </a:r>
+          </a:p>
+          <a:p>
+            <a:pPr marL="0" indent="0" algn="l"/>
+            <a:endParaRPr lang="en-US" sz="1400" dirty="0">
+              <a:solidFill>
+                <a:srgbClr val="000000"/>
+              </a:solidFill>
+            </a:endParaRPr>
+          </a:p>
+          <a:p>
+            <a:pPr marL="0" indent="0" algn="l"/>
+            <a:r>
+              <a:rPr lang="en-US" sz="1600" dirty="0">
+                <a:solidFill>
+                  <a:srgbClr val="000000"/>
+                </a:solidFill>
+              </a:rPr>
+              <a:t>To mitigate the exploitation of CDP, limit the use of CDP on devices or ports. For example, disable CDP on edge ports that connect to untrusted devices.</a:t>
+            </a:r>
+          </a:p>
+          <a:p>
+            <a:pPr marL="415985" lvl="1" indent="-342900">
+              <a:buFont typeface="Arial" panose="020B0604020202020204" pitchFamily="34" charset="0"/>
+              <a:buChar char="•"/>
+            </a:pPr>
+            <a:r>
+              <a:rPr lang="en-US" sz="1600" dirty="0">
+                <a:solidFill>
+                  <a:srgbClr val="000000"/>
+                </a:solidFill>
+              </a:rPr>
+              <a:t>To disable CDP globally on a device, use the </a:t>
+            </a:r>
+            <a:r>
+              <a:rPr lang="en-US" sz="1600" b="1" dirty="0">
+                <a:solidFill>
+                  <a:srgbClr val="000000"/>
+                </a:solidFill>
+              </a:rPr>
+              <a:t>no cdp run</a:t>
+            </a:r>
+            <a:r>
+              <a:rPr lang="en-US" sz="1600" dirty="0">
+                <a:solidFill>
+                  <a:srgbClr val="000000"/>
+                </a:solidFill>
+              </a:rPr>
+              <a:t> global configuration mode command. To enable CDP globally, use the </a:t>
+            </a:r>
+            <a:r>
+              <a:rPr lang="en-US" sz="1600" b="1" dirty="0">
+                <a:solidFill>
+                  <a:srgbClr val="000000"/>
+                </a:solidFill>
+              </a:rPr>
+              <a:t>cdp run</a:t>
+            </a:r>
+            <a:r>
+              <a:rPr lang="en-US" sz="1600" dirty="0">
+                <a:solidFill>
+                  <a:srgbClr val="000000"/>
+                </a:solidFill>
+              </a:rPr>
+              <a:t> global configuration command.</a:t>
+            </a:r>
+          </a:p>
+          <a:p>
+            <a:pPr marL="415985" lvl="1" indent="-342900">
+              <a:buFont typeface="Arial" panose="020B0604020202020204" pitchFamily="34" charset="0"/>
+              <a:buChar char="•"/>
+            </a:pPr>
+            <a:r>
+              <a:rPr lang="en-US" sz="1600" dirty="0">
+                <a:solidFill>
+                  <a:srgbClr val="000000"/>
+                </a:solidFill>
+              </a:rPr>
+              <a:t>To disable CDP on a port, use the </a:t>
+            </a:r>
+            <a:r>
+              <a:rPr lang="en-US" sz="1600" b="1" dirty="0">
+                <a:solidFill>
+                  <a:srgbClr val="000000"/>
+                </a:solidFill>
+              </a:rPr>
+              <a:t>no cdp enable</a:t>
+            </a:r>
+            <a:r>
+              <a:rPr lang="en-US" sz="1600" dirty="0">
+                <a:solidFill>
+                  <a:srgbClr val="000000"/>
+                </a:solidFill>
+              </a:rPr>
+              <a:t> interface configuration command. To enable CDP on a port, use the </a:t>
+            </a:r>
+            <a:r>
+              <a:rPr lang="en-US" sz="1600" b="1" dirty="0">
+                <a:solidFill>
+                  <a:srgbClr val="000000"/>
+                </a:solidFill>
+              </a:rPr>
+              <a:t>cdp enable</a:t>
+            </a:r>
+            <a:r>
+              <a:rPr lang="en-US" sz="1600" dirty="0">
+                <a:solidFill>
+                  <a:srgbClr val="000000"/>
+                </a:solidFill>
+              </a:rPr>
+              <a:t> interface configuration command.</a:t>
+            </a:r>
+          </a:p>
+          <a:p>
+            <a:pPr marL="0" indent="0" algn="l"/>
+            <a:r>
+              <a:rPr lang="en-US" sz="1200" b="1" dirty="0">
+                <a:solidFill>
+                  <a:srgbClr val="000000"/>
+                </a:solidFill>
+              </a:rPr>
+              <a:t>Note</a:t>
+            </a:r>
+            <a:r>
+              <a:rPr lang="en-US" sz="1200" dirty="0">
+                <a:solidFill>
+                  <a:srgbClr val="000000"/>
+                </a:solidFill>
+              </a:rPr>
+              <a:t>: Link Layer Discovery Protocol (LLDP) is also vulnerable to reconnaissance attacks. Configure </a:t>
+            </a:r>
+            <a:r>
+              <a:rPr lang="en-US" sz="1200" b="1" dirty="0">
+                <a:solidFill>
+                  <a:srgbClr val="000000"/>
+                </a:solidFill>
+              </a:rPr>
+              <a:t>no lldp run</a:t>
+            </a:r>
+            <a:r>
+              <a:rPr lang="en-US" sz="1200" dirty="0">
+                <a:solidFill>
+                  <a:srgbClr val="000000"/>
+                </a:solidFill>
+              </a:rPr>
+              <a:t> to disable LLDP globally. To disable LLDP on the interface, configure </a:t>
+            </a:r>
+            <a:r>
+              <a:rPr lang="en-US" sz="1200" b="1" dirty="0">
+                <a:solidFill>
+                  <a:srgbClr val="000000"/>
+                </a:solidFill>
+              </a:rPr>
+              <a:t>no lldp transmit</a:t>
+            </a:r>
+            <a:r>
+              <a:rPr lang="en-US" sz="1200" dirty="0">
+                <a:solidFill>
+                  <a:srgbClr val="000000"/>
+                </a:solidFill>
+              </a:rPr>
+              <a:t> and </a:t>
+            </a:r>
+            <a:r>
+              <a:rPr lang="en-US" sz="1200" b="1" dirty="0">
+                <a:solidFill>
+                  <a:srgbClr val="000000"/>
+                </a:solidFill>
+              </a:rPr>
+              <a:t>no lldp receive</a:t>
+            </a:r>
+            <a:r>
+              <a:rPr lang="en-US" sz="1200" dirty="0">
+                <a:solidFill>
+                  <a:srgbClr val="000000"/>
+                </a:solidFill>
+              </a:rPr>
+              <a:t>.</a:t>
+            </a:r>
+          </a:p>
+          <a:p>
+            <a:pPr marL="285750" indent="-285750" algn="l">
+              <a:buFont typeface="Arial" panose="020B0604020202020204" pitchFamily="34" charset="0"/>
+              <a:buChar char="•"/>
+            </a:pPr>
+            <a:endParaRPr lang="en-US" sz="1400" dirty="0">
+              <a:solidFill>
+                <a:srgbClr val="000000"/>
+              </a:solidFill>
+            </a:endParaRPr>
+          </a:p>
+        </p:txBody>
+      </p:sp>
+    </p:spTree>
+    <p:extLst>
+      <p:ext uri="{BB962C8B-B14F-4D97-AF65-F5344CB8AC3E}">
+        <p14:creationId xmlns:p14="http://schemas.microsoft.com/office/powerpoint/2010/main" val="2825526096"/>
+      </p:ext>
+    </p:extLst>
+  </p:cSld>
+  <p:clrMapOvr>
+    <a:masterClrMapping/>
+  </p:clrMapOvr>
+  <mc:AlternateContent xmlns:mc="http://schemas.openxmlformats.org/markup-compatibility/2006" xmlns:p14="http://schemas.microsoft.com/office/powerpoint/2010/main">
+    <mc:Choice Requires="p14">
+      <p:transition spd="med" p14:dur="700">
+        <p:fade/>
+      </p:transition>
+    </mc:Choice>
+    <mc:Fallback xmlns="">
+      <p:transition xmlns:p14="http://schemas.microsoft.com/office/powerpoint/2010/main" spd="med">
+        <p:fade/>
+      </p:transition>
+    </mc:Fallback>
+  </mc:AlternateContent>
+</p:sld>
+</file>
+
+<file path=ppt/slides/slide17.xml><?xml version="1.0" encoding="utf-8"?>
+<p:sld xmlns:a="http://schemas.openxmlformats.org/drawingml/2006/main" xmlns:r="http://schemas.openxmlformats.org/officeDocument/2006/relationships" xmlns:p="http://schemas.openxmlformats.org/presentationml/2006/main" showMasterSp="0">
+  <p:cSld>
+    <p:bg>
+      <p:bgPr>
+        <a:solidFill>
+          <a:schemeClr val="bg1">
+            <a:alpha val="85000"/>
+          </a:schemeClr>
+        </a:solidFill>
+        <a:effectLst/>
+      </p:bgPr>
+    </p:bg>
+    <p:spTree>
+      <p:nvGrpSpPr>
+        <p:cNvPr id="1" name=""/>
+        <p:cNvGrpSpPr/>
+        <p:nvPr/>
+      </p:nvGrpSpPr>
+      <p:grpSpPr>
+        <a:xfrm>
+          <a:off x="0" y="0"/>
+          <a:ext cx="0" cy="0"/>
+          <a:chOff x="0" y="0"/>
+          <a:chExt cx="0" cy="0"/>
+        </a:xfrm>
+      </p:grpSpPr>
+      <p:sp>
+        <p:nvSpPr>
+          <p:cNvPr id="2" name="Title 1"/>
+          <p:cNvSpPr>
+            <a:spLocks noGrp="1"/>
+          </p:cNvSpPr>
+          <p:nvPr>
+            <p:ph type="ctrTitle"/>
+          </p:nvPr>
+        </p:nvSpPr>
+        <p:spPr>
+          <a:xfrm>
+            <a:off x="416425" y="1747520"/>
+            <a:ext cx="8280314" cy="970280"/>
+          </a:xfrm>
+        </p:spPr>
+        <p:txBody>
+          <a:bodyPr/>
+          <a:lstStyle/>
+          <a:p>
+            <a:r>
+              <a:rPr lang="en-US" dirty="0">
+                <a:solidFill>
+                  <a:schemeClr val="accent5">
+                    <a:lumMod val="40000"/>
+                    <a:lumOff val="60000"/>
+                  </a:schemeClr>
+                </a:solidFill>
+              </a:rPr>
+              <a:t>10.6 Module Practice and Quiz</a:t>
+            </a:r>
+          </a:p>
+        </p:txBody>
+      </p:sp>
+    </p:spTree>
+    <p:custDataLst>
+      <p:tags r:id="rId1"/>
+    </p:custDataLst>
+    <p:extLst>
+      <p:ext uri="{BB962C8B-B14F-4D97-AF65-F5344CB8AC3E}">
+        <p14:creationId xmlns:p14="http://schemas.microsoft.com/office/powerpoint/2010/main" val="410599242"/>
+      </p:ext>
+    </p:extLst>
+  </p:cSld>
+  <p:clrMapOvr>
+    <a:masterClrMapping/>
+  </p:clrMapOvr>
+  <p:transition spd="slow">
+    <p:wipe/>
+  </p:transition>
+</p:sld>
+</file>
+
+<file path=ppt/slides/slide18.xml><?xml version="1.0" encoding="utf-8"?>
+<p:sld xmlns:a="http://schemas.openxmlformats.org/drawingml/2006/main" xmlns:r="http://schemas.openxmlformats.org/officeDocument/2006/relationships" xmlns:p="http://schemas.openxmlformats.org/presentationml/2006/main" showMasterSp="0">
+  <p:cSld>
+    <p:bg>
+      <p:bgPr>
+        <a:solidFill>
+          <a:schemeClr val="bg1">
+            <a:alpha val="85000"/>
+          </a:schemeClr>
+        </a:solidFill>
+        <a:effectLst/>
+      </p:bgPr>
+    </p:bg>
+    <p:spTree>
+      <p:nvGrpSpPr>
+        <p:cNvPr id="1" name=""/>
+        <p:cNvGrpSpPr/>
+        <p:nvPr/>
+      </p:nvGrpSpPr>
+      <p:grpSpPr>
+        <a:xfrm>
+          <a:off x="0" y="0"/>
+          <a:ext cx="0" cy="0"/>
+          <a:chOff x="0" y="0"/>
+          <a:chExt cx="0" cy="0"/>
+        </a:xfrm>
+      </p:grpSpPr>
+      <p:sp>
+        <p:nvSpPr>
+          <p:cNvPr id="21505" name="Rectangle 2"/>
+          <p:cNvSpPr>
+            <a:spLocks noGrp="1" noChangeArrowheads="1"/>
+          </p:cNvSpPr>
+          <p:nvPr>
+            <p:ph type="title"/>
+          </p:nvPr>
+        </p:nvSpPr>
+        <p:spPr/>
+        <p:txBody>
+          <a:bodyPr/>
+          <a:lstStyle/>
+          <a:p>
+            <a:r>
+              <a:rPr lang="en-US" sz="1400" dirty="0">
+                <a:latin typeface="Arial" charset="0"/>
+              </a:rPr>
+              <a:t>Module Practice and Quiz</a:t>
+            </a:r>
+            <a:br>
+              <a:rPr lang="en-US" dirty="0">
+                <a:latin typeface="Arial" charset="0"/>
+              </a:rPr>
+            </a:br>
+            <a:r>
+              <a:rPr lang="en-US" dirty="0">
+                <a:latin typeface="Arial" charset="0"/>
+              </a:rPr>
+              <a:t>What Did I Learn In This Module?</a:t>
+            </a:r>
+          </a:p>
+        </p:txBody>
+      </p:sp>
+      <p:sp>
+        <p:nvSpPr>
+          <p:cNvPr id="3" name="Content Placeholder 2">
+            <a:extLst>
+              <a:ext uri="{FF2B5EF4-FFF2-40B4-BE49-F238E27FC236}">
+                <a16:creationId xmlns:a16="http://schemas.microsoft.com/office/drawing/2014/main" id="{17413907-4807-1B49-B489-9746A3749D2D}"/>
+              </a:ext>
+            </a:extLst>
+          </p:cNvPr>
+          <p:cNvSpPr>
+            <a:spLocks noGrp="1"/>
+          </p:cNvSpPr>
+          <p:nvPr>
+            <p:ph idx="1"/>
+          </p:nvPr>
+        </p:nvSpPr>
+        <p:spPr>
+          <a:xfrm>
+            <a:off x="145357" y="675119"/>
+            <a:ext cx="8853286" cy="4155319"/>
+          </a:xfrm>
+        </p:spPr>
+        <p:txBody>
+          <a:bodyPr/>
+          <a:lstStyle/>
+          <a:p>
+            <a:pPr>
+              <a:spcBef>
+                <a:spcPts val="0"/>
+              </a:spcBef>
+              <a:spcAft>
+                <a:spcPts val="0"/>
+              </a:spcAft>
+              <a:buFont typeface="Arial" panose="020B0604020202020204" pitchFamily="34" charset="0"/>
+              <a:buChar char="•"/>
+            </a:pPr>
+            <a:r>
+              <a:rPr lang="en-US" sz="1600" dirty="0"/>
+              <a:t>Endpoints are particularly susceptible to malware-related attacks that originate through email or web browsing, such as DDOS, date breaches, and malware. These endpoints have typically used traditional host-based security features, such as antivirus/antimalware, host-based firewalls, and host-based intrusion prevention systems (HIPSs). Endpoints are best protected by a combination of NAC, host-based AMP software, an email security appliance (ESA), and a web security appliance (WSA).</a:t>
+            </a:r>
+          </a:p>
+          <a:p>
+            <a:pPr>
+              <a:spcBef>
+                <a:spcPts val="0"/>
+              </a:spcBef>
+              <a:spcAft>
+                <a:spcPts val="0"/>
+              </a:spcAft>
+              <a:buFont typeface="Arial" panose="020B0604020202020204" pitchFamily="34" charset="0"/>
+              <a:buChar char="•"/>
+            </a:pPr>
+            <a:r>
+              <a:rPr lang="en-US" sz="1600" dirty="0"/>
+              <a:t>AAA controls who is permitted to access a network (authenticate), what they can do while they are there (authorize), and to audit what actions they performed while accessing the network (accounting).</a:t>
+            </a:r>
+          </a:p>
+          <a:p>
+            <a:pPr>
+              <a:spcBef>
+                <a:spcPts val="0"/>
+              </a:spcBef>
+              <a:spcAft>
+                <a:spcPts val="0"/>
+              </a:spcAft>
+              <a:buFont typeface="Arial" panose="020B0604020202020204" pitchFamily="34" charset="0"/>
+              <a:buChar char="•"/>
+            </a:pPr>
+            <a:r>
+              <a:rPr lang="en-US" sz="1600" dirty="0"/>
+              <a:t>The IEEE 802.1X standard is a port-based access control and authentication protocol that restricts unauthorized workstations from connecting to a LAN through publicly accessible switch ports.</a:t>
+            </a:r>
+          </a:p>
+          <a:p>
+            <a:pPr>
+              <a:spcBef>
+                <a:spcPts val="0"/>
+              </a:spcBef>
+              <a:spcAft>
+                <a:spcPts val="0"/>
+              </a:spcAft>
+              <a:buFont typeface="Arial" panose="020B0604020202020204" pitchFamily="34" charset="0"/>
+              <a:buChar char="•"/>
+            </a:pPr>
+            <a:r>
+              <a:rPr lang="en-US" sz="1600" dirty="0"/>
+              <a:t>If Layer 2 is compromised, then all layers above it are also affected. The first step in mitigating attacks on the Layer 2 infrastructure is to understand the underlying operation of Layer 2 and the Layer 2 solutions: Port Security, DHCP Snooping, DAI, and IPSG. These won’t work unless management protocols are secured.</a:t>
+            </a:r>
+          </a:p>
+          <a:p>
+            <a:pPr marL="0" indent="0">
+              <a:spcBef>
+                <a:spcPts val="0"/>
+              </a:spcBef>
+              <a:spcAft>
+                <a:spcPts val="0"/>
+              </a:spcAft>
+              <a:buNone/>
+            </a:pPr>
+            <a:endParaRPr lang="en-US" sz="1400" dirty="0"/>
+          </a:p>
+        </p:txBody>
+      </p:sp>
+    </p:spTree>
+    <p:custDataLst>
+      <p:tags r:id="rId1"/>
+    </p:custDataLst>
+    <p:extLst>
+      <p:ext uri="{BB962C8B-B14F-4D97-AF65-F5344CB8AC3E}">
+        <p14:creationId xmlns:p14="http://schemas.microsoft.com/office/powerpoint/2010/main" val="2929623157"/>
+      </p:ext>
+    </p:extLst>
+  </p:cSld>
+  <p:clrMapOvr>
+    <a:masterClrMapping/>
+  </p:clrMapOvr>
+  <p:transition spd="slow">
+    <p:wipe/>
+  </p:transition>
+</p:sld>
+</file>
+
+<file path=ppt/slides/slide19.xml><?xml version="1.0" encoding="utf-8"?>
+<p:sld xmlns:a="http://schemas.openxmlformats.org/drawingml/2006/main" xmlns:r="http://schemas.openxmlformats.org/officeDocument/2006/relationships" xmlns:p="http://schemas.openxmlformats.org/presentationml/2006/main" showMasterSp="0">
+  <p:cSld>
+    <p:bg>
+      <p:bgPr>
+        <a:solidFill>
+          <a:schemeClr val="bg1">
+            <a:alpha val="85000"/>
+          </a:schemeClr>
+        </a:solidFill>
+        <a:effectLst/>
+      </p:bgPr>
+    </p:bg>
+    <p:spTree>
+      <p:nvGrpSpPr>
+        <p:cNvPr id="1" name=""/>
+        <p:cNvGrpSpPr/>
+        <p:nvPr/>
+      </p:nvGrpSpPr>
+      <p:grpSpPr>
+        <a:xfrm>
+          <a:off x="0" y="0"/>
+          <a:ext cx="0" cy="0"/>
+          <a:chOff x="0" y="0"/>
+          <a:chExt cx="0" cy="0"/>
+        </a:xfrm>
+      </p:grpSpPr>
+      <p:sp>
+        <p:nvSpPr>
+          <p:cNvPr id="21505" name="Rectangle 2"/>
+          <p:cNvSpPr>
+            <a:spLocks noGrp="1" noChangeArrowheads="1"/>
+          </p:cNvSpPr>
+          <p:nvPr>
+            <p:ph type="title"/>
+          </p:nvPr>
+        </p:nvSpPr>
+        <p:spPr/>
+        <p:txBody>
+          <a:bodyPr/>
+          <a:lstStyle/>
+          <a:p>
+            <a:r>
+              <a:rPr lang="en-US" sz="1400" dirty="0">
+                <a:latin typeface="Arial" charset="0"/>
+              </a:rPr>
+              <a:t>Module Practice and Quiz</a:t>
+            </a:r>
+            <a:br>
+              <a:rPr lang="en-US" dirty="0">
+                <a:latin typeface="Arial" charset="0"/>
+              </a:rPr>
+            </a:br>
+            <a:r>
+              <a:rPr lang="en-US" dirty="0">
+                <a:latin typeface="Arial" charset="0"/>
+              </a:rPr>
+              <a:t>What Did I Learn In This Module? (Cont.)</a:t>
+            </a:r>
+          </a:p>
+        </p:txBody>
+      </p:sp>
+      <p:sp>
+        <p:nvSpPr>
+          <p:cNvPr id="3" name="Content Placeholder 2">
+            <a:extLst>
+              <a:ext uri="{FF2B5EF4-FFF2-40B4-BE49-F238E27FC236}">
+                <a16:creationId xmlns:a16="http://schemas.microsoft.com/office/drawing/2014/main" id="{17413907-4807-1B49-B489-9746A3749D2D}"/>
+              </a:ext>
+            </a:extLst>
+          </p:cNvPr>
+          <p:cNvSpPr>
+            <a:spLocks noGrp="1"/>
+          </p:cNvSpPr>
+          <p:nvPr>
+            <p:ph idx="1"/>
+          </p:nvPr>
+        </p:nvSpPr>
+        <p:spPr/>
+        <p:txBody>
+          <a:bodyPr/>
+          <a:lstStyle/>
+          <a:p>
+            <a:pPr>
+              <a:spcBef>
+                <a:spcPts val="0"/>
+              </a:spcBef>
+              <a:spcAft>
+                <a:spcPts val="0"/>
+              </a:spcAft>
+              <a:buFont typeface="Arial" panose="020B0604020202020204" pitchFamily="34" charset="0"/>
+              <a:buChar char="•"/>
+            </a:pPr>
+            <a:r>
+              <a:rPr lang="en-US" sz="1600" dirty="0"/>
+              <a:t>MAC address flooding attacks bombard the switch with fake source MAC addresses until the switch MAC address table is full.</a:t>
+            </a:r>
+          </a:p>
+          <a:p>
+            <a:pPr>
+              <a:spcBef>
+                <a:spcPts val="0"/>
+              </a:spcBef>
+              <a:spcAft>
+                <a:spcPts val="0"/>
+              </a:spcAft>
+              <a:buFont typeface="Arial" panose="020B0604020202020204" pitchFamily="34" charset="0"/>
+              <a:buChar char="•"/>
+            </a:pPr>
+            <a:r>
+              <a:rPr lang="en-US" sz="1600" dirty="0"/>
+              <a:t>A VLAN hopping attack enables traffic from one VLAN to be seen by another VLAN without the aid of a router.</a:t>
+            </a:r>
+          </a:p>
+          <a:p>
+            <a:pPr>
+              <a:spcBef>
+                <a:spcPts val="0"/>
+              </a:spcBef>
+              <a:spcAft>
+                <a:spcPts val="0"/>
+              </a:spcAft>
+              <a:buFont typeface="Arial" panose="020B0604020202020204" pitchFamily="34" charset="0"/>
+              <a:buChar char="•"/>
+            </a:pPr>
+            <a:r>
+              <a:rPr lang="en-US" sz="1600" dirty="0"/>
+              <a:t>A VLAN double-tagging attack is unidirectional and works only when the threat actor is connected to a port residing in the same VLAN as the native VLAN of the trunk port.</a:t>
+            </a:r>
+          </a:p>
+          <a:p>
+            <a:pPr>
+              <a:buFont typeface="Arial" panose="020B0604020202020204" pitchFamily="34" charset="0"/>
+              <a:buChar char="•"/>
+            </a:pPr>
+            <a:r>
+              <a:rPr lang="en-US" sz="1600" dirty="0"/>
+              <a:t>VLAN hopping and VLAN double-tagging attacks can be prevented by implementing the following trunk security guidelines:</a:t>
+            </a:r>
+          </a:p>
+          <a:p>
+            <a:pPr lvl="1">
+              <a:buFont typeface="Arial" panose="020B0604020202020204" pitchFamily="34" charset="0"/>
+              <a:buChar char="•"/>
+            </a:pPr>
+            <a:r>
+              <a:rPr lang="en-US" sz="1600" dirty="0"/>
+              <a:t>Disable trunking on all access ports.</a:t>
+            </a:r>
+          </a:p>
+          <a:p>
+            <a:pPr lvl="1">
+              <a:buFont typeface="Arial" panose="020B0604020202020204" pitchFamily="34" charset="0"/>
+              <a:buChar char="•"/>
+            </a:pPr>
+            <a:r>
+              <a:rPr lang="en-US" sz="1600" dirty="0"/>
+              <a:t>Disable auto trunking on trunk links so that trunks must be manually enabled.</a:t>
+            </a:r>
+          </a:p>
+          <a:p>
+            <a:pPr lvl="1">
+              <a:buFont typeface="Arial" panose="020B0604020202020204" pitchFamily="34" charset="0"/>
+              <a:buChar char="•"/>
+            </a:pPr>
+            <a:r>
+              <a:rPr lang="en-US" sz="1600" dirty="0"/>
+              <a:t>Be sure that the native VLAN is only used for trunk links.</a:t>
+            </a:r>
+          </a:p>
+          <a:p>
+            <a:pPr>
+              <a:spcBef>
+                <a:spcPts val="0"/>
+              </a:spcBef>
+              <a:spcAft>
+                <a:spcPts val="0"/>
+              </a:spcAft>
+              <a:buFont typeface="Arial" panose="020B0604020202020204" pitchFamily="34" charset="0"/>
+              <a:buChar char="•"/>
+            </a:pPr>
+            <a:r>
+              <a:rPr lang="en-US" sz="1600" dirty="0"/>
+              <a:t>Two types of DHCP attacks are DHCP starvation and DHCP spoofing. Both attacks are mitigated by implementing DHCP snooping.</a:t>
+            </a:r>
+          </a:p>
+          <a:p>
+            <a:pPr>
+              <a:spcBef>
+                <a:spcPts val="0"/>
+              </a:spcBef>
+              <a:spcAft>
+                <a:spcPts val="0"/>
+              </a:spcAft>
+            </a:pPr>
+            <a:endParaRPr lang="en-US" sz="1400" dirty="0"/>
+          </a:p>
+        </p:txBody>
+      </p:sp>
+    </p:spTree>
+    <p:custDataLst>
+      <p:tags r:id="rId1"/>
+    </p:custDataLst>
+    <p:extLst>
+      <p:ext uri="{BB962C8B-B14F-4D97-AF65-F5344CB8AC3E}">
+        <p14:creationId xmlns:p14="http://schemas.microsoft.com/office/powerpoint/2010/main" val="257687084"/>
+      </p:ext>
+    </p:extLst>
+  </p:cSld>
+  <p:clrMapOvr>
+    <a:masterClrMapping/>
+  </p:clrMapOvr>
+  <p:transition spd="slow">
+    <p:wipe/>
+  </p:transition>
+</p:sld>
+</file>
+
 <file path=ppt/slides/slide2.xml><?xml version="1.0" encoding="utf-8"?>
 <p:sld xmlns:a="http://schemas.openxmlformats.org/drawingml/2006/main" xmlns:r="http://schemas.openxmlformats.org/officeDocument/2006/relationships" xmlns:p="http://schemas.openxmlformats.org/presentationml/2006/main" showMasterSp="0">
   <p:cSld>
     <p:bg>
       <p:bgPr>
         <a:solidFill>
-          <a:srgbClr val="7030A0"/>
+          <a:schemeClr val="bg1">
+            <a:alpha val="85000"/>
+          </a:schemeClr>
         </a:solidFill>
         <a:effectLst/>
       </p:bgPr>
@@ -28631,402 +28262,9 @@
     <p:bg>
       <p:bgPr>
         <a:solidFill>
-          <a:srgbClr val="7030A0"/>
-        </a:solidFill>
-        <a:effectLst/>
-      </p:bgPr>
-    </p:bg>
-    <p:spTree>
-      <p:nvGrpSpPr>
-        <p:cNvPr id="1" name=""/>
-        <p:cNvGrpSpPr/>
-        <p:nvPr/>
-      </p:nvGrpSpPr>
-      <p:grpSpPr>
-        <a:xfrm>
-          <a:off x="0" y="0"/>
-          <a:ext cx="0" cy="0"/>
-          <a:chOff x="0" y="0"/>
-          <a:chExt cx="0" cy="0"/>
-        </a:xfrm>
-      </p:grpSpPr>
-      <p:sp>
-        <p:nvSpPr>
-          <p:cNvPr id="3" name="Title 2">
-            <a:extLst>
-              <a:ext uri="{FF2B5EF4-FFF2-40B4-BE49-F238E27FC236}">
-                <a16:creationId xmlns:a16="http://schemas.microsoft.com/office/drawing/2014/main" id="{C02AA8F8-1E43-384B-8982-C0BB94049B5C}"/>
-              </a:ext>
-            </a:extLst>
-          </p:cNvPr>
-          <p:cNvSpPr>
-            <a:spLocks noGrp="1"/>
-          </p:cNvSpPr>
-          <p:nvPr>
-            <p:ph type="title"/>
-          </p:nvPr>
-        </p:nvSpPr>
-        <p:spPr>
-          <a:xfrm>
-            <a:off x="0" y="31899"/>
-            <a:ext cx="8345488" cy="731837"/>
-          </a:xfrm>
-        </p:spPr>
-        <p:txBody>
-          <a:bodyPr/>
-          <a:lstStyle/>
-          <a:p>
-            <a:r>
-              <a:rPr lang="en-US" sz="1600" dirty="0"/>
-              <a:t>LAN Attacks</a:t>
-            </a:r>
-            <a:br>
-              <a:rPr lang="en-US" dirty="0"/>
-            </a:br>
-            <a:r>
-              <a:rPr lang="en-US" sz="2400" dirty="0"/>
-              <a:t>CDP Reconnaissance</a:t>
-            </a:r>
-          </a:p>
-        </p:txBody>
-      </p:sp>
-      <p:sp>
-        <p:nvSpPr>
-          <p:cNvPr id="5" name="Content Placeholder 4">
-            <a:extLst>
-              <a:ext uri="{FF2B5EF4-FFF2-40B4-BE49-F238E27FC236}">
-                <a16:creationId xmlns:a16="http://schemas.microsoft.com/office/drawing/2014/main" id="{1E60B676-C5AA-DE4E-B9AF-6229A101D707}"/>
-              </a:ext>
-            </a:extLst>
-          </p:cNvPr>
-          <p:cNvSpPr>
-            <a:spLocks noGrp="1"/>
-          </p:cNvSpPr>
-          <p:nvPr>
-            <p:ph idx="1"/>
-          </p:nvPr>
-        </p:nvSpPr>
-        <p:spPr>
-          <a:xfrm>
-            <a:off x="161925" y="763736"/>
-            <a:ext cx="8896349" cy="3657998"/>
-          </a:xfrm>
-        </p:spPr>
-        <p:txBody>
-          <a:bodyPr/>
-          <a:lstStyle/>
-          <a:p>
-            <a:pPr marL="0" indent="0" algn="l"/>
-            <a:r>
-              <a:rPr lang="en-US" sz="1600" dirty="0">
-                <a:solidFill>
-                  <a:srgbClr val="000000"/>
-                </a:solidFill>
-              </a:rPr>
-              <a:t>The Cisco Discovery Protocol (CDP) is a proprietary Layer 2 link discovery protocol. It is enabled on all Cisco devices by default. Network administrators also use CDP to help configure and troubleshoot network devices. CDP information is sent out CDP-enabled ports in periodic, unencrypted, unauthenticated broadcasts. CDP information includes the IP address of the device, IOS software version, platform, capabilities, and the native VLAN. The device receiving the CDP message updates its CDP database.</a:t>
-            </a:r>
-          </a:p>
-          <a:p>
-            <a:pPr marL="0" indent="0" algn="l"/>
-            <a:endParaRPr lang="en-US" sz="1400" dirty="0">
-              <a:solidFill>
-                <a:srgbClr val="000000"/>
-              </a:solidFill>
-            </a:endParaRPr>
-          </a:p>
-          <a:p>
-            <a:pPr marL="0" indent="0" algn="l"/>
-            <a:r>
-              <a:rPr lang="en-US" sz="1600" dirty="0">
-                <a:solidFill>
-                  <a:srgbClr val="000000"/>
-                </a:solidFill>
-              </a:rPr>
-              <a:t>To mitigate the exploitation of CDP, limit the use of CDP on devices or ports. For example, disable CDP on edge ports that connect to untrusted devices.</a:t>
-            </a:r>
-          </a:p>
-          <a:p>
-            <a:pPr marL="415985" lvl="1" indent="-342900">
-              <a:buFont typeface="Arial" panose="020B0604020202020204" pitchFamily="34" charset="0"/>
-              <a:buChar char="•"/>
-            </a:pPr>
-            <a:r>
-              <a:rPr lang="en-US" sz="1600" dirty="0">
-                <a:solidFill>
-                  <a:srgbClr val="000000"/>
-                </a:solidFill>
-              </a:rPr>
-              <a:t>To disable CDP globally on a device, use the </a:t>
-            </a:r>
-            <a:r>
-              <a:rPr lang="en-US" sz="1600" b="1" dirty="0">
-                <a:solidFill>
-                  <a:srgbClr val="000000"/>
-                </a:solidFill>
-              </a:rPr>
-              <a:t>no cdp run</a:t>
-            </a:r>
-            <a:r>
-              <a:rPr lang="en-US" sz="1600" dirty="0">
-                <a:solidFill>
-                  <a:srgbClr val="000000"/>
-                </a:solidFill>
-              </a:rPr>
-              <a:t> global configuration mode command. To enable CDP globally, use the </a:t>
-            </a:r>
-            <a:r>
-              <a:rPr lang="en-US" sz="1600" b="1" dirty="0">
-                <a:solidFill>
-                  <a:srgbClr val="000000"/>
-                </a:solidFill>
-              </a:rPr>
-              <a:t>cdp run</a:t>
-            </a:r>
-            <a:r>
-              <a:rPr lang="en-US" sz="1600" dirty="0">
-                <a:solidFill>
-                  <a:srgbClr val="000000"/>
-                </a:solidFill>
-              </a:rPr>
-              <a:t> global configuration command.</a:t>
-            </a:r>
-          </a:p>
-          <a:p>
-            <a:pPr marL="415985" lvl="1" indent="-342900">
-              <a:buFont typeface="Arial" panose="020B0604020202020204" pitchFamily="34" charset="0"/>
-              <a:buChar char="•"/>
-            </a:pPr>
-            <a:r>
-              <a:rPr lang="en-US" sz="1600" dirty="0">
-                <a:solidFill>
-                  <a:srgbClr val="000000"/>
-                </a:solidFill>
-              </a:rPr>
-              <a:t>To disable CDP on a port, use the </a:t>
-            </a:r>
-            <a:r>
-              <a:rPr lang="en-US" sz="1600" b="1" dirty="0">
-                <a:solidFill>
-                  <a:srgbClr val="000000"/>
-                </a:solidFill>
-              </a:rPr>
-              <a:t>no cdp enable</a:t>
-            </a:r>
-            <a:r>
-              <a:rPr lang="en-US" sz="1600" dirty="0">
-                <a:solidFill>
-                  <a:srgbClr val="000000"/>
-                </a:solidFill>
-              </a:rPr>
-              <a:t> interface configuration command. To enable CDP on a port, use the </a:t>
-            </a:r>
-            <a:r>
-              <a:rPr lang="en-US" sz="1600" b="1" dirty="0">
-                <a:solidFill>
-                  <a:srgbClr val="000000"/>
-                </a:solidFill>
-              </a:rPr>
-              <a:t>cdp enable</a:t>
-            </a:r>
-            <a:r>
-              <a:rPr lang="en-US" sz="1600" dirty="0">
-                <a:solidFill>
-                  <a:srgbClr val="000000"/>
-                </a:solidFill>
-              </a:rPr>
-              <a:t> interface configuration command.</a:t>
-            </a:r>
-          </a:p>
-          <a:p>
-            <a:pPr marL="0" indent="0" algn="l"/>
-            <a:r>
-              <a:rPr lang="en-US" sz="1200" b="1" dirty="0">
-                <a:solidFill>
-                  <a:srgbClr val="000000"/>
-                </a:solidFill>
-              </a:rPr>
-              <a:t>Note</a:t>
-            </a:r>
-            <a:r>
-              <a:rPr lang="en-US" sz="1200" dirty="0">
-                <a:solidFill>
-                  <a:srgbClr val="000000"/>
-                </a:solidFill>
-              </a:rPr>
-              <a:t>: Link Layer Discovery Protocol (LLDP) is also vulnerable to reconnaissance attacks. Configure </a:t>
-            </a:r>
-            <a:r>
-              <a:rPr lang="en-US" sz="1200" b="1" dirty="0">
-                <a:solidFill>
-                  <a:srgbClr val="000000"/>
-                </a:solidFill>
-              </a:rPr>
-              <a:t>no lldp run</a:t>
-            </a:r>
-            <a:r>
-              <a:rPr lang="en-US" sz="1200" dirty="0">
-                <a:solidFill>
-                  <a:srgbClr val="000000"/>
-                </a:solidFill>
-              </a:rPr>
-              <a:t> to disable LLDP globally. To disable LLDP on the interface, configure </a:t>
-            </a:r>
-            <a:r>
-              <a:rPr lang="en-US" sz="1200" b="1" dirty="0">
-                <a:solidFill>
-                  <a:srgbClr val="000000"/>
-                </a:solidFill>
-              </a:rPr>
-              <a:t>no lldp transmit</a:t>
-            </a:r>
-            <a:r>
-              <a:rPr lang="en-US" sz="1200" dirty="0">
-                <a:solidFill>
-                  <a:srgbClr val="000000"/>
-                </a:solidFill>
-              </a:rPr>
-              <a:t> and </a:t>
-            </a:r>
-            <a:r>
-              <a:rPr lang="en-US" sz="1200" b="1" dirty="0">
-                <a:solidFill>
-                  <a:srgbClr val="000000"/>
-                </a:solidFill>
-              </a:rPr>
-              <a:t>no lldp receive</a:t>
-            </a:r>
-            <a:r>
-              <a:rPr lang="en-US" sz="1200" dirty="0">
-                <a:solidFill>
-                  <a:srgbClr val="000000"/>
-                </a:solidFill>
-              </a:rPr>
-              <a:t>.</a:t>
-            </a:r>
-          </a:p>
-          <a:p>
-            <a:pPr marL="285750" indent="-285750" algn="l">
-              <a:buFont typeface="Arial" panose="020B0604020202020204" pitchFamily="34" charset="0"/>
-              <a:buChar char="•"/>
-            </a:pPr>
-            <a:endParaRPr lang="en-US" sz="1400" dirty="0">
-              <a:solidFill>
-                <a:srgbClr val="000000"/>
-              </a:solidFill>
-            </a:endParaRPr>
-          </a:p>
-        </p:txBody>
-      </p:sp>
-    </p:spTree>
-    <p:extLst>
-      <p:ext uri="{BB962C8B-B14F-4D97-AF65-F5344CB8AC3E}">
-        <p14:creationId xmlns:p14="http://schemas.microsoft.com/office/powerpoint/2010/main" val="2825526096"/>
-      </p:ext>
-    </p:extLst>
-  </p:cSld>
-  <p:clrMapOvr>
-    <a:masterClrMapping/>
-  </p:clrMapOvr>
-  <mc:AlternateContent xmlns:mc="http://schemas.openxmlformats.org/markup-compatibility/2006" xmlns:p14="http://schemas.microsoft.com/office/powerpoint/2010/main">
-    <mc:Choice Requires="p14">
-      <p:transition spd="med" p14:dur="700">
-        <p:fade/>
-      </p:transition>
-    </mc:Choice>
-    <mc:Fallback xmlns="">
-      <p:transition xmlns:p14="http://schemas.microsoft.com/office/powerpoint/2010/main" spd="med">
-        <p:fade/>
-      </p:transition>
-    </mc:Fallback>
-  </mc:AlternateContent>
-</p:sld>
-</file>
-
-<file path=ppt/slides/slide21.xml><?xml version="1.0" encoding="utf-8"?>
-<p:sld xmlns:a="http://schemas.openxmlformats.org/drawingml/2006/main" xmlns:r="http://schemas.openxmlformats.org/officeDocument/2006/relationships" xmlns:p="http://schemas.openxmlformats.org/presentationml/2006/main" showMasterSp="0">
-  <p:cSld>
-    <p:bg>
-      <p:bgPr>
-        <a:solidFill>
-          <a:srgbClr val="7030A0"/>
-        </a:solidFill>
-        <a:effectLst/>
-      </p:bgPr>
-    </p:bg>
-    <p:spTree>
-      <p:nvGrpSpPr>
-        <p:cNvPr id="1" name=""/>
-        <p:cNvGrpSpPr/>
-        <p:nvPr/>
-      </p:nvGrpSpPr>
-      <p:grpSpPr>
-        <a:xfrm>
-          <a:off x="0" y="0"/>
-          <a:ext cx="0" cy="0"/>
-          <a:chOff x="0" y="0"/>
-          <a:chExt cx="0" cy="0"/>
-        </a:xfrm>
-      </p:grpSpPr>
-      <p:sp>
-        <p:nvSpPr>
-          <p:cNvPr id="2" name="Title 1"/>
-          <p:cNvSpPr>
-            <a:spLocks noGrp="1"/>
-          </p:cNvSpPr>
-          <p:nvPr>
-            <p:ph type="ctrTitle"/>
-          </p:nvPr>
-        </p:nvSpPr>
-        <p:spPr>
-          <a:xfrm>
-            <a:off x="416425" y="1747520"/>
-            <a:ext cx="8280314" cy="970280"/>
-          </a:xfrm>
-        </p:spPr>
-        <p:txBody>
-          <a:bodyPr/>
-          <a:lstStyle/>
-          <a:p>
-            <a:r>
-              <a:rPr lang="en-US" dirty="0">
-                <a:solidFill>
-                  <a:schemeClr val="accent5">
-                    <a:lumMod val="40000"/>
-                    <a:lumOff val="60000"/>
-                  </a:schemeClr>
-                </a:solidFill>
-              </a:rPr>
-              <a:t>10.6 Module Practice and Quiz</a:t>
-            </a:r>
-          </a:p>
-        </p:txBody>
-      </p:sp>
-    </p:spTree>
-    <p:custDataLst>
-      <p:tags r:id="rId1"/>
-    </p:custDataLst>
-    <p:extLst>
-      <p:ext uri="{BB962C8B-B14F-4D97-AF65-F5344CB8AC3E}">
-        <p14:creationId xmlns:p14="http://schemas.microsoft.com/office/powerpoint/2010/main" val="410599242"/>
-      </p:ext>
-    </p:extLst>
-  </p:cSld>
-  <p:clrMapOvr>
-    <a:masterClrMapping/>
-  </p:clrMapOvr>
-  <p:transition spd="slow">
-    <p:wipe/>
-  </p:transition>
-</p:sld>
-</file>
-
-<file path=ppt/slides/slide22.xml><?xml version="1.0" encoding="utf-8"?>
-<p:sld xmlns:a="http://schemas.openxmlformats.org/drawingml/2006/main" xmlns:r="http://schemas.openxmlformats.org/officeDocument/2006/relationships" xmlns:p="http://schemas.openxmlformats.org/presentationml/2006/main" showMasterSp="0">
-  <p:cSld>
-    <p:bg>
-      <p:bgPr>
-        <a:solidFill>
-          <a:srgbClr val="7030A0"/>
+          <a:schemeClr val="bg1">
+            <a:alpha val="85000"/>
+          </a:schemeClr>
         </a:solidFill>
         <a:effectLst/>
       </p:bgPr>
@@ -29075,404 +28313,6 @@
               <a:rPr lang="en-US" dirty="0">
                 <a:latin typeface="Arial" charset="0"/>
               </a:rPr>
-              <a:t>What Did I Learn In This Module?</a:t>
-            </a:r>
-          </a:p>
-        </p:txBody>
-      </p:sp>
-      <p:sp>
-        <p:nvSpPr>
-          <p:cNvPr id="3" name="Content Placeholder 2">
-            <a:extLst>
-              <a:ext uri="{FF2B5EF4-FFF2-40B4-BE49-F238E27FC236}">
-                <a16:creationId xmlns:a16="http://schemas.microsoft.com/office/drawing/2014/main" id="{17413907-4807-1B49-B489-9746A3749D2D}"/>
-              </a:ext>
-            </a:extLst>
-          </p:cNvPr>
-          <p:cNvSpPr>
-            <a:spLocks noGrp="1"/>
-          </p:cNvSpPr>
-          <p:nvPr>
-            <p:ph idx="1"/>
-          </p:nvPr>
-        </p:nvSpPr>
-        <p:spPr>
-          <a:xfrm>
-            <a:off x="145357" y="675119"/>
-            <a:ext cx="8853286" cy="4155319"/>
-          </a:xfrm>
-        </p:spPr>
-        <p:txBody>
-          <a:bodyPr/>
-          <a:lstStyle/>
-          <a:p>
-            <a:pPr>
-              <a:spcBef>
-                <a:spcPts val="0"/>
-              </a:spcBef>
-              <a:spcAft>
-                <a:spcPts val="0"/>
-              </a:spcAft>
-              <a:buFont typeface="Arial" panose="020B0604020202020204" pitchFamily="34" charset="0"/>
-              <a:buChar char="•"/>
-            </a:pPr>
-            <a:r>
-              <a:rPr lang="en-US" sz="1600" dirty="0"/>
-              <a:t>Endpoints are particularly susceptible to malware-related attacks that originate through email or web browsing, such as DDOS, date breaches, and malware. These endpoints have typically used traditional host-based security features, such as antivirus/antimalware, host-based firewalls, and host-based intrusion prevention systems (HIPSs). Endpoints are best protected by a combination of NAC, host-based AMP software, an email security appliance (ESA), and a web security appliance (WSA).</a:t>
-            </a:r>
-          </a:p>
-          <a:p>
-            <a:pPr>
-              <a:spcBef>
-                <a:spcPts val="0"/>
-              </a:spcBef>
-              <a:spcAft>
-                <a:spcPts val="0"/>
-              </a:spcAft>
-              <a:buFont typeface="Arial" panose="020B0604020202020204" pitchFamily="34" charset="0"/>
-              <a:buChar char="•"/>
-            </a:pPr>
-            <a:r>
-              <a:rPr lang="en-US" sz="1600" dirty="0"/>
-              <a:t>AAA controls who is permitted to access a network (authenticate), what they can do while they are there (authorize), and to audit what actions they performed while accessing the network (accounting).</a:t>
-            </a:r>
-          </a:p>
-          <a:p>
-            <a:pPr>
-              <a:spcBef>
-                <a:spcPts val="0"/>
-              </a:spcBef>
-              <a:spcAft>
-                <a:spcPts val="0"/>
-              </a:spcAft>
-              <a:buFont typeface="Arial" panose="020B0604020202020204" pitchFamily="34" charset="0"/>
-              <a:buChar char="•"/>
-            </a:pPr>
-            <a:r>
-              <a:rPr lang="en-US" sz="1600" dirty="0"/>
-              <a:t>The IEEE 802.1X standard is a port-based access control and authentication protocol that restricts unauthorized workstations from connecting to a LAN through publicly accessible switch ports.</a:t>
-            </a:r>
-          </a:p>
-          <a:p>
-            <a:pPr>
-              <a:spcBef>
-                <a:spcPts val="0"/>
-              </a:spcBef>
-              <a:spcAft>
-                <a:spcPts val="0"/>
-              </a:spcAft>
-              <a:buFont typeface="Arial" panose="020B0604020202020204" pitchFamily="34" charset="0"/>
-              <a:buChar char="•"/>
-            </a:pPr>
-            <a:r>
-              <a:rPr lang="en-US" sz="1600" dirty="0"/>
-              <a:t>If Layer 2 is compromised, then all layers above it are also affected. The first step in mitigating attacks on the Layer 2 infrastructure is to understand the underlying operation of Layer 2 and the Layer 2 solutions: Port Security, DHCP Snooping, DAI, and IPSG. These won’t work unless management protocols are secured.</a:t>
-            </a:r>
-          </a:p>
-          <a:p>
-            <a:pPr marL="0" indent="0">
-              <a:spcBef>
-                <a:spcPts val="0"/>
-              </a:spcBef>
-              <a:spcAft>
-                <a:spcPts val="0"/>
-              </a:spcAft>
-              <a:buNone/>
-            </a:pPr>
-            <a:endParaRPr lang="en-US" sz="1400" dirty="0"/>
-          </a:p>
-        </p:txBody>
-      </p:sp>
-    </p:spTree>
-    <p:custDataLst>
-      <p:tags r:id="rId1"/>
-    </p:custDataLst>
-    <p:extLst>
-      <p:ext uri="{BB962C8B-B14F-4D97-AF65-F5344CB8AC3E}">
-        <p14:creationId xmlns:p14="http://schemas.microsoft.com/office/powerpoint/2010/main" val="2929623157"/>
-      </p:ext>
-    </p:extLst>
-  </p:cSld>
-  <p:clrMapOvr>
-    <a:masterClrMapping/>
-  </p:clrMapOvr>
-  <p:transition spd="slow">
-    <p:wipe/>
-  </p:transition>
-</p:sld>
-</file>
-
-<file path=ppt/slides/slide23.xml><?xml version="1.0" encoding="utf-8"?>
-<p:sld xmlns:a="http://schemas.openxmlformats.org/drawingml/2006/main" xmlns:r="http://schemas.openxmlformats.org/officeDocument/2006/relationships" xmlns:p="http://schemas.openxmlformats.org/presentationml/2006/main" showMasterSp="0">
-  <p:cSld>
-    <p:bg>
-      <p:bgPr>
-        <a:solidFill>
-          <a:srgbClr val="7030A0"/>
-        </a:solidFill>
-        <a:effectLst/>
-      </p:bgPr>
-    </p:bg>
-    <p:spTree>
-      <p:nvGrpSpPr>
-        <p:cNvPr id="1" name=""/>
-        <p:cNvGrpSpPr/>
-        <p:nvPr/>
-      </p:nvGrpSpPr>
-      <p:grpSpPr>
-        <a:xfrm>
-          <a:off x="0" y="0"/>
-          <a:ext cx="0" cy="0"/>
-          <a:chOff x="0" y="0"/>
-          <a:chExt cx="0" cy="0"/>
-        </a:xfrm>
-      </p:grpSpPr>
-      <p:sp>
-        <p:nvSpPr>
-          <p:cNvPr id="21505" name="Rectangle 2"/>
-          <p:cNvSpPr>
-            <a:spLocks noGrp="1" noChangeArrowheads="1"/>
-          </p:cNvSpPr>
-          <p:nvPr>
-            <p:ph type="title"/>
-          </p:nvPr>
-        </p:nvSpPr>
-        <p:spPr/>
-        <p:txBody>
-          <a:bodyPr/>
-          <a:lstStyle/>
-          <a:p>
-            <a:r>
-              <a:rPr lang="en-US" sz="1400" dirty="0">
-                <a:latin typeface="Arial" charset="0"/>
-              </a:rPr>
-              <a:t>Module Practice and Quiz</a:t>
-            </a:r>
-            <a:br>
-              <a:rPr lang="en-US" dirty="0">
-                <a:latin typeface="Arial" charset="0"/>
-              </a:rPr>
-            </a:br>
-            <a:r>
-              <a:rPr lang="en-US" dirty="0">
-                <a:latin typeface="Arial" charset="0"/>
-              </a:rPr>
-              <a:t>What Did I Learn In This Module? (Cont.)</a:t>
-            </a:r>
-          </a:p>
-        </p:txBody>
-      </p:sp>
-      <p:sp>
-        <p:nvSpPr>
-          <p:cNvPr id="3" name="Content Placeholder 2">
-            <a:extLst>
-              <a:ext uri="{FF2B5EF4-FFF2-40B4-BE49-F238E27FC236}">
-                <a16:creationId xmlns:a16="http://schemas.microsoft.com/office/drawing/2014/main" id="{17413907-4807-1B49-B489-9746A3749D2D}"/>
-              </a:ext>
-            </a:extLst>
-          </p:cNvPr>
-          <p:cNvSpPr>
-            <a:spLocks noGrp="1"/>
-          </p:cNvSpPr>
-          <p:nvPr>
-            <p:ph idx="1"/>
-          </p:nvPr>
-        </p:nvSpPr>
-        <p:spPr/>
-        <p:txBody>
-          <a:bodyPr/>
-          <a:lstStyle/>
-          <a:p>
-            <a:pPr>
-              <a:spcBef>
-                <a:spcPts val="0"/>
-              </a:spcBef>
-              <a:spcAft>
-                <a:spcPts val="0"/>
-              </a:spcAft>
-              <a:buFont typeface="Arial" panose="020B0604020202020204" pitchFamily="34" charset="0"/>
-              <a:buChar char="•"/>
-            </a:pPr>
-            <a:r>
-              <a:rPr lang="en-US" sz="1600" dirty="0"/>
-              <a:t>MAC address flooding attacks bombard the switch with fake source MAC addresses until the switch MAC address table is full.</a:t>
-            </a:r>
-          </a:p>
-          <a:p>
-            <a:pPr>
-              <a:spcBef>
-                <a:spcPts val="0"/>
-              </a:spcBef>
-              <a:spcAft>
-                <a:spcPts val="0"/>
-              </a:spcAft>
-              <a:buFont typeface="Arial" panose="020B0604020202020204" pitchFamily="34" charset="0"/>
-              <a:buChar char="•"/>
-            </a:pPr>
-            <a:r>
-              <a:rPr lang="en-US" sz="1600" dirty="0"/>
-              <a:t>A VLAN hopping attack enables traffic from one VLAN to be seen by another VLAN without the aid of a router.</a:t>
-            </a:r>
-          </a:p>
-          <a:p>
-            <a:pPr>
-              <a:spcBef>
-                <a:spcPts val="0"/>
-              </a:spcBef>
-              <a:spcAft>
-                <a:spcPts val="0"/>
-              </a:spcAft>
-              <a:buFont typeface="Arial" panose="020B0604020202020204" pitchFamily="34" charset="0"/>
-              <a:buChar char="•"/>
-            </a:pPr>
-            <a:r>
-              <a:rPr lang="en-US" sz="1600" dirty="0"/>
-              <a:t>A VLAN double-tagging attack is unidirectional and works only when the threat actor is connected to a port residing in the same VLAN as the native VLAN of the trunk port.</a:t>
-            </a:r>
-          </a:p>
-          <a:p>
-            <a:pPr>
-              <a:buFont typeface="Arial" panose="020B0604020202020204" pitchFamily="34" charset="0"/>
-              <a:buChar char="•"/>
-            </a:pPr>
-            <a:r>
-              <a:rPr lang="en-US" sz="1600" dirty="0"/>
-              <a:t>VLAN hopping and VLAN double-tagging attacks can be prevented by implementing the following trunk security guidelines:</a:t>
-            </a:r>
-          </a:p>
-          <a:p>
-            <a:pPr lvl="1">
-              <a:buFont typeface="Arial" panose="020B0604020202020204" pitchFamily="34" charset="0"/>
-              <a:buChar char="•"/>
-            </a:pPr>
-            <a:r>
-              <a:rPr lang="en-US" sz="1600" dirty="0"/>
-              <a:t>Disable trunking on all access ports.</a:t>
-            </a:r>
-          </a:p>
-          <a:p>
-            <a:pPr lvl="1">
-              <a:buFont typeface="Arial" panose="020B0604020202020204" pitchFamily="34" charset="0"/>
-              <a:buChar char="•"/>
-            </a:pPr>
-            <a:r>
-              <a:rPr lang="en-US" sz="1600" dirty="0"/>
-              <a:t>Disable auto trunking on trunk links so that trunks must be manually enabled.</a:t>
-            </a:r>
-          </a:p>
-          <a:p>
-            <a:pPr lvl="1">
-              <a:buFont typeface="Arial" panose="020B0604020202020204" pitchFamily="34" charset="0"/>
-              <a:buChar char="•"/>
-            </a:pPr>
-            <a:r>
-              <a:rPr lang="en-US" sz="1600" dirty="0"/>
-              <a:t>Be sure that the native VLAN is only used for trunk links.</a:t>
-            </a:r>
-          </a:p>
-          <a:p>
-            <a:pPr>
-              <a:spcBef>
-                <a:spcPts val="0"/>
-              </a:spcBef>
-              <a:spcAft>
-                <a:spcPts val="0"/>
-              </a:spcAft>
-              <a:buFont typeface="Arial" panose="020B0604020202020204" pitchFamily="34" charset="0"/>
-              <a:buChar char="•"/>
-            </a:pPr>
-            <a:r>
-              <a:rPr lang="en-US" sz="1600" dirty="0"/>
-              <a:t>Two types of DHCP attacks are DHCP starvation and DHCP spoofing. Both attacks are mitigated by implementing DHCP snooping.</a:t>
-            </a:r>
-          </a:p>
-          <a:p>
-            <a:pPr>
-              <a:spcBef>
-                <a:spcPts val="0"/>
-              </a:spcBef>
-              <a:spcAft>
-                <a:spcPts val="0"/>
-              </a:spcAft>
-            </a:pPr>
-            <a:endParaRPr lang="en-US" sz="1400" dirty="0"/>
-          </a:p>
-        </p:txBody>
-      </p:sp>
-    </p:spTree>
-    <p:custDataLst>
-      <p:tags r:id="rId1"/>
-    </p:custDataLst>
-    <p:extLst>
-      <p:ext uri="{BB962C8B-B14F-4D97-AF65-F5344CB8AC3E}">
-        <p14:creationId xmlns:p14="http://schemas.microsoft.com/office/powerpoint/2010/main" val="257687084"/>
-      </p:ext>
-    </p:extLst>
-  </p:cSld>
-  <p:clrMapOvr>
-    <a:masterClrMapping/>
-  </p:clrMapOvr>
-  <p:transition spd="slow">
-    <p:wipe/>
-  </p:transition>
-</p:sld>
-</file>
-
-<file path=ppt/slides/slide24.xml><?xml version="1.0" encoding="utf-8"?>
-<p:sld xmlns:a="http://schemas.openxmlformats.org/drawingml/2006/main" xmlns:r="http://schemas.openxmlformats.org/officeDocument/2006/relationships" xmlns:p="http://schemas.openxmlformats.org/presentationml/2006/main" showMasterSp="0">
-  <p:cSld>
-    <p:bg>
-      <p:bgPr>
-        <a:solidFill>
-          <a:srgbClr val="7030A0"/>
-        </a:solidFill>
-        <a:effectLst/>
-      </p:bgPr>
-    </p:bg>
-    <p:spTree>
-      <p:nvGrpSpPr>
-        <p:cNvPr id="1" name=""/>
-        <p:cNvGrpSpPr/>
-        <p:nvPr/>
-      </p:nvGrpSpPr>
-      <p:grpSpPr>
-        <a:xfrm>
-          <a:off x="0" y="0"/>
-          <a:ext cx="0" cy="0"/>
-          <a:chOff x="0" y="0"/>
-          <a:chExt cx="0" cy="0"/>
-        </a:xfrm>
-      </p:grpSpPr>
-      <p:sp>
-        <p:nvSpPr>
-          <p:cNvPr id="21505" name="Rectangle 2"/>
-          <p:cNvSpPr>
-            <a:spLocks noGrp="1" noChangeArrowheads="1"/>
-          </p:cNvSpPr>
-          <p:nvPr>
-            <p:ph type="title"/>
-          </p:nvPr>
-        </p:nvSpPr>
-        <p:spPr/>
-        <p:txBody>
-          <a:bodyPr/>
-          <a:lstStyle/>
-          <a:p>
-            <a:r>
-              <a:rPr lang="en-US" sz="1400" dirty="0">
-                <a:latin typeface="Arial" charset="0"/>
-              </a:rPr>
-              <a:t>Module Practice and Quiz</a:t>
-            </a:r>
-            <a:br>
-              <a:rPr lang="en-US" dirty="0">
-                <a:latin typeface="Arial" charset="0"/>
-              </a:rPr>
-            </a:br>
-            <a:r>
-              <a:rPr lang="en-US" dirty="0">
-                <a:latin typeface="Arial" charset="0"/>
-              </a:rPr>
               <a:t>What Did I Learn In This Module? (Cont.)</a:t>
             </a:r>
           </a:p>
@@ -29588,13 +28428,15 @@
 </p:sld>
 </file>
 
-<file path=ppt/slides/slide25.xml><?xml version="1.0" encoding="utf-8"?>
+<file path=ppt/slides/slide21.xml><?xml version="1.0" encoding="utf-8"?>
 <p:sld xmlns:a="http://schemas.openxmlformats.org/drawingml/2006/main" xmlns:r="http://schemas.openxmlformats.org/officeDocument/2006/relationships" xmlns:p="http://schemas.openxmlformats.org/presentationml/2006/main" showMasterSp="0" show="0">
   <p:cSld>
     <p:bg>
       <p:bgPr>
         <a:solidFill>
-          <a:srgbClr val="7030A0"/>
+          <a:schemeClr val="bg1">
+            <a:alpha val="85000"/>
+          </a:schemeClr>
         </a:solidFill>
         <a:effectLst/>
       </p:bgPr>
@@ -30471,13 +29313,15 @@
 </p:sld>
 </file>
 
-<file path=ppt/slides/slide26.xml><?xml version="1.0" encoding="utf-8"?>
+<file path=ppt/slides/slide22.xml><?xml version="1.0" encoding="utf-8"?>
 <p:sld xmlns:a="http://schemas.openxmlformats.org/drawingml/2006/main" xmlns:r="http://schemas.openxmlformats.org/officeDocument/2006/relationships" xmlns:p="http://schemas.openxmlformats.org/presentationml/2006/main" showMasterSp="0">
   <p:cSld>
     <p:bg>
       <p:bgPr>
         <a:solidFill>
-          <a:srgbClr val="7030A0"/>
+          <a:schemeClr val="bg1">
+            <a:alpha val="85000"/>
+          </a:schemeClr>
         </a:solidFill>
         <a:effectLst/>
       </p:bgPr>
@@ -30521,7 +29365,9 @@
     <p:bg>
       <p:bgPr>
         <a:solidFill>
-          <a:srgbClr val="7030A0"/>
+          <a:schemeClr val="bg1">
+            <a:alpha val="85000"/>
+          </a:schemeClr>
         </a:solidFill>
         <a:effectLst/>
       </p:bgPr>
@@ -30989,7 +29835,9 @@
     <p:bg>
       <p:bgPr>
         <a:solidFill>
-          <a:srgbClr val="7030A0"/>
+          <a:schemeClr val="bg1">
+            <a:alpha val="85000"/>
+          </a:schemeClr>
         </a:solidFill>
         <a:effectLst/>
       </p:bgPr>
@@ -31478,7 +30326,9 @@
     <p:bg>
       <p:bgPr>
         <a:solidFill>
-          <a:srgbClr val="7030A0"/>
+          <a:schemeClr val="bg1">
+            <a:alpha val="85000"/>
+          </a:schemeClr>
         </a:solidFill>
         <a:effectLst/>
       </p:bgPr>
@@ -31526,7 +30376,7 @@
                   </a:schemeClr>
                 </a:solidFill>
               </a:rPr>
-              <a:t>10.4 MAC Address Table Attack</a:t>
+              <a:t>10.5 LAN Attacks</a:t>
             </a:r>
           </a:p>
         </p:txBody>
@@ -31537,7 +30387,7 @@
     </p:custDataLst>
     <p:extLst>
       <p:ext uri="{BB962C8B-B14F-4D97-AF65-F5344CB8AC3E}">
-        <p14:creationId xmlns:p14="http://schemas.microsoft.com/office/powerpoint/2010/main" val="2518598079"/>
+        <p14:creationId xmlns:p14="http://schemas.microsoft.com/office/powerpoint/2010/main" val="2732502007"/>
       </p:ext>
     </p:extLst>
   </p:cSld>
@@ -31556,7 +30406,9 @@
     <p:bg>
       <p:bgPr>
         <a:solidFill>
-          <a:srgbClr val="7030A0"/>
+          <a:schemeClr val="bg1">
+            <a:alpha val="85000"/>
+          </a:schemeClr>
         </a:solidFill>
         <a:effectLst/>
       </p:bgPr>
@@ -31603,24 +30455,24 @@
           <a:p>
             <a:r>
               <a:rPr lang="en-US" sz="1600" dirty="0"/>
-              <a:t>MAC Address Table Attack</a:t>
+              <a:t>LAN Attacks</a:t>
             </a:r>
             <a:br>
               <a:rPr lang="en-US" dirty="0"/>
             </a:br>
             <a:r>
               <a:rPr lang="en-US" sz="2400" dirty="0"/>
-              <a:t>Switch Operation Review</a:t>
+              <a:t>Video – VLAN and DHCP Attacks</a:t>
             </a:r>
           </a:p>
         </p:txBody>
       </p:sp>
       <p:sp>
         <p:nvSpPr>
-          <p:cNvPr id="4" name="Content Placeholder 3">
+          <p:cNvPr id="5" name="Content Placeholder 4">
             <a:extLst>
               <a:ext uri="{FF2B5EF4-FFF2-40B4-BE49-F238E27FC236}">
-                <a16:creationId xmlns:a16="http://schemas.microsoft.com/office/drawing/2014/main" id="{46383689-36A9-814E-A9D3-28285BD1A65F}"/>
+                <a16:creationId xmlns:a16="http://schemas.microsoft.com/office/drawing/2014/main" id="{2A0034F6-AAB1-384F-9110-1C872704588C}"/>
               </a:ext>
             </a:extLst>
           </p:cNvPr>
@@ -31634,59 +30486,85 @@
         <p:spPr>
           <a:xfrm>
             <a:off x="474662" y="763736"/>
-            <a:ext cx="8280057" cy="1226989"/>
+            <a:ext cx="8280057" cy="3657998"/>
           </a:xfrm>
         </p:spPr>
         <p:txBody>
           <a:bodyPr/>
           <a:lstStyle/>
           <a:p>
-            <a:pPr marL="0" indent="0" algn="l"/>
+            <a:pPr algn="l"/>
             <a:r>
-              <a:rPr lang="en-US" sz="1600" dirty="0">
+              <a:rPr lang="en-US" sz="1800" dirty="0">
                 <a:solidFill>
                   <a:srgbClr val="000000"/>
                 </a:solidFill>
               </a:rPr>
-              <a:t>Recall that to make forwarding decisions, a Layer 2 LAN switch builds a table based on the source MAC addresses in received frames. This is called a MAC address table. MAC address tables are stored in memory and are used to more efficiently switch frames.</a:t>
+              <a:t>This video will cover the following:</a:t>
+            </a:r>
+          </a:p>
+          <a:p>
+            <a:pPr marL="285750" indent="-285750" algn="l">
+              <a:buFont typeface="Arial" panose="020B0604020202020204" pitchFamily="34" charset="0"/>
+              <a:buChar char="•"/>
+            </a:pPr>
+            <a:r>
+              <a:rPr lang="en-US" sz="1800" dirty="0">
+                <a:solidFill>
+                  <a:srgbClr val="000000"/>
+                </a:solidFill>
+              </a:rPr>
+              <a:t>VLAN Hopping Attack</a:t>
+            </a:r>
+          </a:p>
+          <a:p>
+            <a:pPr marL="285750" indent="-285750" algn="l">
+              <a:buFont typeface="Arial" panose="020B0604020202020204" pitchFamily="34" charset="0"/>
+              <a:buChar char="•"/>
+            </a:pPr>
+            <a:r>
+              <a:rPr lang="en-US" sz="1800" dirty="0">
+                <a:solidFill>
+                  <a:srgbClr val="000000"/>
+                </a:solidFill>
+              </a:rPr>
+              <a:t>VLAN Double-Tagging Attack</a:t>
+            </a:r>
+          </a:p>
+          <a:p>
+            <a:pPr marL="285750" indent="-285750" algn="l">
+              <a:buFont typeface="Arial" panose="020B0604020202020204" pitchFamily="34" charset="0"/>
+              <a:buChar char="•"/>
+            </a:pPr>
+            <a:r>
+              <a:rPr lang="en-US" sz="1800" dirty="0">
+                <a:solidFill>
+                  <a:srgbClr val="000000"/>
+                </a:solidFill>
+              </a:rPr>
+              <a:t>DHCP Starvation Attack</a:t>
+            </a:r>
+          </a:p>
+          <a:p>
+            <a:pPr marL="285750" indent="-285750" algn="l">
+              <a:buFont typeface="Arial" panose="020B0604020202020204" pitchFamily="34" charset="0"/>
+              <a:buChar char="•"/>
+            </a:pPr>
+            <a:r>
+              <a:rPr lang="en-US" sz="1800" dirty="0">
+                <a:solidFill>
+                  <a:srgbClr val="000000"/>
+                </a:solidFill>
+              </a:rPr>
+              <a:t>DHCP Spoofing Attack</a:t>
             </a:r>
           </a:p>
         </p:txBody>
       </p:sp>
-      <p:pic>
-        <p:nvPicPr>
-          <p:cNvPr id="7" name="Picture 6">
-            <a:extLst>
-              <a:ext uri="{FF2B5EF4-FFF2-40B4-BE49-F238E27FC236}">
-                <a16:creationId xmlns:a16="http://schemas.microsoft.com/office/drawing/2014/main" id="{BDD27C88-39C9-284B-8FEF-548FD631CC23}"/>
-              </a:ext>
-            </a:extLst>
-          </p:cNvPr>
-          <p:cNvPicPr>
-            <a:picLocks noChangeAspect="1"/>
-          </p:cNvPicPr>
-          <p:nvPr/>
-        </p:nvPicPr>
-        <p:blipFill>
-          <a:blip r:embed="rId3"/>
-          <a:stretch>
-            <a:fillRect/>
-          </a:stretch>
-        </p:blipFill>
-        <p:spPr>
-          <a:xfrm>
-            <a:off x="1008653" y="2067647"/>
-            <a:ext cx="7126695" cy="2078182"/>
-          </a:xfrm>
-          <a:prstGeom prst="rect">
-            <a:avLst/>
-          </a:prstGeom>
-        </p:spPr>
-      </p:pic>
     </p:spTree>
     <p:extLst>
       <p:ext uri="{BB962C8B-B14F-4D97-AF65-F5344CB8AC3E}">
-        <p14:creationId xmlns:p14="http://schemas.microsoft.com/office/powerpoint/2010/main" val="647621406"/>
+        <p14:creationId xmlns:p14="http://schemas.microsoft.com/office/powerpoint/2010/main" val="3658379024"/>
       </p:ext>
     </p:extLst>
   </p:cSld>
@@ -31714,7 +30592,9 @@
     <p:bg>
       <p:bgPr>
         <a:solidFill>
-          <a:srgbClr val="7030A0"/>
+          <a:schemeClr val="bg1">
+            <a:alpha val="85000"/>
+          </a:schemeClr>
         </a:solidFill>
         <a:effectLst/>
       </p:bgPr>
@@ -31761,14 +30641,14 @@
           <a:p>
             <a:r>
               <a:rPr lang="en-US" sz="1600" dirty="0"/>
-              <a:t>MAC Address Table Attack</a:t>
+              <a:t>LAN Attacks</a:t>
             </a:r>
             <a:br>
               <a:rPr lang="en-US" dirty="0"/>
             </a:br>
             <a:r>
               <a:rPr lang="en-US" sz="2400" dirty="0"/>
-              <a:t>MAC Address Table Flooding</a:t>
+              <a:t>VLAN Hopping Attacks</a:t>
             </a:r>
           </a:p>
         </p:txBody>
@@ -31778,7 +30658,7 @@
           <p:cNvPr id="4" name="Content Placeholder 3">
             <a:extLst>
               <a:ext uri="{FF2B5EF4-FFF2-40B4-BE49-F238E27FC236}">
-                <a16:creationId xmlns:a16="http://schemas.microsoft.com/office/drawing/2014/main" id="{46383689-36A9-814E-A9D3-28285BD1A65F}"/>
+                <a16:creationId xmlns:a16="http://schemas.microsoft.com/office/drawing/2014/main" id="{3B0A4675-4A69-B140-965F-8EBF6E6ACFA6}"/>
               </a:ext>
             </a:extLst>
           </p:cNvPr>
@@ -31791,8 +30671,8 @@
         </p:nvSpPr>
         <p:spPr>
           <a:xfrm>
-            <a:off x="474662" y="763736"/>
-            <a:ext cx="8280057" cy="2563292"/>
+            <a:off x="200026" y="763736"/>
+            <a:ext cx="4557326" cy="3657998"/>
           </a:xfrm>
         </p:spPr>
         <p:txBody>
@@ -31801,46 +30681,35 @@
           <a:p>
             <a:pPr marL="0" indent="0" algn="l"/>
             <a:r>
-              <a:rPr lang="en-US" sz="1600" dirty="0">
+              <a:rPr lang="en-US" sz="1500" dirty="0">
                 <a:solidFill>
                   <a:srgbClr val="000000"/>
                 </a:solidFill>
               </a:rPr>
-              <a:t>All MAC tables have a fixed size and consequently, a switch can run out of resources in which to store MAC addresses. MAC address flooding attacks take advantage of this limitation by bombarding the switch with fake source MAC addresses until the switch MAC address table is full.</a:t>
+              <a:t>A VLAN hopping attack enables traffic from one VLAN to be seen by another VLAN without the aid of a router. In a basic VLAN hopping attack, the threat actor configures a host to act like a switch to take advantage of the automatic trunking port feature enabled by default on most switch ports.</a:t>
             </a:r>
+          </a:p>
+          <a:p>
+            <a:pPr marL="0" indent="0" algn="l"/>
+            <a:endParaRPr lang="en-US" sz="1500" dirty="0">
+              <a:solidFill>
+                <a:srgbClr val="000000"/>
+              </a:solidFill>
+            </a:endParaRPr>
           </a:p>
           <a:p>
             <a:pPr marL="0" indent="0" algn="l"/>
             <a:r>
-              <a:rPr lang="en-US" sz="1600" dirty="0">
+              <a:rPr lang="en-US" sz="1500" dirty="0">
                 <a:solidFill>
                   <a:srgbClr val="000000"/>
                 </a:solidFill>
               </a:rPr>
-              <a:t>When this occurs, the switch treats the frame as an unknown unicast and begins to flood all incoming traffic out all ports on the same VLAN without referencing the MAC table. This condition now allows a threat actor to capture all of the frames sent from one host to another on the local LAN or local VLAN.</a:t>
+              <a:t>The threat actor configures the host to spoof 802.1Q signaling and Cisco-proprietary Dynamic Trunking Protocol (DTP) signaling to trunk with the connecting switch. If successful, the switch establishes a trunk link with the host, as shown in the figure. Now the threat actor can access all the VLANs on the switch. The threat actor can send and receive traffic on any VLAN, effectively hopping between VLANs.</a:t>
             </a:r>
           </a:p>
           <a:p>
-            <a:pPr marL="0" indent="0" algn="l"/>
-            <a:r>
-              <a:rPr lang="en-US" sz="1400" b="1" dirty="0">
-                <a:solidFill>
-                  <a:srgbClr val="000000"/>
-                </a:solidFill>
-              </a:rPr>
-              <a:t>Note</a:t>
-            </a:r>
-            <a:r>
-              <a:rPr lang="en-US" sz="1400" dirty="0">
-                <a:solidFill>
-                  <a:srgbClr val="000000"/>
-                </a:solidFill>
-              </a:rPr>
-              <a:t>: Traffic is flooded only within the local LAN or VLAN. The threat actor can only capture traffic within the local LAN or VLAN to which the threat actor is connected.</a:t>
-            </a:r>
-          </a:p>
-          <a:p>
-            <a:pPr marL="285750" indent="-285750" algn="l">
+            <a:pPr marL="342900" indent="-342900" algn="l">
               <a:buFont typeface="Arial" panose="020B0604020202020204" pitchFamily="34" charset="0"/>
               <a:buChar char="•"/>
             </a:pPr>
@@ -31854,10 +30723,10 @@
       </p:sp>
       <p:pic>
         <p:nvPicPr>
-          <p:cNvPr id="5" name="Picture 4">
+          <p:cNvPr id="7" name="Picture 6">
             <a:extLst>
               <a:ext uri="{FF2B5EF4-FFF2-40B4-BE49-F238E27FC236}">
-                <a16:creationId xmlns:a16="http://schemas.microsoft.com/office/drawing/2014/main" id="{C0395C25-8E0B-6341-945A-114ACC3B9118}"/>
+                <a16:creationId xmlns:a16="http://schemas.microsoft.com/office/drawing/2014/main" id="{15B65ED4-6166-0049-9C4F-C32B940BCD6D}"/>
               </a:ext>
             </a:extLst>
           </p:cNvPr>
@@ -31874,8 +30743,8 @@
         </p:blipFill>
         <p:spPr>
           <a:xfrm>
-            <a:off x="1624698" y="3327028"/>
-            <a:ext cx="4132133" cy="1534240"/>
+            <a:off x="4876968" y="1305783"/>
+            <a:ext cx="3996618" cy="2178822"/>
           </a:xfrm>
           <a:prstGeom prst="rect">
             <a:avLst/>
@@ -31885,7 +30754,7 @@
     </p:spTree>
     <p:extLst>
       <p:ext uri="{BB962C8B-B14F-4D97-AF65-F5344CB8AC3E}">
-        <p14:creationId xmlns:p14="http://schemas.microsoft.com/office/powerpoint/2010/main" val="3899849418"/>
+        <p14:creationId xmlns:p14="http://schemas.microsoft.com/office/powerpoint/2010/main" val="3049657898"/>
       </p:ext>
     </p:extLst>
   </p:cSld>
@@ -31913,7 +30782,9 @@
     <p:bg>
       <p:bgPr>
         <a:solidFill>
-          <a:srgbClr val="7030A0"/>
+          <a:schemeClr val="bg1">
+            <a:alpha val="85000"/>
+          </a:schemeClr>
         </a:solidFill>
         <a:effectLst/>
       </p:bgPr>
@@ -31960,24 +30831,24 @@
           <a:p>
             <a:r>
               <a:rPr lang="en-US" sz="1600" dirty="0"/>
-              <a:t>MAC Address Table Attack</a:t>
+              <a:t>LAN Attacks</a:t>
             </a:r>
             <a:br>
               <a:rPr lang="en-US" dirty="0"/>
             </a:br>
             <a:r>
               <a:rPr lang="en-US" sz="2400" dirty="0"/>
-              <a:t>MAC Address Table Attack Mitigation</a:t>
+              <a:t>VLAN Double-Tagging Attacks</a:t>
             </a:r>
           </a:p>
         </p:txBody>
       </p:sp>
       <p:sp>
         <p:nvSpPr>
-          <p:cNvPr id="4" name="Content Placeholder 3">
+          <p:cNvPr id="5" name="Content Placeholder 4">
             <a:extLst>
               <a:ext uri="{FF2B5EF4-FFF2-40B4-BE49-F238E27FC236}">
-                <a16:creationId xmlns:a16="http://schemas.microsoft.com/office/drawing/2014/main" id="{46383689-36A9-814E-A9D3-28285BD1A65F}"/>
+                <a16:creationId xmlns:a16="http://schemas.microsoft.com/office/drawing/2014/main" id="{673C65D5-FC37-3B43-A2FC-291F60391501}"/>
               </a:ext>
             </a:extLst>
           </p:cNvPr>
@@ -31990,8 +30861,8 @@
         </p:nvSpPr>
         <p:spPr>
           <a:xfrm>
-            <a:off x="474662" y="763736"/>
-            <a:ext cx="8280057" cy="3657998"/>
+            <a:off x="219076" y="763736"/>
+            <a:ext cx="8535644" cy="3657998"/>
           </a:xfrm>
         </p:spPr>
         <p:txBody>
@@ -32000,82 +30871,78 @@
           <a:p>
             <a:pPr marL="0" indent="0" algn="l"/>
             <a:r>
-              <a:rPr lang="en-US" sz="1600" dirty="0">
+              <a:rPr lang="en-US" sz="1500" dirty="0">
                 <a:solidFill>
                   <a:srgbClr val="000000"/>
                 </a:solidFill>
               </a:rPr>
-              <a:t>What makes tools such as </a:t>
+              <a:t>A threat actor is specific situations could embed a hidden 802.1Q tag inside the frame that already has an 802.1Q tag. This tag allows the frame to go to a VLAN that the original 802.1Q tag did not specify.</a:t>
+            </a:r>
+          </a:p>
+          <a:p>
+            <a:pPr marL="285750" indent="-285750" algn="l">
+              <a:buFont typeface="Arial" panose="020B0604020202020204" pitchFamily="34" charset="0"/>
+              <a:buChar char="•"/>
+            </a:pPr>
+            <a:r>
+              <a:rPr lang="en-US" sz="1500" b="1" dirty="0">
+                <a:solidFill>
+                  <a:srgbClr val="000000"/>
+                </a:solidFill>
+              </a:rPr>
+              <a:t>Step 1: </a:t>
             </a:r>
             <a:r>
-              <a:rPr lang="en-US" sz="1600" b="1" dirty="0">
+              <a:rPr lang="en-US" sz="1500" dirty="0">
                 <a:solidFill>
                   <a:srgbClr val="000000"/>
                 </a:solidFill>
               </a:rPr>
-              <a:t>macof</a:t>
+              <a:t>The threat actor sends a double-tagged 802.1Q frame to the switch. The outer header has the VLAN tag of the threat actor, which is the same as the native VLAN of the trunk port.</a:t>
+            </a:r>
+          </a:p>
+          <a:p>
+            <a:pPr marL="285750" indent="-285750" algn="l">
+              <a:buFont typeface="Arial" panose="020B0604020202020204" pitchFamily="34" charset="0"/>
+              <a:buChar char="•"/>
+            </a:pPr>
+            <a:r>
+              <a:rPr lang="en-US" sz="1500" b="1" dirty="0">
+                <a:solidFill>
+                  <a:srgbClr val="000000"/>
+                </a:solidFill>
+              </a:rPr>
+              <a:t>Step 2</a:t>
             </a:r>
             <a:r>
-              <a:rPr lang="en-US" sz="1600" dirty="0">
+              <a:rPr lang="en-US" sz="1500" dirty="0">
                 <a:solidFill>
                   <a:srgbClr val="000000"/>
                 </a:solidFill>
               </a:rPr>
-              <a:t> so dangerous is that an attacker can create a MAC table overflow attack very quickly. For instance, a Catalyst 6500 switch can store 132,000 MAC addresses in its MAC address table. A tool such as </a:t>
+              <a:t>: The frame arrives on the first switch, which looks at the first 4-byte 802.1Q tag. The switch sees that the frame is destined for the native VLAN. The switch forwards the packet out all native VLAN ports after stripping the VLAN tag. The frame is not retagged because it is part of the native VLAN. At this point, the inner VLAN tag is still intact and has not been inspected by the first switch.</a:t>
+            </a:r>
+          </a:p>
+          <a:p>
+            <a:pPr marL="285750" indent="-285750" algn="l">
+              <a:buFont typeface="Arial" panose="020B0604020202020204" pitchFamily="34" charset="0"/>
+              <a:buChar char="•"/>
+            </a:pPr>
+            <a:r>
+              <a:rPr lang="en-US" sz="1500" b="1" dirty="0">
+                <a:solidFill>
+                  <a:srgbClr val="000000"/>
+                </a:solidFill>
+              </a:rPr>
+              <a:t>Step 3</a:t>
             </a:r>
             <a:r>
-              <a:rPr lang="en-US" sz="1600" b="1" dirty="0">
+              <a:rPr lang="en-US" sz="1500" dirty="0">
                 <a:solidFill>
                   <a:srgbClr val="000000"/>
                 </a:solidFill>
               </a:rPr>
-              <a:t>macof</a:t>
-            </a:r>
-            <a:r>
-              <a:rPr lang="en-US" sz="1600" dirty="0">
-                <a:solidFill>
-                  <a:srgbClr val="000000"/>
-                </a:solidFill>
-              </a:rPr>
-              <a:t> can flood a switch with up to 8,000 bogus frames per second; creating a MAC address table overflow attack in a matter of a few seconds.</a:t>
-            </a:r>
-          </a:p>
-          <a:p>
-            <a:pPr marL="0" indent="0" algn="l"/>
-            <a:endParaRPr lang="en-US" sz="1600" dirty="0">
-              <a:solidFill>
-                <a:srgbClr val="000000"/>
-              </a:solidFill>
-            </a:endParaRPr>
-          </a:p>
-          <a:p>
-            <a:pPr marL="0" indent="0" algn="l"/>
-            <a:r>
-              <a:rPr lang="en-US" sz="1600" dirty="0">
-                <a:solidFill>
-                  <a:srgbClr val="000000"/>
-                </a:solidFill>
-              </a:rPr>
-              <a:t>Another reason why these attack tools are dangerous is because they not only affect the local switch, they can also affect other connected Layer 2 switches. When the MAC address table of a switch is full, it starts flooding out all ports including those connected to other Layer 2 switches.</a:t>
-            </a:r>
-          </a:p>
-          <a:p>
-            <a:pPr marL="0" indent="0" algn="l"/>
-            <a:endParaRPr lang="en-US" sz="1600" dirty="0">
-              <a:solidFill>
-                <a:srgbClr val="000000"/>
-              </a:solidFill>
-            </a:endParaRPr>
-          </a:p>
-          <a:p>
-            <a:pPr marL="0" indent="0" algn="l"/>
-            <a:r>
-              <a:rPr lang="en-US" sz="1600" dirty="0">
-                <a:solidFill>
-                  <a:srgbClr val="000000"/>
-                </a:solidFill>
-              </a:rPr>
-              <a:t>To mitigate MAC address table overflow attacks, network administrators must implement port security. Port security will only allow a specified number of source MAC addresses to be learned on the port. Port security is further discussed in another module.</a:t>
+              <a:t>: The frame arrives at the second switch which has no knowledge that it was supposed to be for the native VLAN. Native VLAN traffic is not tagged by the sending switch as specified in the 802.1Q specification. The second switch looks only at the inner 802.1Q tag that the threat actor inserted and sees that the frame is destined the target VLAN. The second switch sends the frame on to the target or floods it, depending on whether there is an existing MAC address table entry for the target.</a:t>
             </a:r>
           </a:p>
         </p:txBody>
@@ -32083,7 +30950,7 @@
     </p:spTree>
     <p:extLst>
       <p:ext uri="{BB962C8B-B14F-4D97-AF65-F5344CB8AC3E}">
-        <p14:creationId xmlns:p14="http://schemas.microsoft.com/office/powerpoint/2010/main" val="4196439410"/>
+        <p14:creationId xmlns:p14="http://schemas.microsoft.com/office/powerpoint/2010/main" val="2448834523"/>
       </p:ext>
     </p:extLst>
   </p:cSld>
@@ -32111,7 +30978,9 @@
     <p:bg>
       <p:bgPr>
         <a:solidFill>
-          <a:srgbClr val="7030A0"/>
+          <a:schemeClr val="bg1">
+            <a:alpha val="85000"/>
+          </a:schemeClr>
         </a:solidFill>
         <a:effectLst/>
       </p:bgPr>
@@ -32132,18 +31001,24 @@
       </p:grpSpPr>
       <p:sp>
         <p:nvSpPr>
-          <p:cNvPr id="2" name="Title 1"/>
+          <p:cNvPr id="3" name="Title 2">
+            <a:extLst>
+              <a:ext uri="{FF2B5EF4-FFF2-40B4-BE49-F238E27FC236}">
+                <a16:creationId xmlns:a16="http://schemas.microsoft.com/office/drawing/2014/main" id="{C02AA8F8-1E43-384B-8982-C0BB94049B5C}"/>
+              </a:ext>
+            </a:extLst>
+          </p:cNvPr>
           <p:cNvSpPr>
             <a:spLocks noGrp="1"/>
           </p:cNvSpPr>
           <p:nvPr>
-            <p:ph type="ctrTitle"/>
+            <p:ph type="title"/>
           </p:nvPr>
         </p:nvSpPr>
         <p:spPr>
           <a:xfrm>
-            <a:off x="416425" y="1788160"/>
-            <a:ext cx="7848344" cy="929640"/>
+            <a:off x="0" y="31899"/>
+            <a:ext cx="8345488" cy="731837"/>
           </a:xfrm>
         </p:spPr>
         <p:txBody>
@@ -32151,35 +31026,159 @@
           <a:lstStyle/>
           <a:p>
             <a:r>
-              <a:rPr lang="en-US" dirty="0">
-                <a:solidFill>
-                  <a:schemeClr val="accent5">
-                    <a:lumMod val="40000"/>
-                    <a:lumOff val="60000"/>
-                  </a:schemeClr>
+              <a:rPr lang="en-US" sz="1600" dirty="0"/>
+              <a:t>LAN Attacks</a:t>
+            </a:r>
+            <a:br>
+              <a:rPr lang="en-US" dirty="0"/>
+            </a:br>
+            <a:r>
+              <a:rPr lang="en-US" sz="2400" dirty="0"/>
+              <a:t>VLAN Double-Tagging Attacks (Cont.)</a:t>
+            </a:r>
+          </a:p>
+        </p:txBody>
+      </p:sp>
+      <p:sp>
+        <p:nvSpPr>
+          <p:cNvPr id="4" name="Content Placeholder 3">
+            <a:extLst>
+              <a:ext uri="{FF2B5EF4-FFF2-40B4-BE49-F238E27FC236}">
+                <a16:creationId xmlns:a16="http://schemas.microsoft.com/office/drawing/2014/main" id="{F8ECADB4-1C1D-7B40-B8CF-8A1FA1C78DB6}"/>
+              </a:ext>
+            </a:extLst>
+          </p:cNvPr>
+          <p:cNvSpPr>
+            <a:spLocks noGrp="1"/>
+          </p:cNvSpPr>
+          <p:nvPr>
+            <p:ph idx="1"/>
+          </p:nvPr>
+        </p:nvSpPr>
+        <p:spPr>
+          <a:xfrm>
+            <a:off x="474662" y="763736"/>
+            <a:ext cx="8280057" cy="3657998"/>
+          </a:xfrm>
+        </p:spPr>
+        <p:txBody>
+          <a:bodyPr/>
+          <a:lstStyle/>
+          <a:p>
+            <a:pPr marL="0" indent="0" algn="l"/>
+            <a:r>
+              <a:rPr lang="en-US" sz="1600" dirty="0">
+                <a:solidFill>
+                  <a:srgbClr val="000000"/>
                 </a:solidFill>
               </a:rPr>
-              <a:t>10.5 LAN Attacks</a:t>
+              <a:t>A VLAN double-tagging attack is unidirectional and works only when the attacker is connected to a port residing in the same VLAN as the native VLAN of the trunk port. The idea is that double tagging allows the attacker to send data to hosts or servers on a VLAN that otherwise would be blocked by some type of access control configuration. Presumably the return traffic will also be permitted, thus giving the attacker the ability to communicate with devices on the normally blocked VLAN.</a:t>
             </a:r>
+          </a:p>
+          <a:p>
+            <a:pPr marL="0" indent="0" algn="l"/>
+            <a:endParaRPr lang="en-US" sz="1600" dirty="0">
+              <a:solidFill>
+                <a:srgbClr val="000000"/>
+              </a:solidFill>
+            </a:endParaRPr>
+          </a:p>
+          <a:p>
+            <a:pPr marL="0" indent="0" algn="l"/>
+            <a:r>
+              <a:rPr lang="en-US" sz="1600" b="1" dirty="0">
+                <a:solidFill>
+                  <a:srgbClr val="000000"/>
+                </a:solidFill>
+              </a:rPr>
+              <a:t>VLAN Attack Mitigation - </a:t>
+            </a:r>
+            <a:r>
+              <a:rPr lang="en-US" sz="1600" dirty="0">
+                <a:solidFill>
+                  <a:srgbClr val="000000"/>
+                </a:solidFill>
+              </a:rPr>
+              <a:t>VLAN hopping and VLAN double-tagging attacks can be prevented by implementing the following trunk security guidelines, as discussed in a previous module:</a:t>
+            </a:r>
+          </a:p>
+          <a:p>
+            <a:pPr marL="415985" lvl="1" indent="-342900">
+              <a:buFont typeface="Arial" panose="020B0604020202020204" pitchFamily="34" charset="0"/>
+              <a:buChar char="•"/>
+            </a:pPr>
+            <a:r>
+              <a:rPr lang="en-US" sz="1600" dirty="0">
+                <a:solidFill>
+                  <a:srgbClr val="000000"/>
+                </a:solidFill>
+              </a:rPr>
+              <a:t>Disable trunking on all access ports.</a:t>
+            </a:r>
+          </a:p>
+          <a:p>
+            <a:pPr marL="415985" lvl="1" indent="-342900">
+              <a:buFont typeface="Arial" panose="020B0604020202020204" pitchFamily="34" charset="0"/>
+              <a:buChar char="•"/>
+            </a:pPr>
+            <a:r>
+              <a:rPr lang="en-US" sz="1600" dirty="0">
+                <a:solidFill>
+                  <a:srgbClr val="000000"/>
+                </a:solidFill>
+              </a:rPr>
+              <a:t>Disable auto trunking on trunk links so that trunks must be manually enabled.</a:t>
+            </a:r>
+          </a:p>
+          <a:p>
+            <a:pPr marL="415985" lvl="1" indent="-342900">
+              <a:buFont typeface="Arial" panose="020B0604020202020204" pitchFamily="34" charset="0"/>
+              <a:buChar char="•"/>
+            </a:pPr>
+            <a:r>
+              <a:rPr lang="en-US" sz="1600" dirty="0">
+                <a:solidFill>
+                  <a:srgbClr val="000000"/>
+                </a:solidFill>
+              </a:rPr>
+              <a:t>Be sure that the native VLAN is only used for trunk links.</a:t>
+            </a:r>
+          </a:p>
+          <a:p>
+            <a:pPr marL="342900" indent="-342900" algn="l">
+              <a:buFont typeface="Arial" panose="020B0604020202020204" pitchFamily="34" charset="0"/>
+              <a:buChar char="•"/>
+            </a:pPr>
+            <a:endParaRPr lang="en-US" sz="1400" dirty="0">
+              <a:solidFill>
+                <a:srgbClr val="000000"/>
+              </a:solidFill>
+            </a:endParaRPr>
           </a:p>
         </p:txBody>
       </p:sp>
     </p:spTree>
-    <p:custDataLst>
-      <p:tags r:id="rId1"/>
-    </p:custDataLst>
     <p:extLst>
       <p:ext uri="{BB962C8B-B14F-4D97-AF65-F5344CB8AC3E}">
-        <p14:creationId xmlns:p14="http://schemas.microsoft.com/office/powerpoint/2010/main" val="2732502007"/>
+        <p14:creationId xmlns:p14="http://schemas.microsoft.com/office/powerpoint/2010/main" val="2139717828"/>
       </p:ext>
     </p:extLst>
   </p:cSld>
   <p:clrMapOvr>
     <a:masterClrMapping/>
   </p:clrMapOvr>
-  <p:transition spd="slow">
-    <p:wipe/>
-  </p:transition>
+  <mc:AlternateContent xmlns:mc="http://schemas.openxmlformats.org/markup-compatibility/2006" xmlns:p14="http://schemas.microsoft.com/office/powerpoint/2010/main">
+    <mc:Choice Requires="p14">
+      <p:transition spd="med" p14:dur="700">
+        <p:fade/>
+      </p:transition>
+    </mc:Choice>
+    <mc:Fallback xmlns="">
+      <p:transition xmlns:p14="http://schemas.microsoft.com/office/powerpoint/2010/main" spd="med">
+        <p:fade/>
+      </p:transition>
+    </mc:Fallback>
+  </mc:AlternateContent>
 </p:sld>
 </file>
 
@@ -32187,12 +31186,6 @@
 <p:tagLst xmlns:a="http://schemas.openxmlformats.org/drawingml/2006/main" xmlns:r="http://schemas.openxmlformats.org/officeDocument/2006/relationships" xmlns:p="http://schemas.openxmlformats.org/presentationml/2006/main">
   <p:tag name="ARTICULATE_SLIDE_COUNT" val="65"/>
   <p:tag name="ARTICULATE_PROJECT_OPEN" val="0"/>
-</p:tagLst>
-</file>
-
-<file path=ppt/tags/tag10.xml><?xml version="1.0" encoding="utf-8"?>
-<p:tagLst xmlns:a="http://schemas.openxmlformats.org/drawingml/2006/main" xmlns:r="http://schemas.openxmlformats.org/officeDocument/2006/relationships" xmlns:p="http://schemas.openxmlformats.org/presentationml/2006/main">
-  <p:tag name="ARTICULATE_SLIDE_THUMBNAIL_REFRESH" val="1"/>
 </p:tagLst>
 </file>
 
